--- a/MA_RL_OMM/presentation.pptx
+++ b/MA_RL_OMM/presentation.pptx
@@ -4,6 +4,9 @@
   <p:sldMasterIdLst>
     <p:sldMasterId id="2147483731" r:id="rId1"/>
   </p:sldMasterIdLst>
+  <p:notesMasterIdLst>
+    <p:notesMasterId r:id="rId37"/>
+  </p:notesMasterIdLst>
   <p:sldIdLst>
     <p:sldId id="256" r:id="rId2"/>
     <p:sldId id="257" r:id="rId3"/>
@@ -12,17 +15,34 @@
     <p:sldId id="261" r:id="rId6"/>
     <p:sldId id="263" r:id="rId7"/>
     <p:sldId id="262" r:id="rId8"/>
-    <p:sldId id="264" r:id="rId9"/>
-    <p:sldId id="265" r:id="rId10"/>
-    <p:sldId id="266" r:id="rId11"/>
-    <p:sldId id="271" r:id="rId12"/>
-    <p:sldId id="267" r:id="rId13"/>
-    <p:sldId id="269" r:id="rId14"/>
-    <p:sldId id="270" r:id="rId15"/>
-    <p:sldId id="272" r:id="rId16"/>
-    <p:sldId id="274" r:id="rId17"/>
-    <p:sldId id="273" r:id="rId18"/>
-    <p:sldId id="268" r:id="rId19"/>
+    <p:sldId id="278" r:id="rId9"/>
+    <p:sldId id="264" r:id="rId10"/>
+    <p:sldId id="265" r:id="rId11"/>
+    <p:sldId id="266" r:id="rId12"/>
+    <p:sldId id="271" r:id="rId13"/>
+    <p:sldId id="267" r:id="rId14"/>
+    <p:sldId id="269" r:id="rId15"/>
+    <p:sldId id="270" r:id="rId16"/>
+    <p:sldId id="272" r:id="rId17"/>
+    <p:sldId id="275" r:id="rId18"/>
+    <p:sldId id="276" r:id="rId19"/>
+    <p:sldId id="277" r:id="rId20"/>
+    <p:sldId id="273" r:id="rId21"/>
+    <p:sldId id="279" r:id="rId22"/>
+    <p:sldId id="280" r:id="rId23"/>
+    <p:sldId id="281" r:id="rId24"/>
+    <p:sldId id="282" r:id="rId25"/>
+    <p:sldId id="283" r:id="rId26"/>
+    <p:sldId id="284" r:id="rId27"/>
+    <p:sldId id="285" r:id="rId28"/>
+    <p:sldId id="286" r:id="rId29"/>
+    <p:sldId id="287" r:id="rId30"/>
+    <p:sldId id="288" r:id="rId31"/>
+    <p:sldId id="289" r:id="rId32"/>
+    <p:sldId id="290" r:id="rId33"/>
+    <p:sldId id="291" r:id="rId34"/>
+    <p:sldId id="292" r:id="rId35"/>
+    <p:sldId id="293" r:id="rId36"/>
   </p:sldIdLst>
   <p:sldSz cx="12192000" cy="6858000"/>
   <p:notesSz cx="6858000" cy="9144000"/>
@@ -121,7 +141,361 @@
       </a:defRPr>
     </a:lvl9pPr>
   </p:defaultTextStyle>
+  <p:extLst>
+    <p:ext uri="{EFAFB233-063F-42B5-8137-9DF3F51BA10A}">
+      <p15:sldGuideLst xmlns:p15="http://schemas.microsoft.com/office/powerpoint/2012/main"/>
+    </p:ext>
+  </p:extLst>
 </p:presentation>
+</file>
+
+<file path=ppt/notesMasters/notesMaster1.xml><?xml version="1.0" encoding="utf-8"?>
+<p:notesMaster xmlns:a="http://schemas.openxmlformats.org/drawingml/2006/main" xmlns:r="http://schemas.openxmlformats.org/officeDocument/2006/relationships" xmlns:p="http://schemas.openxmlformats.org/presentationml/2006/main">
+  <p:cSld>
+    <p:bg>
+      <p:bgRef idx="1001">
+        <a:schemeClr val="bg1"/>
+      </p:bgRef>
+    </p:bg>
+    <p:spTree>
+      <p:nvGrpSpPr>
+        <p:cNvPr id="1" name=""/>
+        <p:cNvGrpSpPr/>
+        <p:nvPr/>
+      </p:nvGrpSpPr>
+      <p:grpSpPr>
+        <a:xfrm>
+          <a:off x="0" y="0"/>
+          <a:ext cx="0" cy="0"/>
+          <a:chOff x="0" y="0"/>
+          <a:chExt cx="0" cy="0"/>
+        </a:xfrm>
+      </p:grpSpPr>
+      <p:sp>
+        <p:nvSpPr>
+          <p:cNvPr id="2" name="Верхний колонтитул 1"/>
+          <p:cNvSpPr>
+            <a:spLocks noGrp="1"/>
+          </p:cNvSpPr>
+          <p:nvPr>
+            <p:ph type="hdr" sz="quarter"/>
+          </p:nvPr>
+        </p:nvSpPr>
+        <p:spPr>
+          <a:xfrm>
+            <a:off x="0" y="0"/>
+            <a:ext cx="2971800" cy="458788"/>
+          </a:xfrm>
+          <a:prstGeom prst="rect">
+            <a:avLst/>
+          </a:prstGeom>
+        </p:spPr>
+        <p:txBody>
+          <a:bodyPr vert="horz" lIns="91440" tIns="45720" rIns="91440" bIns="45720" rtlCol="0"/>
+          <a:lstStyle>
+            <a:lvl1pPr algn="l">
+              <a:defRPr sz="1200"/>
+            </a:lvl1pPr>
+          </a:lstStyle>
+          <a:p>
+            <a:endParaRPr lang="ru-RU"/>
+          </a:p>
+        </p:txBody>
+      </p:sp>
+      <p:sp>
+        <p:nvSpPr>
+          <p:cNvPr id="3" name="Дата 2"/>
+          <p:cNvSpPr>
+            <a:spLocks noGrp="1"/>
+          </p:cNvSpPr>
+          <p:nvPr>
+            <p:ph type="dt" idx="1"/>
+          </p:nvPr>
+        </p:nvSpPr>
+        <p:spPr>
+          <a:xfrm>
+            <a:off x="3884613" y="0"/>
+            <a:ext cx="2971800" cy="458788"/>
+          </a:xfrm>
+          <a:prstGeom prst="rect">
+            <a:avLst/>
+          </a:prstGeom>
+        </p:spPr>
+        <p:txBody>
+          <a:bodyPr vert="horz" lIns="91440" tIns="45720" rIns="91440" bIns="45720" rtlCol="0"/>
+          <a:lstStyle>
+            <a:lvl1pPr algn="r">
+              <a:defRPr sz="1200"/>
+            </a:lvl1pPr>
+          </a:lstStyle>
+          <a:p>
+            <a:fld id="{7F4A1BC6-F2BB-4001-A29F-357492F7C301}" type="datetimeFigureOut">
+              <a:rPr lang="ru-RU" smtClean="0"/>
+              <a:t>19.02.2022</a:t>
+            </a:fld>
+            <a:endParaRPr lang="ru-RU"/>
+          </a:p>
+        </p:txBody>
+      </p:sp>
+      <p:sp>
+        <p:nvSpPr>
+          <p:cNvPr id="4" name="Образ слайда 3"/>
+          <p:cNvSpPr>
+            <a:spLocks noGrp="1" noRot="1" noChangeAspect="1"/>
+          </p:cNvSpPr>
+          <p:nvPr>
+            <p:ph type="sldImg" idx="2"/>
+          </p:nvPr>
+        </p:nvSpPr>
+        <p:spPr>
+          <a:xfrm>
+            <a:off x="685800" y="1143000"/>
+            <a:ext cx="5486400" cy="3086100"/>
+          </a:xfrm>
+          <a:prstGeom prst="rect">
+            <a:avLst/>
+          </a:prstGeom>
+          <a:noFill/>
+          <a:ln w="12700">
+            <a:solidFill>
+              <a:prstClr val="black"/>
+            </a:solidFill>
+          </a:ln>
+        </p:spPr>
+        <p:txBody>
+          <a:bodyPr vert="horz" lIns="91440" tIns="45720" rIns="91440" bIns="45720" rtlCol="0" anchor="ctr"/>
+          <a:lstStyle/>
+          <a:p>
+            <a:endParaRPr lang="ru-RU"/>
+          </a:p>
+        </p:txBody>
+      </p:sp>
+      <p:sp>
+        <p:nvSpPr>
+          <p:cNvPr id="5" name="Заметки 4"/>
+          <p:cNvSpPr>
+            <a:spLocks noGrp="1"/>
+          </p:cNvSpPr>
+          <p:nvPr>
+            <p:ph type="body" sz="quarter" idx="3"/>
+          </p:nvPr>
+        </p:nvSpPr>
+        <p:spPr>
+          <a:xfrm>
+            <a:off x="685800" y="4400550"/>
+            <a:ext cx="5486400" cy="3600450"/>
+          </a:xfrm>
+          <a:prstGeom prst="rect">
+            <a:avLst/>
+          </a:prstGeom>
+        </p:spPr>
+        <p:txBody>
+          <a:bodyPr vert="horz" lIns="91440" tIns="45720" rIns="91440" bIns="45720" rtlCol="0"/>
+          <a:lstStyle/>
+          <a:p>
+            <a:pPr lvl="0"/>
+            <a:r>
+              <a:rPr lang="ru-RU"/>
+              <a:t>Образец текста</a:t>
+            </a:r>
+          </a:p>
+          <a:p>
+            <a:pPr lvl="1"/>
+            <a:r>
+              <a:rPr lang="ru-RU"/>
+              <a:t>Второй уровень</a:t>
+            </a:r>
+          </a:p>
+          <a:p>
+            <a:pPr lvl="2"/>
+            <a:r>
+              <a:rPr lang="ru-RU"/>
+              <a:t>Третий уровень</a:t>
+            </a:r>
+          </a:p>
+          <a:p>
+            <a:pPr lvl="3"/>
+            <a:r>
+              <a:rPr lang="ru-RU"/>
+              <a:t>Четвертый уровень</a:t>
+            </a:r>
+          </a:p>
+          <a:p>
+            <a:pPr lvl="4"/>
+            <a:r>
+              <a:rPr lang="ru-RU"/>
+              <a:t>Пятый уровень</a:t>
+            </a:r>
+          </a:p>
+        </p:txBody>
+      </p:sp>
+      <p:sp>
+        <p:nvSpPr>
+          <p:cNvPr id="6" name="Нижний колонтитул 5"/>
+          <p:cNvSpPr>
+            <a:spLocks noGrp="1"/>
+          </p:cNvSpPr>
+          <p:nvPr>
+            <p:ph type="ftr" sz="quarter" idx="4"/>
+          </p:nvPr>
+        </p:nvSpPr>
+        <p:spPr>
+          <a:xfrm>
+            <a:off x="0" y="8685213"/>
+            <a:ext cx="2971800" cy="458787"/>
+          </a:xfrm>
+          <a:prstGeom prst="rect">
+            <a:avLst/>
+          </a:prstGeom>
+        </p:spPr>
+        <p:txBody>
+          <a:bodyPr vert="horz" lIns="91440" tIns="45720" rIns="91440" bIns="45720" rtlCol="0" anchor="b"/>
+          <a:lstStyle>
+            <a:lvl1pPr algn="l">
+              <a:defRPr sz="1200"/>
+            </a:lvl1pPr>
+          </a:lstStyle>
+          <a:p>
+            <a:endParaRPr lang="ru-RU"/>
+          </a:p>
+        </p:txBody>
+      </p:sp>
+      <p:sp>
+        <p:nvSpPr>
+          <p:cNvPr id="7" name="Номер слайда 6"/>
+          <p:cNvSpPr>
+            <a:spLocks noGrp="1"/>
+          </p:cNvSpPr>
+          <p:nvPr>
+            <p:ph type="sldNum" sz="quarter" idx="5"/>
+          </p:nvPr>
+        </p:nvSpPr>
+        <p:spPr>
+          <a:xfrm>
+            <a:off x="3884613" y="8685213"/>
+            <a:ext cx="2971800" cy="458787"/>
+          </a:xfrm>
+          <a:prstGeom prst="rect">
+            <a:avLst/>
+          </a:prstGeom>
+        </p:spPr>
+        <p:txBody>
+          <a:bodyPr vert="horz" lIns="91440" tIns="45720" rIns="91440" bIns="45720" rtlCol="0" anchor="b"/>
+          <a:lstStyle>
+            <a:lvl1pPr algn="r">
+              <a:defRPr sz="1200"/>
+            </a:lvl1pPr>
+          </a:lstStyle>
+          <a:p>
+            <a:fld id="{7B52DA18-F0D5-4BC6-A160-62C02070F796}" type="slidenum">
+              <a:rPr lang="ru-RU" smtClean="0"/>
+              <a:t>‹#›</a:t>
+            </a:fld>
+            <a:endParaRPr lang="ru-RU"/>
+          </a:p>
+        </p:txBody>
+      </p:sp>
+    </p:spTree>
+    <p:extLst>
+      <p:ext uri="{BB962C8B-B14F-4D97-AF65-F5344CB8AC3E}">
+        <p14:creationId xmlns:p14="http://schemas.microsoft.com/office/powerpoint/2010/main" val="3504130440"/>
+      </p:ext>
+    </p:extLst>
+  </p:cSld>
+  <p:clrMap bg1="lt1" tx1="dk1" bg2="lt2" tx2="dk2" accent1="accent1" accent2="accent2" accent3="accent3" accent4="accent4" accent5="accent5" accent6="accent6" hlink="hlink" folHlink="folHlink"/>
+  <p:notesStyle>
+    <a:lvl1pPr marL="0" algn="l" defTabSz="914400" rtl="0" eaLnBrk="1" latinLnBrk="0" hangingPunct="1">
+      <a:defRPr sz="1200" kern="1200">
+        <a:solidFill>
+          <a:schemeClr val="tx1"/>
+        </a:solidFill>
+        <a:latin typeface="+mn-lt"/>
+        <a:ea typeface="+mn-ea"/>
+        <a:cs typeface="+mn-cs"/>
+      </a:defRPr>
+    </a:lvl1pPr>
+    <a:lvl2pPr marL="457200" algn="l" defTabSz="914400" rtl="0" eaLnBrk="1" latinLnBrk="0" hangingPunct="1">
+      <a:defRPr sz="1200" kern="1200">
+        <a:solidFill>
+          <a:schemeClr val="tx1"/>
+        </a:solidFill>
+        <a:latin typeface="+mn-lt"/>
+        <a:ea typeface="+mn-ea"/>
+        <a:cs typeface="+mn-cs"/>
+      </a:defRPr>
+    </a:lvl2pPr>
+    <a:lvl3pPr marL="914400" algn="l" defTabSz="914400" rtl="0" eaLnBrk="1" latinLnBrk="0" hangingPunct="1">
+      <a:defRPr sz="1200" kern="1200">
+        <a:solidFill>
+          <a:schemeClr val="tx1"/>
+        </a:solidFill>
+        <a:latin typeface="+mn-lt"/>
+        <a:ea typeface="+mn-ea"/>
+        <a:cs typeface="+mn-cs"/>
+      </a:defRPr>
+    </a:lvl3pPr>
+    <a:lvl4pPr marL="1371600" algn="l" defTabSz="914400" rtl="0" eaLnBrk="1" latinLnBrk="0" hangingPunct="1">
+      <a:defRPr sz="1200" kern="1200">
+        <a:solidFill>
+          <a:schemeClr val="tx1"/>
+        </a:solidFill>
+        <a:latin typeface="+mn-lt"/>
+        <a:ea typeface="+mn-ea"/>
+        <a:cs typeface="+mn-cs"/>
+      </a:defRPr>
+    </a:lvl4pPr>
+    <a:lvl5pPr marL="1828800" algn="l" defTabSz="914400" rtl="0" eaLnBrk="1" latinLnBrk="0" hangingPunct="1">
+      <a:defRPr sz="1200" kern="1200">
+        <a:solidFill>
+          <a:schemeClr val="tx1"/>
+        </a:solidFill>
+        <a:latin typeface="+mn-lt"/>
+        <a:ea typeface="+mn-ea"/>
+        <a:cs typeface="+mn-cs"/>
+      </a:defRPr>
+    </a:lvl5pPr>
+    <a:lvl6pPr marL="2286000" algn="l" defTabSz="914400" rtl="0" eaLnBrk="1" latinLnBrk="0" hangingPunct="1">
+      <a:defRPr sz="1200" kern="1200">
+        <a:solidFill>
+          <a:schemeClr val="tx1"/>
+        </a:solidFill>
+        <a:latin typeface="+mn-lt"/>
+        <a:ea typeface="+mn-ea"/>
+        <a:cs typeface="+mn-cs"/>
+      </a:defRPr>
+    </a:lvl6pPr>
+    <a:lvl7pPr marL="2743200" algn="l" defTabSz="914400" rtl="0" eaLnBrk="1" latinLnBrk="0" hangingPunct="1">
+      <a:defRPr sz="1200" kern="1200">
+        <a:solidFill>
+          <a:schemeClr val="tx1"/>
+        </a:solidFill>
+        <a:latin typeface="+mn-lt"/>
+        <a:ea typeface="+mn-ea"/>
+        <a:cs typeface="+mn-cs"/>
+      </a:defRPr>
+    </a:lvl7pPr>
+    <a:lvl8pPr marL="3200400" algn="l" defTabSz="914400" rtl="0" eaLnBrk="1" latinLnBrk="0" hangingPunct="1">
+      <a:defRPr sz="1200" kern="1200">
+        <a:solidFill>
+          <a:schemeClr val="tx1"/>
+        </a:solidFill>
+        <a:latin typeface="+mn-lt"/>
+        <a:ea typeface="+mn-ea"/>
+        <a:cs typeface="+mn-cs"/>
+      </a:defRPr>
+    </a:lvl8pPr>
+    <a:lvl9pPr marL="3657600" algn="l" defTabSz="914400" rtl="0" eaLnBrk="1" latinLnBrk="0" hangingPunct="1">
+      <a:defRPr sz="1200" kern="1200">
+        <a:solidFill>
+          <a:schemeClr val="tx1"/>
+        </a:solidFill>
+        <a:latin typeface="+mn-lt"/>
+        <a:ea typeface="+mn-ea"/>
+        <a:cs typeface="+mn-cs"/>
+      </a:defRPr>
+    </a:lvl9pPr>
+  </p:notesStyle>
+</p:notesMaster>
 </file>
 
 <file path=ppt/slideLayouts/slideLayout1.xml><?xml version="1.0" encoding="utf-8"?>
@@ -309,7 +683,7 @@
           <a:p>
             <a:fld id="{F73DBDAE-EA8F-4A09-960B-314D8ACAF4CE}" type="datetimeFigureOut">
               <a:rPr lang="ru-RU" smtClean="0"/>
-              <a:t>16.02.2022</a:t>
+              <a:t>19.02.2022</a:t>
             </a:fld>
             <a:endParaRPr lang="ru-RU"/>
           </a:p>
@@ -607,7 +981,7 @@
           <a:p>
             <a:fld id="{F73DBDAE-EA8F-4A09-960B-314D8ACAF4CE}" type="datetimeFigureOut">
               <a:rPr lang="ru-RU" smtClean="0"/>
-              <a:t>16.02.2022</a:t>
+              <a:t>19.02.2022</a:t>
             </a:fld>
             <a:endParaRPr lang="ru-RU"/>
           </a:p>
@@ -799,7 +1173,7 @@
           <a:p>
             <a:fld id="{F73DBDAE-EA8F-4A09-960B-314D8ACAF4CE}" type="datetimeFigureOut">
               <a:rPr lang="ru-RU" smtClean="0"/>
-              <a:t>16.02.2022</a:t>
+              <a:t>19.02.2022</a:t>
             </a:fld>
             <a:endParaRPr lang="ru-RU"/>
           </a:p>
@@ -1060,7 +1434,7 @@
           <a:p>
             <a:fld id="{F73DBDAE-EA8F-4A09-960B-314D8ACAF4CE}" type="datetimeFigureOut">
               <a:rPr lang="ru-RU" smtClean="0"/>
-              <a:t>16.02.2022</a:t>
+              <a:t>19.02.2022</a:t>
             </a:fld>
             <a:endParaRPr lang="ru-RU"/>
           </a:p>
@@ -1484,7 +1858,7 @@
           <a:p>
             <a:fld id="{F73DBDAE-EA8F-4A09-960B-314D8ACAF4CE}" type="datetimeFigureOut">
               <a:rPr lang="ru-RU" smtClean="0"/>
-              <a:t>16.02.2022</a:t>
+              <a:t>19.02.2022</a:t>
             </a:fld>
             <a:endParaRPr lang="ru-RU"/>
           </a:p>
@@ -2021,7 +2395,7 @@
           <a:p>
             <a:fld id="{F73DBDAE-EA8F-4A09-960B-314D8ACAF4CE}" type="datetimeFigureOut">
               <a:rPr lang="ru-RU" smtClean="0"/>
-              <a:t>16.02.2022</a:t>
+              <a:t>19.02.2022</a:t>
             </a:fld>
             <a:endParaRPr lang="ru-RU"/>
           </a:p>
@@ -2885,7 +3259,7 @@
           <a:p>
             <a:fld id="{F73DBDAE-EA8F-4A09-960B-314D8ACAF4CE}" type="datetimeFigureOut">
               <a:rPr lang="ru-RU" smtClean="0"/>
-              <a:t>16.02.2022</a:t>
+              <a:t>19.02.2022</a:t>
             </a:fld>
             <a:endParaRPr lang="ru-RU"/>
           </a:p>
@@ -3055,7 +3429,7 @@
           <a:p>
             <a:fld id="{F73DBDAE-EA8F-4A09-960B-314D8ACAF4CE}" type="datetimeFigureOut">
               <a:rPr lang="ru-RU" smtClean="0"/>
-              <a:t>16.02.2022</a:t>
+              <a:t>19.02.2022</a:t>
             </a:fld>
             <a:endParaRPr lang="ru-RU"/>
           </a:p>
@@ -3239,7 +3613,7 @@
           <a:p>
             <a:fld id="{F73DBDAE-EA8F-4A09-960B-314D8ACAF4CE}" type="datetimeFigureOut">
               <a:rPr lang="ru-RU" smtClean="0"/>
-              <a:t>16.02.2022</a:t>
+              <a:t>19.02.2022</a:t>
             </a:fld>
             <a:endParaRPr lang="ru-RU"/>
           </a:p>
@@ -3409,7 +3783,7 @@
           <a:p>
             <a:fld id="{F73DBDAE-EA8F-4A09-960B-314D8ACAF4CE}" type="datetimeFigureOut">
               <a:rPr lang="ru-RU" smtClean="0"/>
-              <a:t>16.02.2022</a:t>
+              <a:t>19.02.2022</a:t>
             </a:fld>
             <a:endParaRPr lang="ru-RU"/>
           </a:p>
@@ -3653,7 +4027,7 @@
           <a:p>
             <a:fld id="{F73DBDAE-EA8F-4A09-960B-314D8ACAF4CE}" type="datetimeFigureOut">
               <a:rPr lang="ru-RU" smtClean="0"/>
-              <a:t>16.02.2022</a:t>
+              <a:t>19.02.2022</a:t>
             </a:fld>
             <a:endParaRPr lang="ru-RU"/>
           </a:p>
@@ -3889,7 +4263,7 @@
           <a:p>
             <a:fld id="{F73DBDAE-EA8F-4A09-960B-314D8ACAF4CE}" type="datetimeFigureOut">
               <a:rPr lang="ru-RU" smtClean="0"/>
-              <a:t>16.02.2022</a:t>
+              <a:t>19.02.2022</a:t>
             </a:fld>
             <a:endParaRPr lang="ru-RU"/>
           </a:p>
@@ -4355,7 +4729,7 @@
           <a:p>
             <a:fld id="{F73DBDAE-EA8F-4A09-960B-314D8ACAF4CE}" type="datetimeFigureOut">
               <a:rPr lang="ru-RU" smtClean="0"/>
-              <a:t>16.02.2022</a:t>
+              <a:t>19.02.2022</a:t>
             </a:fld>
             <a:endParaRPr lang="ru-RU"/>
           </a:p>
@@ -4473,7 +4847,7 @@
           <a:p>
             <a:fld id="{F73DBDAE-EA8F-4A09-960B-314D8ACAF4CE}" type="datetimeFigureOut">
               <a:rPr lang="ru-RU" smtClean="0"/>
-              <a:t>16.02.2022</a:t>
+              <a:t>19.02.2022</a:t>
             </a:fld>
             <a:endParaRPr lang="ru-RU"/>
           </a:p>
@@ -4568,7 +4942,7 @@
           <a:p>
             <a:fld id="{F73DBDAE-EA8F-4A09-960B-314D8ACAF4CE}" type="datetimeFigureOut">
               <a:rPr lang="ru-RU" smtClean="0"/>
-              <a:t>16.02.2022</a:t>
+              <a:t>19.02.2022</a:t>
             </a:fld>
             <a:endParaRPr lang="ru-RU"/>
           </a:p>
@@ -4823,7 +5197,7 @@
           <a:p>
             <a:fld id="{F73DBDAE-EA8F-4A09-960B-314D8ACAF4CE}" type="datetimeFigureOut">
               <a:rPr lang="ru-RU" smtClean="0"/>
-              <a:t>16.02.2022</a:t>
+              <a:t>19.02.2022</a:t>
             </a:fld>
             <a:endParaRPr lang="ru-RU"/>
           </a:p>
@@ -5123,7 +5497,7 @@
           <a:p>
             <a:fld id="{F73DBDAE-EA8F-4A09-960B-314D8ACAF4CE}" type="datetimeFigureOut">
               <a:rPr lang="ru-RU" smtClean="0"/>
-              <a:t>16.02.2022</a:t>
+              <a:t>19.02.2022</a:t>
             </a:fld>
             <a:endParaRPr lang="ru-RU"/>
           </a:p>
@@ -5357,7 +5731,7 @@
           <a:p>
             <a:fld id="{F73DBDAE-EA8F-4A09-960B-314D8ACAF4CE}" type="datetimeFigureOut">
               <a:rPr lang="ru-RU" smtClean="0"/>
-              <a:t>16.02.2022</a:t>
+              <a:t>19.02.2022</a:t>
             </a:fld>
             <a:endParaRPr lang="ru-RU"/>
           </a:p>
@@ -6135,7 +6509,7 @@
           <p:cNvPr id="2" name="Заголовок 1">
             <a:extLst>
               <a:ext uri="{FF2B5EF4-FFF2-40B4-BE49-F238E27FC236}">
-                <a16:creationId xmlns:a16="http://schemas.microsoft.com/office/drawing/2014/main" id="{D14C5435-2A14-43B3-AF25-A4599B7AA276}"/>
+                <a16:creationId xmlns:a16="http://schemas.microsoft.com/office/drawing/2014/main" id="{206AFE6D-E05E-44EE-A983-AC65D9FBA5CA}"/>
               </a:ext>
             </a:extLst>
           </p:cNvPr>
@@ -6153,81 +6527,350 @@
           <a:p>
             <a:r>
               <a:rPr lang="en-US" dirty="0"/>
-              <a:t>Actions</a:t>
+              <a:t>States</a:t>
             </a:r>
             <a:endParaRPr lang="ru-RU" dirty="0"/>
           </a:p>
         </p:txBody>
       </p:sp>
-      <p:sp>
-        <p:nvSpPr>
-          <p:cNvPr id="3" name="Объект 2">
-            <a:extLst>
-              <a:ext uri="{FF2B5EF4-FFF2-40B4-BE49-F238E27FC236}">
-                <a16:creationId xmlns:a16="http://schemas.microsoft.com/office/drawing/2014/main" id="{D217256D-2093-4961-B9AB-24DB32E5731F}"/>
-              </a:ext>
-            </a:extLst>
-          </p:cNvPr>
-          <p:cNvSpPr>
-            <a:spLocks noGrp="1"/>
-          </p:cNvSpPr>
-          <p:nvPr>
-            <p:ph idx="1"/>
-          </p:nvPr>
-        </p:nvSpPr>
-        <p:spPr/>
-        <p:txBody>
-          <a:bodyPr>
-            <a:normAutofit/>
-          </a:bodyPr>
-          <a:lstStyle/>
-          <a:p>
-            <a:r>
-              <a:rPr lang="ru-RU" sz="2400" dirty="0"/>
-              <a:t>Их всего 3:</a:t>
-            </a:r>
-          </a:p>
-          <a:p>
-            <a:pPr lvl="1"/>
-            <a:r>
-              <a:rPr lang="en-US" sz="2000" dirty="0"/>
-              <a:t>Buy </a:t>
-            </a:r>
-            <a:r>
-              <a:rPr lang="ru-RU" sz="2000" dirty="0"/>
-              <a:t>– купить один актив (добавить в массив цен текущую цену)</a:t>
-            </a:r>
-            <a:endParaRPr lang="en-US" sz="2000" dirty="0"/>
-          </a:p>
-          <a:p>
-            <a:pPr lvl="1"/>
-            <a:r>
-              <a:rPr lang="en-US" sz="2000" dirty="0"/>
-              <a:t>Sell</a:t>
-            </a:r>
-            <a:r>
-              <a:rPr lang="ru-RU" sz="2000" dirty="0"/>
-              <a:t> – продать (все активы по текущей цене)</a:t>
-            </a:r>
-            <a:endParaRPr lang="en-US" sz="2000" dirty="0"/>
-          </a:p>
-          <a:p>
-            <a:pPr lvl="1"/>
-            <a:r>
-              <a:rPr lang="en-US" sz="2000" dirty="0"/>
-              <a:t>Hold</a:t>
-            </a:r>
-            <a:r>
-              <a:rPr lang="ru-RU" sz="2000" dirty="0"/>
-              <a:t> – ничего не делать</a:t>
-            </a:r>
-          </a:p>
-        </p:txBody>
-      </p:sp>
+      <mc:AlternateContent xmlns:mc="http://schemas.openxmlformats.org/markup-compatibility/2006" xmlns:a14="http://schemas.microsoft.com/office/drawing/2010/main">
+        <mc:Choice Requires="a14">
+          <p:sp>
+            <p:nvSpPr>
+              <p:cNvPr id="3" name="Объект 2">
+                <a:extLst>
+                  <a:ext uri="{FF2B5EF4-FFF2-40B4-BE49-F238E27FC236}">
+                    <a16:creationId xmlns:a16="http://schemas.microsoft.com/office/drawing/2014/main" id="{C14C3607-B5C4-439E-957B-29E22EABEDBD}"/>
+                  </a:ext>
+                </a:extLst>
+              </p:cNvPr>
+              <p:cNvSpPr>
+                <a:spLocks noGrp="1"/>
+              </p:cNvSpPr>
+              <p:nvPr>
+                <p:ph idx="1"/>
+              </p:nvPr>
+            </p:nvSpPr>
+            <p:spPr/>
+            <p:txBody>
+              <a:bodyPr/>
+              <a:lstStyle/>
+              <a:p>
+                <a:r>
+                  <a:rPr lang="ru-RU" dirty="0"/>
+                  <a:t>Содержит в себе метрики</a:t>
+                </a:r>
+                <a:r>
+                  <a:rPr lang="en-US" dirty="0"/>
+                  <a:t> (z-score </a:t>
+                </a:r>
+                <a14:m>
+                  <m:oMath xmlns:m="http://schemas.openxmlformats.org/officeDocument/2006/math">
+                    <m:sSub>
+                      <m:sSubPr>
+                        <m:ctrlPr>
+                          <a:rPr lang="ru-RU" sz="2000" b="0" i="1" dirty="0" smtClean="0">
+                            <a:solidFill>
+                              <a:srgbClr val="D4D4D4"/>
+                            </a:solidFill>
+                            <a:effectLst/>
+                            <a:latin typeface="Cambria Math" panose="02040503050406030204" pitchFamily="18" charset="0"/>
+                          </a:rPr>
+                        </m:ctrlPr>
+                      </m:sSubPr>
+                      <m:e>
+                        <m:r>
+                          <a:rPr lang="en-US" sz="2000" b="0" i="1" dirty="0" smtClean="0">
+                            <a:solidFill>
+                              <a:srgbClr val="D4D4D4"/>
+                            </a:solidFill>
+                            <a:effectLst/>
+                            <a:latin typeface="Cambria Math" panose="02040503050406030204" pitchFamily="18" charset="0"/>
+                          </a:rPr>
+                          <m:t>𝑧</m:t>
+                        </m:r>
+                      </m:e>
+                      <m:sub>
+                        <m:r>
+                          <a:rPr lang="en-US" sz="2000" b="0" i="1" dirty="0" smtClean="0">
+                            <a:solidFill>
+                              <a:srgbClr val="D4D4D4"/>
+                            </a:solidFill>
+                            <a:effectLst/>
+                            <a:latin typeface="Cambria Math" panose="02040503050406030204" pitchFamily="18" charset="0"/>
+                          </a:rPr>
+                          <m:t>𝑥</m:t>
+                        </m:r>
+                      </m:sub>
+                    </m:sSub>
+                    <m:r>
+                      <a:rPr lang="en-US" sz="2000" b="0" i="1" dirty="0" smtClean="0">
+                        <a:solidFill>
+                          <a:srgbClr val="D4D4D4"/>
+                        </a:solidFill>
+                        <a:effectLst/>
+                        <a:latin typeface="Cambria Math" panose="02040503050406030204" pitchFamily="18" charset="0"/>
+                      </a:rPr>
+                      <m:t> =</m:t>
+                    </m:r>
+                    <m:f>
+                      <m:fPr>
+                        <m:ctrlPr>
+                          <a:rPr lang="en-US" sz="2000" b="0" i="1" dirty="0" smtClean="0">
+                            <a:solidFill>
+                              <a:srgbClr val="D4D4D4"/>
+                            </a:solidFill>
+                            <a:effectLst/>
+                            <a:latin typeface="Cambria Math" panose="02040503050406030204" pitchFamily="18" charset="0"/>
+                          </a:rPr>
+                        </m:ctrlPr>
+                      </m:fPr>
+                      <m:num>
+                        <m:r>
+                          <a:rPr lang="en-US" sz="2000" b="0" i="1" dirty="0" smtClean="0">
+                            <a:solidFill>
+                              <a:srgbClr val="D4D4D4"/>
+                            </a:solidFill>
+                            <a:effectLst/>
+                            <a:latin typeface="Cambria Math" panose="02040503050406030204" pitchFamily="18" charset="0"/>
+                          </a:rPr>
+                          <m:t>𝑥</m:t>
+                        </m:r>
+                        <m:r>
+                          <a:rPr lang="en-US" sz="2000" b="0" i="1" dirty="0" smtClean="0">
+                            <a:solidFill>
+                              <a:srgbClr val="D4D4D4"/>
+                            </a:solidFill>
+                            <a:effectLst/>
+                            <a:latin typeface="Cambria Math" panose="02040503050406030204" pitchFamily="18" charset="0"/>
+                          </a:rPr>
+                          <m:t>−</m:t>
+                        </m:r>
+                        <m:r>
+                          <a:rPr lang="en-US" sz="2000" b="0" i="1" dirty="0" smtClean="0">
+                            <a:solidFill>
+                              <a:srgbClr val="D4D4D4"/>
+                            </a:solidFill>
+                            <a:effectLst/>
+                            <a:latin typeface="Cambria Math" panose="02040503050406030204" pitchFamily="18" charset="0"/>
+                          </a:rPr>
+                          <m:t>𝜇</m:t>
+                        </m:r>
+                      </m:num>
+                      <m:den>
+                        <m:r>
+                          <a:rPr lang="en-US" sz="2000" b="0" i="1" dirty="0" smtClean="0">
+                            <a:solidFill>
+                              <a:srgbClr val="D4D4D4"/>
+                            </a:solidFill>
+                            <a:effectLst/>
+                            <a:latin typeface="Cambria Math" panose="02040503050406030204" pitchFamily="18" charset="0"/>
+                          </a:rPr>
+                          <m:t>𝜎</m:t>
+                        </m:r>
+                      </m:den>
+                    </m:f>
+                  </m:oMath>
+                </a14:m>
+                <a:r>
+                  <a:rPr lang="en-US" dirty="0"/>
+                  <a:t> </a:t>
+                </a:r>
+                <a:r>
+                  <a:rPr lang="ru-RU" dirty="0"/>
+                  <a:t>за последние </a:t>
+                </a:r>
+                <a:r>
+                  <a:rPr lang="en-US" dirty="0"/>
+                  <a:t>n </a:t>
+                </a:r>
+                <a:r>
+                  <a:rPr lang="ru-RU" dirty="0"/>
+                  <a:t>шагов</a:t>
+                </a:r>
+                <a:r>
+                  <a:rPr lang="en-US" dirty="0"/>
+                  <a:t>)</a:t>
+                </a:r>
+                <a:r>
+                  <a:rPr lang="ru-RU" dirty="0"/>
+                  <a:t>:</a:t>
+                </a:r>
+                <a:endParaRPr lang="en-US" dirty="0"/>
+              </a:p>
+              <a:p>
+                <a:pPr lvl="1"/>
+                <a:r>
+                  <a:rPr lang="en-US" b="0" dirty="0">
+                    <a:solidFill>
+                      <a:srgbClr val="D4D4D4"/>
+                    </a:solidFill>
+                    <a:effectLst/>
+                    <a:latin typeface="Consolas" panose="020B0609020204030204" pitchFamily="49" charset="0"/>
+                  </a:rPr>
+                  <a:t>Price level </a:t>
+                </a:r>
+              </a:p>
+              <a:p>
+                <a:pPr lvl="1"/>
+                <a:r>
+                  <a:rPr lang="en-US" dirty="0">
+                    <a:solidFill>
+                      <a:srgbClr val="D4D4D4"/>
+                    </a:solidFill>
+                    <a:effectLst/>
+                    <a:latin typeface="Consolas" panose="020B0609020204030204" pitchFamily="49" charset="0"/>
+                  </a:rPr>
+                  <a:t>Price change</a:t>
+                </a:r>
+                <a:r>
+                  <a:rPr lang="ru-RU" dirty="0">
+                    <a:solidFill>
+                      <a:srgbClr val="D4D4D4"/>
+                    </a:solidFill>
+                    <a:effectLst/>
+                    <a:latin typeface="Consolas" panose="020B0609020204030204" pitchFamily="49" charset="0"/>
+                  </a:rPr>
+                  <a:t> (относительный)</a:t>
+                </a:r>
+                <a:endParaRPr lang="en-US" dirty="0">
+                  <a:solidFill>
+                    <a:srgbClr val="D4D4D4"/>
+                  </a:solidFill>
+                  <a:effectLst/>
+                  <a:latin typeface="Consolas" panose="020B0609020204030204" pitchFamily="49" charset="0"/>
+                </a:endParaRPr>
+              </a:p>
+              <a:p>
+                <a:pPr lvl="1"/>
+                <a:r>
+                  <a:rPr lang="en-US" b="0" dirty="0">
+                    <a:solidFill>
+                      <a:srgbClr val="D4D4D4"/>
+                    </a:solidFill>
+                    <a:effectLst/>
+                    <a:latin typeface="Consolas" panose="020B0609020204030204" pitchFamily="49" charset="0"/>
+                  </a:rPr>
+                  <a:t>Volume level</a:t>
+                </a:r>
+              </a:p>
+              <a:p>
+                <a:pPr lvl="1"/>
+                <a:r>
+                  <a:rPr lang="en-US" dirty="0">
+                    <a:solidFill>
+                      <a:srgbClr val="D4D4D4"/>
+                    </a:solidFill>
+                    <a:effectLst/>
+                    <a:latin typeface="Consolas" panose="020B0609020204030204" pitchFamily="49" charset="0"/>
+                  </a:rPr>
+                  <a:t>Volume change</a:t>
+                </a:r>
+                <a:r>
+                  <a:rPr lang="ru-RU" dirty="0">
+                    <a:solidFill>
+                      <a:srgbClr val="D4D4D4"/>
+                    </a:solidFill>
+                    <a:effectLst/>
+                    <a:latin typeface="Consolas" panose="020B0609020204030204" pitchFamily="49" charset="0"/>
+                  </a:rPr>
+                  <a:t> (относительный)</a:t>
+                </a:r>
+                <a:endParaRPr lang="en-US" b="0" dirty="0">
+                  <a:solidFill>
+                    <a:srgbClr val="D4D4D4"/>
+                  </a:solidFill>
+                  <a:effectLst/>
+                  <a:latin typeface="Consolas" panose="020B0609020204030204" pitchFamily="49" charset="0"/>
+                </a:endParaRPr>
+              </a:p>
+              <a:p>
+                <a:r>
+                  <a:rPr lang="ru-RU" dirty="0"/>
+                  <a:t>А также </a:t>
+                </a:r>
+                <a:r>
+                  <a:rPr lang="en-US" dirty="0"/>
+                  <a:t>Volatility</a:t>
+                </a:r>
+              </a:p>
+              <a:p>
+                <a:r>
+                  <a:rPr lang="ru-RU" dirty="0"/>
+                  <a:t>И текущие активы (сохраненная цена, по которой купили)</a:t>
+                </a:r>
+              </a:p>
+              <a:p>
+                <a:pPr lvl="1"/>
+                <a:endParaRPr lang="ru-RU" b="0" dirty="0">
+                  <a:solidFill>
+                    <a:srgbClr val="D4D4D4"/>
+                  </a:solidFill>
+                  <a:effectLst/>
+                  <a:latin typeface="Consolas" panose="020B0609020204030204" pitchFamily="49" charset="0"/>
+                </a:endParaRPr>
+              </a:p>
+              <a:p>
+                <a:pPr lvl="1"/>
+                <a:endParaRPr lang="en-US" b="0" dirty="0">
+                  <a:solidFill>
+                    <a:srgbClr val="D4D4D4"/>
+                  </a:solidFill>
+                  <a:effectLst/>
+                  <a:latin typeface="Consolas" panose="020B0609020204030204" pitchFamily="49" charset="0"/>
+                </a:endParaRPr>
+              </a:p>
+              <a:p>
+                <a:pPr lvl="1"/>
+                <a:endParaRPr lang="ru-RU" dirty="0"/>
+              </a:p>
+            </p:txBody>
+          </p:sp>
+        </mc:Choice>
+        <mc:Fallback xmlns="">
+          <p:sp>
+            <p:nvSpPr>
+              <p:cNvPr id="3" name="Объект 2">
+                <a:extLst>
+                  <a:ext uri="{FF2B5EF4-FFF2-40B4-BE49-F238E27FC236}">
+                    <a16:creationId xmlns:a16="http://schemas.microsoft.com/office/drawing/2014/main" id="{C14C3607-B5C4-439E-957B-29E22EABEDBD}"/>
+                  </a:ext>
+                </a:extLst>
+              </p:cNvPr>
+              <p:cNvSpPr>
+                <a:spLocks noGrp="1" noRot="1" noChangeAspect="1" noMove="1" noResize="1" noEditPoints="1" noAdjustHandles="1" noChangeArrowheads="1" noChangeShapeType="1" noTextEdit="1"/>
+              </p:cNvSpPr>
+              <p:nvPr>
+                <p:ph idx="1"/>
+              </p:nvPr>
+            </p:nvSpPr>
+            <p:spPr>
+              <a:blipFill>
+                <a:blip r:embed="rId2"/>
+                <a:stretch>
+                  <a:fillRect/>
+                </a:stretch>
+              </a:blipFill>
+            </p:spPr>
+            <p:txBody>
+              <a:bodyPr/>
+              <a:lstStyle/>
+              <a:p>
+                <a:r>
+                  <a:rPr lang="ru-RU">
+                    <a:noFill/>
+                  </a:rPr>
+                  <a:t> </a:t>
+                </a:r>
+              </a:p>
+            </p:txBody>
+          </p:sp>
+        </mc:Fallback>
+      </mc:AlternateContent>
     </p:spTree>
     <p:extLst>
       <p:ext uri="{BB962C8B-B14F-4D97-AF65-F5344CB8AC3E}">
-        <p14:creationId xmlns:p14="http://schemas.microsoft.com/office/powerpoint/2010/main" val="2262751407"/>
+        <p14:creationId xmlns:p14="http://schemas.microsoft.com/office/powerpoint/2010/main" val="3932396272"/>
       </p:ext>
     </p:extLst>
   </p:cSld>
@@ -6259,6 +6902,130 @@
           <p:cNvPr id="2" name="Заголовок 1">
             <a:extLst>
               <a:ext uri="{FF2B5EF4-FFF2-40B4-BE49-F238E27FC236}">
+                <a16:creationId xmlns:a16="http://schemas.microsoft.com/office/drawing/2014/main" id="{D14C5435-2A14-43B3-AF25-A4599B7AA276}"/>
+              </a:ext>
+            </a:extLst>
+          </p:cNvPr>
+          <p:cNvSpPr>
+            <a:spLocks noGrp="1"/>
+          </p:cNvSpPr>
+          <p:nvPr>
+            <p:ph type="title"/>
+          </p:nvPr>
+        </p:nvSpPr>
+        <p:spPr/>
+        <p:txBody>
+          <a:bodyPr/>
+          <a:lstStyle/>
+          <a:p>
+            <a:r>
+              <a:rPr lang="en-US" dirty="0"/>
+              <a:t>Actions</a:t>
+            </a:r>
+            <a:endParaRPr lang="ru-RU" dirty="0"/>
+          </a:p>
+        </p:txBody>
+      </p:sp>
+      <p:sp>
+        <p:nvSpPr>
+          <p:cNvPr id="3" name="Объект 2">
+            <a:extLst>
+              <a:ext uri="{FF2B5EF4-FFF2-40B4-BE49-F238E27FC236}">
+                <a16:creationId xmlns:a16="http://schemas.microsoft.com/office/drawing/2014/main" id="{D217256D-2093-4961-B9AB-24DB32E5731F}"/>
+              </a:ext>
+            </a:extLst>
+          </p:cNvPr>
+          <p:cNvSpPr>
+            <a:spLocks noGrp="1"/>
+          </p:cNvSpPr>
+          <p:nvPr>
+            <p:ph idx="1"/>
+          </p:nvPr>
+        </p:nvSpPr>
+        <p:spPr/>
+        <p:txBody>
+          <a:bodyPr>
+            <a:normAutofit/>
+          </a:bodyPr>
+          <a:lstStyle/>
+          <a:p>
+            <a:r>
+              <a:rPr lang="ru-RU" sz="2400" dirty="0"/>
+              <a:t>Их всего 3:</a:t>
+            </a:r>
+          </a:p>
+          <a:p>
+            <a:pPr lvl="1"/>
+            <a:r>
+              <a:rPr lang="en-US" sz="2000" dirty="0"/>
+              <a:t>Buy </a:t>
+            </a:r>
+            <a:r>
+              <a:rPr lang="ru-RU" sz="2000" dirty="0"/>
+              <a:t>– купить один актив (добавить в массив цен текущую цену)</a:t>
+            </a:r>
+            <a:endParaRPr lang="en-US" sz="2000" dirty="0"/>
+          </a:p>
+          <a:p>
+            <a:pPr lvl="1"/>
+            <a:r>
+              <a:rPr lang="en-US" sz="2000" dirty="0"/>
+              <a:t>Sell</a:t>
+            </a:r>
+            <a:r>
+              <a:rPr lang="ru-RU" sz="2000" dirty="0"/>
+              <a:t> – продать (все активы по текущей цене)</a:t>
+            </a:r>
+            <a:endParaRPr lang="en-US" sz="2000" dirty="0"/>
+          </a:p>
+          <a:p>
+            <a:pPr lvl="1"/>
+            <a:r>
+              <a:rPr lang="en-US" sz="2000" dirty="0"/>
+              <a:t>Hold</a:t>
+            </a:r>
+            <a:r>
+              <a:rPr lang="ru-RU" sz="2000" dirty="0"/>
+              <a:t> – ничего не делать</a:t>
+            </a:r>
+          </a:p>
+        </p:txBody>
+      </p:sp>
+    </p:spTree>
+    <p:extLst>
+      <p:ext uri="{BB962C8B-B14F-4D97-AF65-F5344CB8AC3E}">
+        <p14:creationId xmlns:p14="http://schemas.microsoft.com/office/powerpoint/2010/main" val="2262751407"/>
+      </p:ext>
+    </p:extLst>
+  </p:cSld>
+  <p:clrMapOvr>
+    <a:masterClrMapping/>
+  </p:clrMapOvr>
+</p:sld>
+</file>
+
+<file path=ppt/slides/slide12.xml><?xml version="1.0" encoding="utf-8"?>
+<p:sld xmlns:a="http://schemas.openxmlformats.org/drawingml/2006/main" xmlns:r="http://schemas.openxmlformats.org/officeDocument/2006/relationships" xmlns:p="http://schemas.openxmlformats.org/presentationml/2006/main">
+  <p:cSld>
+    <p:spTree>
+      <p:nvGrpSpPr>
+        <p:cNvPr id="1" name=""/>
+        <p:cNvGrpSpPr/>
+        <p:nvPr/>
+      </p:nvGrpSpPr>
+      <p:grpSpPr>
+        <a:xfrm>
+          <a:off x="0" y="0"/>
+          <a:ext cx="0" cy="0"/>
+          <a:chOff x="0" y="0"/>
+          <a:chExt cx="0" cy="0"/>
+        </a:xfrm>
+      </p:grpSpPr>
+      <p:sp>
+        <p:nvSpPr>
+          <p:cNvPr id="2" name="Заголовок 1">
+            <a:extLst>
+              <a:ext uri="{FF2B5EF4-FFF2-40B4-BE49-F238E27FC236}">
                 <a16:creationId xmlns:a16="http://schemas.microsoft.com/office/drawing/2014/main" id="{045623B9-6DB7-4D55-8A9E-EB123C4ADB50}"/>
               </a:ext>
             </a:extLst>
@@ -6330,7 +7097,7 @@
 </p:sld>
 </file>
 
-<file path=ppt/slides/slide12.xml><?xml version="1.0" encoding="utf-8"?>
+<file path=ppt/slides/slide13.xml><?xml version="1.0" encoding="utf-8"?>
 <p:sld xmlns:a="http://schemas.openxmlformats.org/drawingml/2006/main" xmlns:r="http://schemas.openxmlformats.org/officeDocument/2006/relationships" xmlns:p="http://schemas.openxmlformats.org/presentationml/2006/main">
   <p:cSld>
     <p:bg>
@@ -6402,8 +7169,8 @@
           </a:p>
         </p:txBody>
       </p:sp>
-      <mc:AlternateContent xmlns:mc="http://schemas.openxmlformats.org/markup-compatibility/2006">
-        <mc:Choice xmlns:a14="http://schemas.microsoft.com/office/drawing/2010/main" Requires="a14">
+      <mc:AlternateContent xmlns:mc="http://schemas.openxmlformats.org/markup-compatibility/2006" xmlns:a14="http://schemas.microsoft.com/office/drawing/2010/main">
+        <mc:Choice Requires="a14">
           <p:sp>
             <p:nvSpPr>
               <p:cNvPr id="14" name="Content Placeholder 8">
@@ -6644,7 +7411,7 @@
             </p:txBody>
           </p:sp>
         </mc:Choice>
-        <mc:Fallback>
+        <mc:Fallback xmlns="">
           <p:sp>
             <p:nvSpPr>
               <p:cNvPr id="14" name="Content Placeholder 8">
@@ -6775,7 +7542,7 @@
 </p:sld>
 </file>
 
-<file path=ppt/slides/slide13.xml><?xml version="1.0" encoding="utf-8"?>
+<file path=ppt/slides/slide14.xml><?xml version="1.0" encoding="utf-8"?>
 <p:sld xmlns:a="http://schemas.openxmlformats.org/drawingml/2006/main" xmlns:r="http://schemas.openxmlformats.org/officeDocument/2006/relationships" xmlns:p="http://schemas.openxmlformats.org/presentationml/2006/main">
   <p:cSld>
     <p:spTree>
@@ -6885,7 +7652,7 @@
 </p:sld>
 </file>
 
-<file path=ppt/slides/slide14.xml><?xml version="1.0" encoding="utf-8"?>
+<file path=ppt/slides/slide15.xml><?xml version="1.0" encoding="utf-8"?>
 <p:sld xmlns:a="http://schemas.openxmlformats.org/drawingml/2006/main" xmlns:r="http://schemas.openxmlformats.org/officeDocument/2006/relationships" xmlns:p="http://schemas.openxmlformats.org/presentationml/2006/main">
   <p:cSld>
     <p:bg>
@@ -7087,7 +7854,7 @@
                 </a:r>
                 <a:r>
                   <a:rPr lang="en-US" dirty="0"/>
-                  <a:t>Adam</a:t>
+                  <a:t>Adam, MSE Loss</a:t>
                 </a:r>
               </a:p>
               <a:p>
@@ -7202,7 +7969,7 @@
 </p:sld>
 </file>
 
-<file path=ppt/slides/slide15.xml><?xml version="1.0" encoding="utf-8"?>
+<file path=ppt/slides/slide16.xml><?xml version="1.0" encoding="utf-8"?>
 <p:sld xmlns:a="http://schemas.openxmlformats.org/drawingml/2006/main" xmlns:r="http://schemas.openxmlformats.org/officeDocument/2006/relationships" xmlns:p="http://schemas.openxmlformats.org/presentationml/2006/main">
   <p:cSld>
     <p:spTree>
@@ -7272,17 +8039,47 @@
         </p:blipFill>
         <p:spPr>
           <a:xfrm>
-            <a:off x="407251" y="1803882"/>
-            <a:ext cx="4607576" cy="4059237"/>
+            <a:off x="3520320" y="1580050"/>
+            <a:ext cx="5613405" cy="4945364"/>
           </a:xfrm>
         </p:spPr>
       </p:pic>
+    </p:spTree>
+    <p:extLst>
+      <p:ext uri="{BB962C8B-B14F-4D97-AF65-F5344CB8AC3E}">
+        <p14:creationId xmlns:p14="http://schemas.microsoft.com/office/powerpoint/2010/main" val="1657340791"/>
+      </p:ext>
+    </p:extLst>
+  </p:cSld>
+  <p:clrMapOvr>
+    <a:masterClrMapping/>
+  </p:clrMapOvr>
+</p:sld>
+</file>
+
+<file path=ppt/slides/slide17.xml><?xml version="1.0" encoding="utf-8"?>
+<p:sld xmlns:a="http://schemas.openxmlformats.org/drawingml/2006/main" xmlns:r="http://schemas.openxmlformats.org/officeDocument/2006/relationships" xmlns:p="http://schemas.openxmlformats.org/presentationml/2006/main">
+  <p:cSld>
+    <p:spTree>
+      <p:nvGrpSpPr>
+        <p:cNvPr id="1" name=""/>
+        <p:cNvGrpSpPr/>
+        <p:nvPr/>
+      </p:nvGrpSpPr>
+      <p:grpSpPr>
+        <a:xfrm>
+          <a:off x="0" y="0"/>
+          <a:ext cx="0" cy="0"/>
+          <a:chOff x="0" y="0"/>
+          <a:chExt cx="0" cy="0"/>
+        </a:xfrm>
+      </p:grpSpPr>
       <p:pic>
         <p:nvPicPr>
-          <p:cNvPr id="2050" name="Picture 2">
+          <p:cNvPr id="2" name="Picture 2">
             <a:extLst>
               <a:ext uri="{FF2B5EF4-FFF2-40B4-BE49-F238E27FC236}">
-                <a16:creationId xmlns:a16="http://schemas.microsoft.com/office/drawing/2014/main" id="{9601841E-1A11-46D3-81FB-D752D767525E}"/>
+                <a16:creationId xmlns:a16="http://schemas.microsoft.com/office/drawing/2014/main" id="{D455292C-A979-42EF-A1B9-971CA1445B6C}"/>
               </a:ext>
             </a:extLst>
           </p:cNvPr>
@@ -7292,7 +8089,7 @@
           <p:nvPr/>
         </p:nvPicPr>
         <p:blipFill>
-          <a:blip r:embed="rId3">
+          <a:blip r:embed="rId2">
             <a:extLst>
               <a:ext uri="{28A0092B-C50C-407E-A947-70E740481C1C}">
                 <a14:useLocalDpi xmlns:a14="http://schemas.microsoft.com/office/drawing/2010/main" val="0"/>
@@ -7306,7 +8103,7 @@
         </p:blipFill>
         <p:spPr bwMode="auto">
           <a:xfrm>
-            <a:off x="5376284" y="1745661"/>
+            <a:off x="167286" y="142893"/>
             <a:ext cx="6815716" cy="4175678"/>
           </a:xfrm>
           <a:prstGeom prst="rect">
@@ -7324,10 +8121,63 @@
           </a:extLst>
         </p:spPr>
       </p:pic>
+      <p:pic>
+        <p:nvPicPr>
+          <p:cNvPr id="3" name="Picture 2">
+            <a:extLst>
+              <a:ext uri="{FF2B5EF4-FFF2-40B4-BE49-F238E27FC236}">
+                <a16:creationId xmlns:a16="http://schemas.microsoft.com/office/drawing/2014/main" id="{78A7E90E-1200-4842-A68B-BF455EFBA6D8}"/>
+              </a:ext>
+            </a:extLst>
+          </p:cNvPr>
+          <p:cNvPicPr>
+            <a:picLocks noChangeAspect="1" noChangeArrowheads="1"/>
+          </p:cNvPicPr>
+          <p:nvPr/>
+        </p:nvPicPr>
+        <p:blipFill>
+          <a:blip r:embed="rId3">
+            <a:extLst>
+              <a:ext uri="{28A0092B-C50C-407E-A947-70E740481C1C}">
+                <a14:useLocalDpi xmlns:a14="http://schemas.microsoft.com/office/drawing/2010/main" val="0"/>
+              </a:ext>
+            </a:extLst>
+          </a:blip>
+          <a:stretch>
+            <a:fillRect/>
+          </a:stretch>
+        </p:blipFill>
+        <p:spPr bwMode="auto">
+          <a:xfrm>
+            <a:off x="6983002" y="2769888"/>
+            <a:ext cx="4839633" cy="3097365"/>
+          </a:xfrm>
+          <a:prstGeom prst="rect">
+            <a:avLst/>
+          </a:prstGeom>
+          <a:noFill/>
+          <a:ln w="190500">
+            <a:solidFill>
+              <a:schemeClr val="tx1">
+                <a:alpha val="7000"/>
+              </a:schemeClr>
+            </a:solidFill>
+          </a:ln>
+          <a:extLst>
+            <a:ext uri="{909E8E84-426E-40DD-AFC4-6F175D3DCCD1}">
+              <a14:hiddenFill xmlns:a14="http://schemas.microsoft.com/office/drawing/2010/main">
+                <a:solidFill>
+                  <a:srgbClr val="FFFFFF"/>
+                </a:solidFill>
+              </a14:hiddenFill>
+            </a:ext>
+          </a:extLst>
+        </p:spPr>
+      </p:pic>
     </p:spTree>
     <p:extLst>
       <p:ext uri="{BB962C8B-B14F-4D97-AF65-F5344CB8AC3E}">
-        <p14:creationId xmlns:p14="http://schemas.microsoft.com/office/powerpoint/2010/main" val="1657340791"/>
+        <p14:creationId xmlns:p14="http://schemas.microsoft.com/office/powerpoint/2010/main" val="3752726568"/>
       </p:ext>
     </p:extLst>
   </p:cSld>
@@ -7337,7 +8187,7 @@
 </p:sld>
 </file>
 
-<file path=ppt/slides/slide16.xml><?xml version="1.0" encoding="utf-8"?>
+<file path=ppt/slides/slide18.xml><?xml version="1.0" encoding="utf-8"?>
 <p:sld xmlns:a="http://schemas.openxmlformats.org/drawingml/2006/main" xmlns:r="http://schemas.openxmlformats.org/officeDocument/2006/relationships" xmlns:p="http://schemas.openxmlformats.org/presentationml/2006/main">
   <p:cSld>
     <p:bg>
@@ -7373,75 +8223,12 @@
           <a:chExt cx="0" cy="0"/>
         </a:xfrm>
       </p:grpSpPr>
-      <p:sp>
-        <p:nvSpPr>
-          <p:cNvPr id="73" name="Rectangle 72">
+      <p:pic>
+        <p:nvPicPr>
+          <p:cNvPr id="2" name="Picture 4">
             <a:extLst>
               <a:ext uri="{FF2B5EF4-FFF2-40B4-BE49-F238E27FC236}">
-                <a16:creationId xmlns:a16="http://schemas.microsoft.com/office/drawing/2014/main" id="{7E474281-81D2-445B-80A1-0E2D4738085B}"/>
-              </a:ext>
-              <a:ext uri="{C183D7F6-B498-43B3-948B-1728B52AA6E4}">
-                <adec:decorative xmlns:adec="http://schemas.microsoft.com/office/drawing/2017/decorative" val="1"/>
-              </a:ext>
-            </a:extLst>
-          </p:cNvPr>
-          <p:cNvSpPr>
-            <a:spLocks noGrp="1" noRot="1" noChangeAspect="1" noMove="1" noResize="1" noEditPoints="1" noAdjustHandles="1" noChangeArrowheads="1" noChangeShapeType="1" noTextEdit="1"/>
-          </p:cNvSpPr>
-          <p:nvPr>
-            <p:extLst>
-              <p:ext uri="{386F3935-93C4-4BCD-93E2-E3B085C9AB24}">
-                <p16:designElem xmlns:p16="http://schemas.microsoft.com/office/powerpoint/2015/main" val="1"/>
-              </p:ext>
-            </p:extLst>
-          </p:nvPr>
-        </p:nvSpPr>
-        <p:spPr>
-          <a:xfrm>
-            <a:off x="0" y="0"/>
-            <a:ext cx="12192000" cy="6858000"/>
-          </a:xfrm>
-          <a:prstGeom prst="rect">
-            <a:avLst/>
-          </a:prstGeom>
-          <a:solidFill>
-            <a:schemeClr val="bg2"/>
-          </a:solidFill>
-          <a:ln>
-            <a:noFill/>
-          </a:ln>
-        </p:spPr>
-        <p:style>
-          <a:lnRef idx="2">
-            <a:schemeClr val="accent1">
-              <a:shade val="50000"/>
-            </a:schemeClr>
-          </a:lnRef>
-          <a:fillRef idx="1">
-            <a:schemeClr val="accent1"/>
-          </a:fillRef>
-          <a:effectRef idx="0">
-            <a:schemeClr val="accent1"/>
-          </a:effectRef>
-          <a:fontRef idx="minor">
-            <a:schemeClr val="lt1"/>
-          </a:fontRef>
-        </p:style>
-        <p:txBody>
-          <a:bodyPr rtlCol="0" anchor="ctr"/>
-          <a:lstStyle/>
-          <a:p>
-            <a:pPr algn="ctr"/>
-            <a:endParaRPr lang="en-US"/>
-          </a:p>
-        </p:txBody>
-      </p:sp>
-      <p:pic>
-        <p:nvPicPr>
-          <p:cNvPr id="4098" name="Picture 2">
-            <a:extLst>
-              <a:ext uri="{FF2B5EF4-FFF2-40B4-BE49-F238E27FC236}">
-                <a16:creationId xmlns:a16="http://schemas.microsoft.com/office/drawing/2014/main" id="{C2FB23D6-E214-4745-A1AA-657A018B3B74}"/>
+                <a16:creationId xmlns:a16="http://schemas.microsoft.com/office/drawing/2014/main" id="{D0B8EB85-A526-40B9-8F69-E5F043EF73AA}"/>
               </a:ext>
             </a:extLst>
           </p:cNvPr>
@@ -7450,7 +8237,7 @@
           </p:cNvPicPr>
           <p:nvPr/>
         </p:nvPicPr>
-        <p:blipFill>
+        <p:blipFill rotWithShape="1">
           <a:blip r:embed="rId3">
             <a:extLst>
               <a:ext uri="{28A0092B-C50C-407E-A947-70E740481C1C}">
@@ -7458,79 +8245,18 @@
               </a:ext>
             </a:extLst>
           </a:blip>
-          <a:stretch>
-            <a:fillRect/>
-          </a:stretch>
+          <a:srcRect t="5299" b="3608"/>
+          <a:stretch/>
         </p:blipFill>
         <p:spPr bwMode="auto">
           <a:xfrm>
-            <a:off x="934633" y="1880317"/>
-            <a:ext cx="4839633" cy="3097365"/>
+            <a:off x="20" y="10"/>
+            <a:ext cx="12191980" cy="6857990"/>
           </a:xfrm>
           <a:prstGeom prst="rect">
             <a:avLst/>
           </a:prstGeom>
           <a:noFill/>
-          <a:ln w="190500">
-            <a:solidFill>
-              <a:schemeClr val="tx1">
-                <a:alpha val="7000"/>
-              </a:schemeClr>
-            </a:solidFill>
-          </a:ln>
-          <a:extLst>
-            <a:ext uri="{909E8E84-426E-40DD-AFC4-6F175D3DCCD1}">
-              <a14:hiddenFill xmlns:a14="http://schemas.microsoft.com/office/drawing/2010/main">
-                <a:solidFill>
-                  <a:srgbClr val="FFFFFF"/>
-                </a:solidFill>
-              </a14:hiddenFill>
-            </a:ext>
-          </a:extLst>
-        </p:spPr>
-      </p:pic>
-      <p:pic>
-        <p:nvPicPr>
-          <p:cNvPr id="4100" name="Picture 4">
-            <a:extLst>
-              <a:ext uri="{FF2B5EF4-FFF2-40B4-BE49-F238E27FC236}">
-                <a16:creationId xmlns:a16="http://schemas.microsoft.com/office/drawing/2014/main" id="{D83F130D-5E80-40BE-9D7B-DB3E6131B611}"/>
-              </a:ext>
-            </a:extLst>
-          </p:cNvPr>
-          <p:cNvPicPr>
-            <a:picLocks noChangeAspect="1" noChangeArrowheads="1"/>
-          </p:cNvPicPr>
-          <p:nvPr/>
-        </p:nvPicPr>
-        <p:blipFill>
-          <a:blip r:embed="rId4">
-            <a:extLst>
-              <a:ext uri="{28A0092B-C50C-407E-A947-70E740481C1C}">
-                <a14:useLocalDpi xmlns:a14="http://schemas.microsoft.com/office/drawing/2010/main" val="0"/>
-              </a:ext>
-            </a:extLst>
-          </a:blip>
-          <a:stretch>
-            <a:fillRect/>
-          </a:stretch>
-        </p:blipFill>
-        <p:spPr bwMode="auto">
-          <a:xfrm>
-            <a:off x="6417732" y="1934763"/>
-            <a:ext cx="4839633" cy="2988473"/>
-          </a:xfrm>
-          <a:prstGeom prst="rect">
-            <a:avLst/>
-          </a:prstGeom>
-          <a:noFill/>
-          <a:ln w="190500">
-            <a:solidFill>
-              <a:schemeClr val="tx1">
-                <a:alpha val="7000"/>
-              </a:schemeClr>
-            </a:solidFill>
-          </a:ln>
           <a:extLst>
             <a:ext uri="{909E8E84-426E-40DD-AFC4-6F175D3DCCD1}">
               <a14:hiddenFill xmlns:a14="http://schemas.microsoft.com/office/drawing/2010/main">
@@ -7545,7 +8271,7 @@
     </p:spTree>
     <p:extLst>
       <p:ext uri="{BB962C8B-B14F-4D97-AF65-F5344CB8AC3E}">
-        <p14:creationId xmlns:p14="http://schemas.microsoft.com/office/powerpoint/2010/main" val="436964424"/>
+        <p14:creationId xmlns:p14="http://schemas.microsoft.com/office/powerpoint/2010/main" val="1239336754"/>
       </p:ext>
     </p:extLst>
   </p:cSld>
@@ -7555,7 +8281,7 @@
 </p:sld>
 </file>
 
-<file path=ppt/slides/slide17.xml><?xml version="1.0" encoding="utf-8"?>
+<file path=ppt/slides/slide19.xml><?xml version="1.0" encoding="utf-8"?>
 <p:sld xmlns:a="http://schemas.openxmlformats.org/drawingml/2006/main" xmlns:r="http://schemas.openxmlformats.org/officeDocument/2006/relationships" xmlns:p="http://schemas.openxmlformats.org/presentationml/2006/main">
   <p:cSld>
     <p:spTree>
@@ -7577,7 +8303,7 @@
           <p:cNvPr id="2" name="Заголовок 1">
             <a:extLst>
               <a:ext uri="{FF2B5EF4-FFF2-40B4-BE49-F238E27FC236}">
-                <a16:creationId xmlns:a16="http://schemas.microsoft.com/office/drawing/2014/main" id="{B58AF7C7-8D48-45FF-A132-54FB87DE6FEE}"/>
+                <a16:creationId xmlns:a16="http://schemas.microsoft.com/office/drawing/2014/main" id="{B102E293-9D97-49E2-84ED-354B669AC91A}"/>
               </a:ext>
             </a:extLst>
           </p:cNvPr>
@@ -7593,31 +8319,10 @@
           <a:bodyPr/>
           <a:lstStyle/>
           <a:p>
-            <a:endParaRPr lang="ru-RU" dirty="0"/>
-          </a:p>
-        </p:txBody>
-      </p:sp>
-      <p:sp>
-        <p:nvSpPr>
-          <p:cNvPr id="3" name="Объект 2">
-            <a:extLst>
-              <a:ext uri="{FF2B5EF4-FFF2-40B4-BE49-F238E27FC236}">
-                <a16:creationId xmlns:a16="http://schemas.microsoft.com/office/drawing/2014/main" id="{BD675A41-F17F-4977-86C0-0023368F34F4}"/>
-              </a:ext>
-            </a:extLst>
-          </p:cNvPr>
-          <p:cNvSpPr>
-            <a:spLocks noGrp="1"/>
-          </p:cNvSpPr>
-          <p:nvPr>
-            <p:ph idx="1"/>
-          </p:nvPr>
-        </p:nvSpPr>
-        <p:spPr/>
-        <p:txBody>
-          <a:bodyPr/>
-          <a:lstStyle/>
-          <a:p>
+            <a:r>
+              <a:rPr lang="en-US" dirty="0"/>
+              <a:t>Micro-agent</a:t>
+            </a:r>
             <a:endParaRPr lang="ru-RU" dirty="0"/>
           </a:p>
         </p:txBody>
@@ -7625,162 +8330,7 @@
     </p:spTree>
     <p:extLst>
       <p:ext uri="{BB962C8B-B14F-4D97-AF65-F5344CB8AC3E}">
-        <p14:creationId xmlns:p14="http://schemas.microsoft.com/office/powerpoint/2010/main" val="948437162"/>
-      </p:ext>
-    </p:extLst>
-  </p:cSld>
-  <p:clrMapOvr>
-    <a:masterClrMapping/>
-  </p:clrMapOvr>
-</p:sld>
-</file>
-
-<file path=ppt/slides/slide18.xml><?xml version="1.0" encoding="utf-8"?>
-<p:sld xmlns:a="http://schemas.openxmlformats.org/drawingml/2006/main" xmlns:r="http://schemas.openxmlformats.org/officeDocument/2006/relationships" xmlns:p="http://schemas.openxmlformats.org/presentationml/2006/main">
-  <p:cSld>
-    <p:spTree>
-      <p:nvGrpSpPr>
-        <p:cNvPr id="1" name=""/>
-        <p:cNvGrpSpPr/>
-        <p:nvPr/>
-      </p:nvGrpSpPr>
-      <p:grpSpPr>
-        <a:xfrm>
-          <a:off x="0" y="0"/>
-          <a:ext cx="0" cy="0"/>
-          <a:chOff x="0" y="0"/>
-          <a:chExt cx="0" cy="0"/>
-        </a:xfrm>
-      </p:grpSpPr>
-      <p:sp>
-        <p:nvSpPr>
-          <p:cNvPr id="2" name="Заголовок 1">
-            <a:extLst>
-              <a:ext uri="{FF2B5EF4-FFF2-40B4-BE49-F238E27FC236}">
-                <a16:creationId xmlns:a16="http://schemas.microsoft.com/office/drawing/2014/main" id="{A02ED6B8-D76D-4DE8-B73A-726959779816}"/>
-              </a:ext>
-            </a:extLst>
-          </p:cNvPr>
-          <p:cNvSpPr>
-            <a:spLocks noGrp="1"/>
-          </p:cNvSpPr>
-          <p:nvPr>
-            <p:ph type="title"/>
-          </p:nvPr>
-        </p:nvSpPr>
-        <p:spPr/>
-        <p:txBody>
-          <a:bodyPr/>
-          <a:lstStyle/>
-          <a:p>
-            <a:endParaRPr lang="ru-RU"/>
-          </a:p>
-        </p:txBody>
-      </p:sp>
-      <p:sp>
-        <p:nvSpPr>
-          <p:cNvPr id="3" name="Текст 2">
-            <a:extLst>
-              <a:ext uri="{FF2B5EF4-FFF2-40B4-BE49-F238E27FC236}">
-                <a16:creationId xmlns:a16="http://schemas.microsoft.com/office/drawing/2014/main" id="{FC5C9E83-007A-42F7-A6EA-A67724E1F1BF}"/>
-              </a:ext>
-            </a:extLst>
-          </p:cNvPr>
-          <p:cNvSpPr>
-            <a:spLocks noGrp="1"/>
-          </p:cNvSpPr>
-          <p:nvPr>
-            <p:ph type="body" idx="1"/>
-          </p:nvPr>
-        </p:nvSpPr>
-        <p:spPr/>
-        <p:txBody>
-          <a:bodyPr/>
-          <a:lstStyle/>
-          <a:p>
-            <a:endParaRPr lang="ru-RU"/>
-          </a:p>
-        </p:txBody>
-      </p:sp>
-      <p:sp>
-        <p:nvSpPr>
-          <p:cNvPr id="4" name="Объект 3">
-            <a:extLst>
-              <a:ext uri="{FF2B5EF4-FFF2-40B4-BE49-F238E27FC236}">
-                <a16:creationId xmlns:a16="http://schemas.microsoft.com/office/drawing/2014/main" id="{79AC95A6-EF84-49E5-883C-9FD5E7D0FAAA}"/>
-              </a:ext>
-            </a:extLst>
-          </p:cNvPr>
-          <p:cNvSpPr>
-            <a:spLocks noGrp="1"/>
-          </p:cNvSpPr>
-          <p:nvPr>
-            <p:ph sz="half" idx="2"/>
-          </p:nvPr>
-        </p:nvSpPr>
-        <p:spPr/>
-        <p:txBody>
-          <a:bodyPr/>
-          <a:lstStyle/>
-          <a:p>
-            <a:endParaRPr lang="ru-RU"/>
-          </a:p>
-        </p:txBody>
-      </p:sp>
-      <p:sp>
-        <p:nvSpPr>
-          <p:cNvPr id="5" name="Текст 4">
-            <a:extLst>
-              <a:ext uri="{FF2B5EF4-FFF2-40B4-BE49-F238E27FC236}">
-                <a16:creationId xmlns:a16="http://schemas.microsoft.com/office/drawing/2014/main" id="{A1F511CA-683E-4A2B-8AE4-57E8DF4071D9}"/>
-              </a:ext>
-            </a:extLst>
-          </p:cNvPr>
-          <p:cNvSpPr>
-            <a:spLocks noGrp="1"/>
-          </p:cNvSpPr>
-          <p:nvPr>
-            <p:ph type="body" sz="quarter" idx="3"/>
-          </p:nvPr>
-        </p:nvSpPr>
-        <p:spPr/>
-        <p:txBody>
-          <a:bodyPr/>
-          <a:lstStyle/>
-          <a:p>
-            <a:endParaRPr lang="ru-RU"/>
-          </a:p>
-        </p:txBody>
-      </p:sp>
-      <p:sp>
-        <p:nvSpPr>
-          <p:cNvPr id="6" name="Объект 5">
-            <a:extLst>
-              <a:ext uri="{FF2B5EF4-FFF2-40B4-BE49-F238E27FC236}">
-                <a16:creationId xmlns:a16="http://schemas.microsoft.com/office/drawing/2014/main" id="{7D40B4A7-3967-488B-A2FF-47055975D6B6}"/>
-              </a:ext>
-            </a:extLst>
-          </p:cNvPr>
-          <p:cNvSpPr>
-            <a:spLocks noGrp="1"/>
-          </p:cNvSpPr>
-          <p:nvPr>
-            <p:ph sz="quarter" idx="4"/>
-          </p:nvPr>
-        </p:nvSpPr>
-        <p:spPr/>
-        <p:txBody>
-          <a:bodyPr/>
-          <a:lstStyle/>
-          <a:p>
-            <a:endParaRPr lang="ru-RU"/>
-          </a:p>
-        </p:txBody>
-      </p:sp>
-    </p:spTree>
-    <p:extLst>
-      <p:ext uri="{BB962C8B-B14F-4D97-AF65-F5344CB8AC3E}">
-        <p14:creationId xmlns:p14="http://schemas.microsoft.com/office/powerpoint/2010/main" val="2505682193"/>
+        <p14:creationId xmlns:p14="http://schemas.microsoft.com/office/powerpoint/2010/main" val="3030353827"/>
       </p:ext>
     </p:extLst>
   </p:cSld>
@@ -7920,6 +8470,1981 @@
 </p:sld>
 </file>
 
+<file path=ppt/slides/slide20.xml><?xml version="1.0" encoding="utf-8"?>
+<p:sld xmlns:a="http://schemas.openxmlformats.org/drawingml/2006/main" xmlns:r="http://schemas.openxmlformats.org/officeDocument/2006/relationships" xmlns:p="http://schemas.openxmlformats.org/presentationml/2006/main">
+  <p:cSld>
+    <p:spTree>
+      <p:nvGrpSpPr>
+        <p:cNvPr id="1" name=""/>
+        <p:cNvGrpSpPr/>
+        <p:nvPr/>
+      </p:nvGrpSpPr>
+      <p:grpSpPr>
+        <a:xfrm>
+          <a:off x="0" y="0"/>
+          <a:ext cx="0" cy="0"/>
+          <a:chOff x="0" y="0"/>
+          <a:chExt cx="0" cy="0"/>
+        </a:xfrm>
+      </p:grpSpPr>
+      <p:sp>
+        <p:nvSpPr>
+          <p:cNvPr id="2" name="Заголовок 1">
+            <a:extLst>
+              <a:ext uri="{FF2B5EF4-FFF2-40B4-BE49-F238E27FC236}">
+                <a16:creationId xmlns:a16="http://schemas.microsoft.com/office/drawing/2014/main" id="{B58AF7C7-8D48-45FF-A132-54FB87DE6FEE}"/>
+              </a:ext>
+            </a:extLst>
+          </p:cNvPr>
+          <p:cNvSpPr>
+            <a:spLocks noGrp="1"/>
+          </p:cNvSpPr>
+          <p:nvPr>
+            <p:ph type="title"/>
+          </p:nvPr>
+        </p:nvSpPr>
+        <p:spPr/>
+        <p:txBody>
+          <a:bodyPr/>
+          <a:lstStyle/>
+          <a:p>
+            <a:r>
+              <a:rPr lang="en-US" dirty="0"/>
+              <a:t>Orderbook</a:t>
+            </a:r>
+            <a:endParaRPr lang="ru-RU" dirty="0"/>
+          </a:p>
+        </p:txBody>
+      </p:sp>
+      <p:sp>
+        <p:nvSpPr>
+          <p:cNvPr id="3" name="Объект 2">
+            <a:extLst>
+              <a:ext uri="{FF2B5EF4-FFF2-40B4-BE49-F238E27FC236}">
+                <a16:creationId xmlns:a16="http://schemas.microsoft.com/office/drawing/2014/main" id="{BD675A41-F17F-4977-86C0-0023368F34F4}"/>
+              </a:ext>
+            </a:extLst>
+          </p:cNvPr>
+          <p:cNvSpPr>
+            <a:spLocks noGrp="1"/>
+          </p:cNvSpPr>
+          <p:nvPr>
+            <p:ph idx="1"/>
+          </p:nvPr>
+        </p:nvSpPr>
+        <p:spPr/>
+        <p:txBody>
+          <a:bodyPr/>
+          <a:lstStyle/>
+          <a:p>
+            <a:r>
+              <a:rPr lang="en-US" sz="2400" dirty="0"/>
+              <a:t>Market order – best price of the opposing side of the orderbook</a:t>
+            </a:r>
+          </a:p>
+          <a:p>
+            <a:r>
+              <a:rPr lang="en-US" sz="2400" dirty="0"/>
+              <a:t>Limit order –  guarantees the trader the price, however, it is possible for the order to never be filled</a:t>
+            </a:r>
+          </a:p>
+          <a:p>
+            <a:pPr marL="36900" indent="0">
+              <a:buNone/>
+            </a:pPr>
+            <a:endParaRPr lang="ru-RU" dirty="0"/>
+          </a:p>
+        </p:txBody>
+      </p:sp>
+    </p:spTree>
+    <p:extLst>
+      <p:ext uri="{BB962C8B-B14F-4D97-AF65-F5344CB8AC3E}">
+        <p14:creationId xmlns:p14="http://schemas.microsoft.com/office/powerpoint/2010/main" val="948437162"/>
+      </p:ext>
+    </p:extLst>
+  </p:cSld>
+  <p:clrMapOvr>
+    <a:masterClrMapping/>
+  </p:clrMapOvr>
+</p:sld>
+</file>
+
+<file path=ppt/slides/slide21.xml><?xml version="1.0" encoding="utf-8"?>
+<p:sld xmlns:a="http://schemas.openxmlformats.org/drawingml/2006/main" xmlns:r="http://schemas.openxmlformats.org/officeDocument/2006/relationships" xmlns:p="http://schemas.openxmlformats.org/presentationml/2006/main">
+  <p:cSld>
+    <p:spTree>
+      <p:nvGrpSpPr>
+        <p:cNvPr id="1" name=""/>
+        <p:cNvGrpSpPr/>
+        <p:nvPr/>
+      </p:nvGrpSpPr>
+      <p:grpSpPr>
+        <a:xfrm>
+          <a:off x="0" y="0"/>
+          <a:ext cx="0" cy="0"/>
+          <a:chOff x="0" y="0"/>
+          <a:chExt cx="0" cy="0"/>
+        </a:xfrm>
+      </p:grpSpPr>
+      <p:sp>
+        <p:nvSpPr>
+          <p:cNvPr id="2" name="Заголовок 1">
+            <a:extLst>
+              <a:ext uri="{FF2B5EF4-FFF2-40B4-BE49-F238E27FC236}">
+                <a16:creationId xmlns:a16="http://schemas.microsoft.com/office/drawing/2014/main" id="{F830659C-5FB8-498B-9123-04F9F1CCE7DE}"/>
+              </a:ext>
+            </a:extLst>
+          </p:cNvPr>
+          <p:cNvSpPr>
+            <a:spLocks noGrp="1"/>
+          </p:cNvSpPr>
+          <p:nvPr>
+            <p:ph type="title"/>
+          </p:nvPr>
+        </p:nvSpPr>
+        <p:spPr/>
+        <p:txBody>
+          <a:bodyPr/>
+          <a:lstStyle/>
+          <a:p>
+            <a:r>
+              <a:rPr lang="ru-RU" dirty="0"/>
+              <a:t>Становится сложнее</a:t>
+            </a:r>
+          </a:p>
+        </p:txBody>
+      </p:sp>
+      <p:sp>
+        <p:nvSpPr>
+          <p:cNvPr id="3" name="Объект 2">
+            <a:extLst>
+              <a:ext uri="{FF2B5EF4-FFF2-40B4-BE49-F238E27FC236}">
+                <a16:creationId xmlns:a16="http://schemas.microsoft.com/office/drawing/2014/main" id="{1870D34D-16DA-404A-8B8D-868DED2EB9DC}"/>
+              </a:ext>
+            </a:extLst>
+          </p:cNvPr>
+          <p:cNvSpPr>
+            <a:spLocks noGrp="1"/>
+          </p:cNvSpPr>
+          <p:nvPr>
+            <p:ph idx="1"/>
+          </p:nvPr>
+        </p:nvSpPr>
+        <p:spPr/>
+        <p:txBody>
+          <a:bodyPr/>
+          <a:lstStyle/>
+          <a:p>
+            <a:r>
+              <a:rPr lang="ru-RU" dirty="0"/>
+              <a:t>Другие участники рынка</a:t>
+            </a:r>
+          </a:p>
+          <a:p>
+            <a:r>
+              <a:rPr lang="ru-RU" dirty="0"/>
+              <a:t>Другие </a:t>
+            </a:r>
+            <a:r>
+              <a:rPr lang="ru-RU" dirty="0" err="1"/>
+              <a:t>алготрейдеры</a:t>
+            </a:r>
+            <a:endParaRPr lang="ru-RU" dirty="0"/>
+          </a:p>
+          <a:p>
+            <a:r>
+              <a:rPr lang="ru-RU" dirty="0"/>
+              <a:t>И прочие неизвестные…</a:t>
+            </a:r>
+            <a:endParaRPr lang="en-US" dirty="0"/>
+          </a:p>
+          <a:p>
+            <a:endParaRPr lang="en-US" dirty="0"/>
+          </a:p>
+          <a:p>
+            <a:r>
+              <a:rPr lang="ru-RU" dirty="0"/>
+              <a:t>С </a:t>
+            </a:r>
+            <a:r>
+              <a:rPr lang="ru-RU" dirty="0" err="1"/>
+              <a:t>матчингом</a:t>
+            </a:r>
+            <a:r>
+              <a:rPr lang="ru-RU" dirty="0"/>
+              <a:t> заявок помогает </a:t>
+            </a:r>
+            <a:r>
+              <a:rPr lang="en-US" dirty="0"/>
+              <a:t>open-source </a:t>
+            </a:r>
+            <a:r>
+              <a:rPr lang="en-US" dirty="0">
+                <a:hlinkClick r:id="rId2"/>
+              </a:rPr>
+              <a:t>Light Matching Engine</a:t>
+            </a:r>
+            <a:endParaRPr lang="ru-RU" dirty="0"/>
+          </a:p>
+          <a:p>
+            <a:pPr marL="36900" indent="0">
+              <a:buNone/>
+            </a:pPr>
+            <a:endParaRPr lang="ru-RU" dirty="0"/>
+          </a:p>
+        </p:txBody>
+      </p:sp>
+    </p:spTree>
+    <p:extLst>
+      <p:ext uri="{BB962C8B-B14F-4D97-AF65-F5344CB8AC3E}">
+        <p14:creationId xmlns:p14="http://schemas.microsoft.com/office/powerpoint/2010/main" val="986487854"/>
+      </p:ext>
+    </p:extLst>
+  </p:cSld>
+  <p:clrMapOvr>
+    <a:masterClrMapping/>
+  </p:clrMapOvr>
+</p:sld>
+</file>
+
+<file path=ppt/slides/slide22.xml><?xml version="1.0" encoding="utf-8"?>
+<p:sld xmlns:a="http://schemas.openxmlformats.org/drawingml/2006/main" xmlns:r="http://schemas.openxmlformats.org/officeDocument/2006/relationships" xmlns:p="http://schemas.openxmlformats.org/presentationml/2006/main">
+  <p:cSld>
+    <p:bg>
+      <p:bgPr>
+        <a:solidFill>
+          <a:schemeClr val="bg1"/>
+        </a:solidFill>
+        <a:effectLst/>
+      </p:bgPr>
+    </p:bg>
+    <p:spTree>
+      <p:nvGrpSpPr>
+        <p:cNvPr id="1" name=""/>
+        <p:cNvGrpSpPr/>
+        <p:nvPr/>
+      </p:nvGrpSpPr>
+      <p:grpSpPr>
+        <a:xfrm>
+          <a:off x="0" y="0"/>
+          <a:ext cx="0" cy="0"/>
+          <a:chOff x="0" y="0"/>
+          <a:chExt cx="0" cy="0"/>
+        </a:xfrm>
+      </p:grpSpPr>
+      <p:sp>
+        <p:nvSpPr>
+          <p:cNvPr id="12" name="Rectangle 11">
+            <a:extLst>
+              <a:ext uri="{FF2B5EF4-FFF2-40B4-BE49-F238E27FC236}">
+                <a16:creationId xmlns:a16="http://schemas.microsoft.com/office/drawing/2014/main" id="{95CB840F-8E41-4CA5-B79B-25CC80AD234A}"/>
+              </a:ext>
+              <a:ext uri="{C183D7F6-B498-43B3-948B-1728B52AA6E4}">
+                <adec:decorative xmlns:adec="http://schemas.microsoft.com/office/drawing/2017/decorative" val="1"/>
+              </a:ext>
+            </a:extLst>
+          </p:cNvPr>
+          <p:cNvSpPr>
+            <a:spLocks noGrp="1" noRot="1" noChangeAspect="1" noMove="1" noResize="1" noEditPoints="1" noAdjustHandles="1" noChangeArrowheads="1" noChangeShapeType="1" noTextEdit="1"/>
+          </p:cNvSpPr>
+          <p:nvPr>
+            <p:extLst>
+              <p:ext uri="{386F3935-93C4-4BCD-93E2-E3B085C9AB24}">
+                <p16:designElem xmlns:p16="http://schemas.microsoft.com/office/powerpoint/2015/main" val="1"/>
+              </p:ext>
+            </p:extLst>
+          </p:nvPr>
+        </p:nvSpPr>
+        <p:spPr>
+          <a:xfrm>
+            <a:off x="0" y="0"/>
+            <a:ext cx="12192000" cy="6858000"/>
+          </a:xfrm>
+          <a:prstGeom prst="rect">
+            <a:avLst/>
+          </a:prstGeom>
+          <a:ln>
+            <a:noFill/>
+          </a:ln>
+        </p:spPr>
+        <p:style>
+          <a:lnRef idx="2">
+            <a:schemeClr val="accent1">
+              <a:shade val="50000"/>
+            </a:schemeClr>
+          </a:lnRef>
+          <a:fillRef idx="1003">
+            <a:schemeClr val="dk2"/>
+          </a:fillRef>
+          <a:effectRef idx="0">
+            <a:schemeClr val="accent1"/>
+          </a:effectRef>
+          <a:fontRef idx="minor">
+            <a:schemeClr val="lt1"/>
+          </a:fontRef>
+        </p:style>
+        <p:txBody>
+          <a:bodyPr rtlCol="0" anchor="ctr"/>
+          <a:lstStyle/>
+          <a:p>
+            <a:pPr algn="ctr"/>
+            <a:endParaRPr lang="en-US"/>
+          </a:p>
+        </p:txBody>
+      </p:sp>
+      <p:sp>
+        <p:nvSpPr>
+          <p:cNvPr id="2" name="Заголовок 1">
+            <a:extLst>
+              <a:ext uri="{FF2B5EF4-FFF2-40B4-BE49-F238E27FC236}">
+                <a16:creationId xmlns:a16="http://schemas.microsoft.com/office/drawing/2014/main" id="{6DC347A9-FAD2-4A79-B3A9-5D935AFCBCE5}"/>
+              </a:ext>
+            </a:extLst>
+          </p:cNvPr>
+          <p:cNvSpPr>
+            <a:spLocks noGrp="1"/>
+          </p:cNvSpPr>
+          <p:nvPr>
+            <p:ph type="title"/>
+          </p:nvPr>
+        </p:nvSpPr>
+        <p:spPr>
+          <a:xfrm>
+            <a:off x="913795" y="609600"/>
+            <a:ext cx="3078749" cy="970450"/>
+          </a:xfrm>
+        </p:spPr>
+        <p:txBody>
+          <a:bodyPr anchor="b">
+            <a:normAutofit/>
+          </a:bodyPr>
+          <a:lstStyle/>
+          <a:p>
+            <a:pPr algn="l"/>
+            <a:r>
+              <a:rPr lang="en-US" sz="3200" dirty="0">
+                <a:ln>
+                  <a:solidFill>
+                    <a:srgbClr val="404040">
+                      <a:alpha val="10000"/>
+                    </a:srgbClr>
+                  </a:solidFill>
+                </a:ln>
+                <a:solidFill>
+                  <a:srgbClr val="DADADA"/>
+                </a:solidFill>
+              </a:rPr>
+              <a:t>Orderbook state</a:t>
+            </a:r>
+            <a:endParaRPr lang="ru-RU" sz="3200" dirty="0">
+              <a:ln>
+                <a:solidFill>
+                  <a:srgbClr val="404040">
+                    <a:alpha val="10000"/>
+                  </a:srgbClr>
+                </a:solidFill>
+              </a:ln>
+              <a:solidFill>
+                <a:srgbClr val="DADADA"/>
+              </a:solidFill>
+            </a:endParaRPr>
+          </a:p>
+        </p:txBody>
+      </p:sp>
+      <p:sp>
+        <p:nvSpPr>
+          <p:cNvPr id="9" name="Content Placeholder 8">
+            <a:extLst>
+              <a:ext uri="{FF2B5EF4-FFF2-40B4-BE49-F238E27FC236}">
+                <a16:creationId xmlns:a16="http://schemas.microsoft.com/office/drawing/2014/main" id="{2CDA0865-407C-4B12-B9E8-D4C47CA2C25B}"/>
+              </a:ext>
+            </a:extLst>
+          </p:cNvPr>
+          <p:cNvSpPr>
+            <a:spLocks noGrp="1"/>
+          </p:cNvSpPr>
+          <p:nvPr>
+            <p:ph idx="1"/>
+          </p:nvPr>
+        </p:nvSpPr>
+        <p:spPr>
+          <a:xfrm>
+            <a:off x="643469" y="1732449"/>
+            <a:ext cx="3815516" cy="4482084"/>
+          </a:xfrm>
+        </p:spPr>
+        <p:txBody>
+          <a:bodyPr anchor="t">
+            <a:normAutofit/>
+          </a:bodyPr>
+          <a:lstStyle/>
+          <a:p>
+            <a:r>
+              <a:rPr lang="en-US" dirty="0">
+                <a:ln>
+                  <a:solidFill>
+                    <a:srgbClr val="404040">
+                      <a:alpha val="10000"/>
+                    </a:srgbClr>
+                  </a:solidFill>
+                </a:ln>
+                <a:solidFill>
+                  <a:srgbClr val="DADADA"/>
+                </a:solidFill>
+              </a:rPr>
+              <a:t>The environment takes in as input the order side, i.e. buy or sell, and the quantity. These inputs are provided by the macro-agent</a:t>
+            </a:r>
+          </a:p>
+        </p:txBody>
+      </p:sp>
+      <p:pic>
+        <p:nvPicPr>
+          <p:cNvPr id="5" name="Объект 4">
+            <a:extLst>
+              <a:ext uri="{FF2B5EF4-FFF2-40B4-BE49-F238E27FC236}">
+                <a16:creationId xmlns:a16="http://schemas.microsoft.com/office/drawing/2014/main" id="{A65562C5-D4CD-47FE-9A7E-203AEECCF942}"/>
+              </a:ext>
+            </a:extLst>
+          </p:cNvPr>
+          <p:cNvPicPr>
+            <a:picLocks noChangeAspect="1"/>
+          </p:cNvPicPr>
+          <p:nvPr/>
+        </p:nvPicPr>
+        <p:blipFill>
+          <a:blip r:embed="rId2"/>
+          <a:stretch>
+            <a:fillRect/>
+          </a:stretch>
+        </p:blipFill>
+        <p:spPr>
+          <a:xfrm>
+            <a:off x="4906339" y="1532761"/>
+            <a:ext cx="6642193" cy="3792477"/>
+          </a:xfrm>
+          <a:prstGeom prst="rect">
+            <a:avLst/>
+          </a:prstGeom>
+        </p:spPr>
+      </p:pic>
+    </p:spTree>
+    <p:extLst>
+      <p:ext uri="{BB962C8B-B14F-4D97-AF65-F5344CB8AC3E}">
+        <p14:creationId xmlns:p14="http://schemas.microsoft.com/office/powerpoint/2010/main" val="932579385"/>
+      </p:ext>
+    </p:extLst>
+  </p:cSld>
+  <p:clrMapOvr>
+    <a:overrideClrMapping bg1="lt1" tx1="dk1" bg2="lt2" tx2="dk2" accent1="accent1" accent2="accent2" accent3="accent3" accent4="accent4" accent5="accent5" accent6="accent6" hlink="hlink" folHlink="folHlink"/>
+  </p:clrMapOvr>
+</p:sld>
+</file>
+
+<file path=ppt/slides/slide23.xml><?xml version="1.0" encoding="utf-8"?>
+<p:sld xmlns:a="http://schemas.openxmlformats.org/drawingml/2006/main" xmlns:r="http://schemas.openxmlformats.org/officeDocument/2006/relationships" xmlns:p="http://schemas.openxmlformats.org/presentationml/2006/main">
+  <p:cSld>
+    <p:spTree>
+      <p:nvGrpSpPr>
+        <p:cNvPr id="1" name=""/>
+        <p:cNvGrpSpPr/>
+        <p:nvPr/>
+      </p:nvGrpSpPr>
+      <p:grpSpPr>
+        <a:xfrm>
+          <a:off x="0" y="0"/>
+          <a:ext cx="0" cy="0"/>
+          <a:chOff x="0" y="0"/>
+          <a:chExt cx="0" cy="0"/>
+        </a:xfrm>
+      </p:grpSpPr>
+      <p:sp>
+        <p:nvSpPr>
+          <p:cNvPr id="2" name="Заголовок 1">
+            <a:extLst>
+              <a:ext uri="{FF2B5EF4-FFF2-40B4-BE49-F238E27FC236}">
+                <a16:creationId xmlns:a16="http://schemas.microsoft.com/office/drawing/2014/main" id="{CF0FAF64-F992-4D4F-A707-80709D914EAE}"/>
+              </a:ext>
+            </a:extLst>
+          </p:cNvPr>
+          <p:cNvSpPr>
+            <a:spLocks noGrp="1"/>
+          </p:cNvSpPr>
+          <p:nvPr>
+            <p:ph type="title"/>
+          </p:nvPr>
+        </p:nvSpPr>
+        <p:spPr/>
+        <p:txBody>
+          <a:bodyPr/>
+          <a:lstStyle/>
+          <a:p>
+            <a:r>
+              <a:rPr lang="en-US" dirty="0"/>
+              <a:t>State</a:t>
+            </a:r>
+            <a:endParaRPr lang="ru-RU" dirty="0"/>
+          </a:p>
+        </p:txBody>
+      </p:sp>
+      <p:sp>
+        <p:nvSpPr>
+          <p:cNvPr id="3" name="Объект 2">
+            <a:extLst>
+              <a:ext uri="{FF2B5EF4-FFF2-40B4-BE49-F238E27FC236}">
+                <a16:creationId xmlns:a16="http://schemas.microsoft.com/office/drawing/2014/main" id="{3A8FE253-5AB0-44C5-9D84-7599932FFE13}"/>
+              </a:ext>
+            </a:extLst>
+          </p:cNvPr>
+          <p:cNvSpPr>
+            <a:spLocks noGrp="1"/>
+          </p:cNvSpPr>
+          <p:nvPr>
+            <p:ph idx="1"/>
+          </p:nvPr>
+        </p:nvSpPr>
+        <p:spPr/>
+        <p:txBody>
+          <a:bodyPr>
+            <a:normAutofit/>
+          </a:bodyPr>
+          <a:lstStyle/>
+          <a:p>
+            <a:r>
+              <a:rPr lang="en-US" sz="2400" i="1" dirty="0"/>
+              <a:t>Private Variables</a:t>
+            </a:r>
+            <a:r>
+              <a:rPr lang="en-US" sz="2400" dirty="0"/>
+              <a:t>:</a:t>
+            </a:r>
+            <a:r>
+              <a:rPr lang="ru-RU" sz="2400" dirty="0"/>
+              <a:t> оставшееся количество и оставшееся время</a:t>
+            </a:r>
+          </a:p>
+          <a:p>
+            <a:r>
+              <a:rPr lang="en-US" sz="2400" i="1" dirty="0"/>
+              <a:t>Market Variables</a:t>
+            </a:r>
+            <a:r>
+              <a:rPr lang="ru-RU" sz="2400" i="1" dirty="0"/>
+              <a:t>: </a:t>
+            </a:r>
+            <a:r>
+              <a:rPr lang="ru-RU" sz="2400" dirty="0"/>
+              <a:t>состояние </a:t>
+            </a:r>
+            <a:r>
+              <a:rPr lang="en-US" sz="2400" dirty="0"/>
+              <a:t>Orderbook</a:t>
+            </a:r>
+            <a:r>
+              <a:rPr lang="ru-RU" sz="2400" dirty="0"/>
+              <a:t> (20 уровней)</a:t>
+            </a:r>
+            <a:r>
+              <a:rPr lang="en-US" sz="2400" dirty="0"/>
+              <a:t> </a:t>
+            </a:r>
+            <a:r>
+              <a:rPr lang="ru-RU" sz="2400" dirty="0"/>
+              <a:t>и данные о сделках за последние 30 шагов</a:t>
+            </a:r>
+          </a:p>
+        </p:txBody>
+      </p:sp>
+    </p:spTree>
+    <p:extLst>
+      <p:ext uri="{BB962C8B-B14F-4D97-AF65-F5344CB8AC3E}">
+        <p14:creationId xmlns:p14="http://schemas.microsoft.com/office/powerpoint/2010/main" val="2532407242"/>
+      </p:ext>
+    </p:extLst>
+  </p:cSld>
+  <p:clrMapOvr>
+    <a:masterClrMapping/>
+  </p:clrMapOvr>
+</p:sld>
+</file>
+
+<file path=ppt/slides/slide24.xml><?xml version="1.0" encoding="utf-8"?>
+<p:sld xmlns:a="http://schemas.openxmlformats.org/drawingml/2006/main" xmlns:r="http://schemas.openxmlformats.org/officeDocument/2006/relationships" xmlns:p="http://schemas.openxmlformats.org/presentationml/2006/main">
+  <p:cSld>
+    <p:spTree>
+      <p:nvGrpSpPr>
+        <p:cNvPr id="1" name=""/>
+        <p:cNvGrpSpPr/>
+        <p:nvPr/>
+      </p:nvGrpSpPr>
+      <p:grpSpPr>
+        <a:xfrm>
+          <a:off x="0" y="0"/>
+          <a:ext cx="0" cy="0"/>
+          <a:chOff x="0" y="0"/>
+          <a:chExt cx="0" cy="0"/>
+        </a:xfrm>
+      </p:grpSpPr>
+      <p:sp>
+        <p:nvSpPr>
+          <p:cNvPr id="2" name="Заголовок 1">
+            <a:extLst>
+              <a:ext uri="{FF2B5EF4-FFF2-40B4-BE49-F238E27FC236}">
+                <a16:creationId xmlns:a16="http://schemas.microsoft.com/office/drawing/2014/main" id="{120CA994-5113-4585-88A5-CBB9CB23F21E}"/>
+              </a:ext>
+            </a:extLst>
+          </p:cNvPr>
+          <p:cNvSpPr>
+            <a:spLocks noGrp="1"/>
+          </p:cNvSpPr>
+          <p:nvPr>
+            <p:ph type="title"/>
+          </p:nvPr>
+        </p:nvSpPr>
+        <p:spPr/>
+        <p:txBody>
+          <a:bodyPr/>
+          <a:lstStyle/>
+          <a:p>
+            <a:r>
+              <a:rPr lang="en-US" dirty="0"/>
+              <a:t>Actions</a:t>
+            </a:r>
+            <a:endParaRPr lang="ru-RU" dirty="0"/>
+          </a:p>
+        </p:txBody>
+      </p:sp>
+      <mc:AlternateContent xmlns:mc="http://schemas.openxmlformats.org/markup-compatibility/2006">
+        <mc:Choice xmlns:a14="http://schemas.microsoft.com/office/drawing/2010/main" Requires="a14">
+          <p:sp>
+            <p:nvSpPr>
+              <p:cNvPr id="3" name="Объект 2">
+                <a:extLst>
+                  <a:ext uri="{FF2B5EF4-FFF2-40B4-BE49-F238E27FC236}">
+                    <a16:creationId xmlns:a16="http://schemas.microsoft.com/office/drawing/2014/main" id="{DECDAD5C-6E80-4479-B4EB-4554879112AD}"/>
+                  </a:ext>
+                </a:extLst>
+              </p:cNvPr>
+              <p:cNvSpPr>
+                <a:spLocks noGrp="1"/>
+              </p:cNvSpPr>
+              <p:nvPr>
+                <p:ph idx="1"/>
+              </p:nvPr>
+            </p:nvSpPr>
+            <p:spPr/>
+            <p:txBody>
+              <a:bodyPr/>
+              <a:lstStyle/>
+              <a:p>
+                <a:r>
+                  <a:rPr lang="en-US" dirty="0"/>
+                  <a:t>101 </a:t>
+                </a:r>
+                <a:r>
+                  <a:rPr lang="ru-RU" dirty="0"/>
+                  <a:t>возможное действие:</a:t>
+                </a:r>
+                <a:r>
+                  <a:rPr lang="en-US" dirty="0"/>
+                  <a:t> (a </a:t>
+                </a:r>
+                <a:r>
+                  <a:rPr lang="ru-RU" dirty="0"/>
+                  <a:t>от -50 до 50 включая</a:t>
+                </a:r>
+                <a:r>
+                  <a:rPr lang="en-US" dirty="0"/>
+                  <a:t>)</a:t>
+                </a:r>
+                <a:endParaRPr lang="ru-RU" dirty="0"/>
+              </a:p>
+              <a:p>
+                <a:pPr marL="36900" indent="0">
+                  <a:buNone/>
+                </a:pPr>
+                <a:r>
+                  <a:rPr lang="ru-RU" dirty="0"/>
+                  <a:t>	</a:t>
+                </a:r>
+                <a14:m>
+                  <m:oMath xmlns:m="http://schemas.openxmlformats.org/officeDocument/2006/math">
+                    <m:sSub>
+                      <m:sSubPr>
+                        <m:ctrlPr>
+                          <a:rPr lang="en-US" b="0" i="1" smtClean="0">
+                            <a:latin typeface="Cambria Math" panose="02040503050406030204" pitchFamily="18" charset="0"/>
+                          </a:rPr>
+                        </m:ctrlPr>
+                      </m:sSubPr>
+                      <m:e>
+                        <m:r>
+                          <a:rPr lang="en-US" b="0" i="1" smtClean="0">
+                            <a:latin typeface="Cambria Math" panose="02040503050406030204" pitchFamily="18" charset="0"/>
+                          </a:rPr>
+                          <m:t>𝑝</m:t>
+                        </m:r>
+                      </m:e>
+                      <m:sub>
+                        <m:r>
+                          <a:rPr lang="en-US" b="0" i="1" smtClean="0">
+                            <a:latin typeface="Cambria Math" panose="02040503050406030204" pitchFamily="18" charset="0"/>
+                          </a:rPr>
+                          <m:t>𝑡</m:t>
+                        </m:r>
+                      </m:sub>
+                    </m:sSub>
+                    <m:r>
+                      <a:rPr lang="en-US" b="0" i="1" smtClean="0">
+                        <a:latin typeface="Cambria Math" panose="02040503050406030204" pitchFamily="18" charset="0"/>
+                      </a:rPr>
+                      <m:t>=</m:t>
+                    </m:r>
+                    <m:sSub>
+                      <m:sSubPr>
+                        <m:ctrlPr>
+                          <a:rPr lang="en-US" b="0" i="1" smtClean="0">
+                            <a:latin typeface="Cambria Math" panose="02040503050406030204" pitchFamily="18" charset="0"/>
+                          </a:rPr>
+                        </m:ctrlPr>
+                      </m:sSubPr>
+                      <m:e>
+                        <m:r>
+                          <a:rPr lang="en-US" b="0" i="1" smtClean="0">
+                            <a:latin typeface="Cambria Math" panose="02040503050406030204" pitchFamily="18" charset="0"/>
+                          </a:rPr>
+                          <m:t>𝑝</m:t>
+                        </m:r>
+                      </m:e>
+                      <m:sub>
+                        <m:sSub>
+                          <m:sSubPr>
+                            <m:ctrlPr>
+                              <a:rPr lang="en-US" b="0" i="1" smtClean="0">
+                                <a:latin typeface="Cambria Math" panose="02040503050406030204" pitchFamily="18" charset="0"/>
+                              </a:rPr>
+                            </m:ctrlPr>
+                          </m:sSubPr>
+                          <m:e>
+                            <m:r>
+                              <a:rPr lang="en-US" b="0" i="1" smtClean="0">
+                                <a:latin typeface="Cambria Math" panose="02040503050406030204" pitchFamily="18" charset="0"/>
+                              </a:rPr>
+                              <m:t>𝑚</m:t>
+                            </m:r>
+                          </m:e>
+                          <m:sub>
+                            <m:r>
+                              <a:rPr lang="en-US" b="0" i="1" smtClean="0">
+                                <a:latin typeface="Cambria Math" panose="02040503050406030204" pitchFamily="18" charset="0"/>
+                              </a:rPr>
+                              <m:t>𝑡</m:t>
+                            </m:r>
+                          </m:sub>
+                        </m:sSub>
+                      </m:sub>
+                    </m:sSub>
+                    <m:r>
+                      <a:rPr lang="en-US" b="0" i="1" smtClean="0">
+                        <a:latin typeface="Cambria Math" panose="02040503050406030204" pitchFamily="18" charset="0"/>
+                      </a:rPr>
+                      <m:t>+0.10 </m:t>
+                    </m:r>
+                    <m:r>
+                      <a:rPr lang="en-US" b="0" i="1" smtClean="0">
+                        <a:latin typeface="Cambria Math" panose="02040503050406030204" pitchFamily="18" charset="0"/>
+                      </a:rPr>
+                      <m:t>𝑎</m:t>
+                    </m:r>
+                  </m:oMath>
+                </a14:m>
+                <a:endParaRPr lang="en-US" b="0" dirty="0"/>
+              </a:p>
+              <a:p>
+                <a:pPr marL="36900" indent="0">
+                  <a:buNone/>
+                </a:pPr>
+                <a:r>
+                  <a:rPr lang="en-US" b="0" dirty="0"/>
+                  <a:t>	</a:t>
+                </a:r>
+                <a14:m>
+                  <m:oMath xmlns:m="http://schemas.openxmlformats.org/officeDocument/2006/math">
+                    <m:sSub>
+                      <m:sSubPr>
+                        <m:ctrlPr>
+                          <a:rPr lang="en-US" b="0" i="1" smtClean="0">
+                            <a:latin typeface="Cambria Math" panose="02040503050406030204" pitchFamily="18" charset="0"/>
+                          </a:rPr>
+                        </m:ctrlPr>
+                      </m:sSubPr>
+                      <m:e>
+                        <m:r>
+                          <a:rPr lang="en-US" b="0" i="1" smtClean="0">
+                            <a:latin typeface="Cambria Math" panose="02040503050406030204" pitchFamily="18" charset="0"/>
+                          </a:rPr>
+                          <m:t>𝑝</m:t>
+                        </m:r>
+                      </m:e>
+                      <m:sub>
+                        <m:sSub>
+                          <m:sSubPr>
+                            <m:ctrlPr>
+                              <a:rPr lang="en-US" b="0" i="1" smtClean="0">
+                                <a:latin typeface="Cambria Math" panose="02040503050406030204" pitchFamily="18" charset="0"/>
+                              </a:rPr>
+                            </m:ctrlPr>
+                          </m:sSubPr>
+                          <m:e>
+                            <m:r>
+                              <a:rPr lang="en-US" b="0" i="1" smtClean="0">
+                                <a:latin typeface="Cambria Math" panose="02040503050406030204" pitchFamily="18" charset="0"/>
+                              </a:rPr>
+                              <m:t>𝑚</m:t>
+                            </m:r>
+                          </m:e>
+                          <m:sub>
+                            <m:r>
+                              <a:rPr lang="en-US" b="0" i="1" smtClean="0">
+                                <a:latin typeface="Cambria Math" panose="02040503050406030204" pitchFamily="18" charset="0"/>
+                              </a:rPr>
+                              <m:t>𝑡</m:t>
+                            </m:r>
+                          </m:sub>
+                        </m:sSub>
+                      </m:sub>
+                    </m:sSub>
+                  </m:oMath>
+                </a14:m>
+                <a:r>
+                  <a:rPr lang="en-US" b="0" dirty="0"/>
+                  <a:t> -</a:t>
+                </a:r>
+                <a:r>
+                  <a:rPr lang="ru-RU" b="0" dirty="0"/>
+                  <a:t> </a:t>
+                </a:r>
+                <a:r>
+                  <a:rPr lang="en-US" b="0" dirty="0"/>
+                  <a:t>market price</a:t>
+                </a:r>
+              </a:p>
+              <a:p>
+                <a:pPr marL="36900" indent="0">
+                  <a:buNone/>
+                </a:pPr>
+                <a:endParaRPr lang="ru-RU" dirty="0"/>
+              </a:p>
+            </p:txBody>
+          </p:sp>
+        </mc:Choice>
+        <mc:Fallback>
+          <p:sp>
+            <p:nvSpPr>
+              <p:cNvPr id="3" name="Объект 2">
+                <a:extLst>
+                  <a:ext uri="{FF2B5EF4-FFF2-40B4-BE49-F238E27FC236}">
+                    <a16:creationId xmlns:a16="http://schemas.microsoft.com/office/drawing/2014/main" id="{DECDAD5C-6E80-4479-B4EB-4554879112AD}"/>
+                  </a:ext>
+                </a:extLst>
+              </p:cNvPr>
+              <p:cNvSpPr>
+                <a:spLocks noGrp="1" noRot="1" noChangeAspect="1" noMove="1" noResize="1" noEditPoints="1" noAdjustHandles="1" noChangeArrowheads="1" noChangeShapeType="1" noTextEdit="1"/>
+              </p:cNvSpPr>
+              <p:nvPr>
+                <p:ph idx="1"/>
+              </p:nvPr>
+            </p:nvSpPr>
+            <p:spPr>
+              <a:blipFill>
+                <a:blip r:embed="rId2"/>
+                <a:stretch>
+                  <a:fillRect/>
+                </a:stretch>
+              </a:blipFill>
+            </p:spPr>
+            <p:txBody>
+              <a:bodyPr/>
+              <a:lstStyle/>
+              <a:p>
+                <a:r>
+                  <a:rPr lang="ru-RU">
+                    <a:noFill/>
+                  </a:rPr>
+                  <a:t> </a:t>
+                </a:r>
+              </a:p>
+            </p:txBody>
+          </p:sp>
+        </mc:Fallback>
+      </mc:AlternateContent>
+    </p:spTree>
+    <p:extLst>
+      <p:ext uri="{BB962C8B-B14F-4D97-AF65-F5344CB8AC3E}">
+        <p14:creationId xmlns:p14="http://schemas.microsoft.com/office/powerpoint/2010/main" val="2542083230"/>
+      </p:ext>
+    </p:extLst>
+  </p:cSld>
+  <p:clrMapOvr>
+    <a:masterClrMapping/>
+  </p:clrMapOvr>
+</p:sld>
+</file>
+
+<file path=ppt/slides/slide25.xml><?xml version="1.0" encoding="utf-8"?>
+<p:sld xmlns:a="http://schemas.openxmlformats.org/drawingml/2006/main" xmlns:r="http://schemas.openxmlformats.org/officeDocument/2006/relationships" xmlns:p="http://schemas.openxmlformats.org/presentationml/2006/main">
+  <p:cSld>
+    <p:spTree>
+      <p:nvGrpSpPr>
+        <p:cNvPr id="1" name=""/>
+        <p:cNvGrpSpPr/>
+        <p:nvPr/>
+      </p:nvGrpSpPr>
+      <p:grpSpPr>
+        <a:xfrm>
+          <a:off x="0" y="0"/>
+          <a:ext cx="0" cy="0"/>
+          <a:chOff x="0" y="0"/>
+          <a:chExt cx="0" cy="0"/>
+        </a:xfrm>
+      </p:grpSpPr>
+      <p:sp>
+        <p:nvSpPr>
+          <p:cNvPr id="2" name="Заголовок 1">
+            <a:extLst>
+              <a:ext uri="{FF2B5EF4-FFF2-40B4-BE49-F238E27FC236}">
+                <a16:creationId xmlns:a16="http://schemas.microsoft.com/office/drawing/2014/main" id="{835837A9-D993-4598-AE7A-531A9510E1C0}"/>
+              </a:ext>
+            </a:extLst>
+          </p:cNvPr>
+          <p:cNvSpPr>
+            <a:spLocks noGrp="1"/>
+          </p:cNvSpPr>
+          <p:nvPr>
+            <p:ph type="title"/>
+          </p:nvPr>
+        </p:nvSpPr>
+        <p:spPr/>
+        <p:txBody>
+          <a:bodyPr/>
+          <a:lstStyle/>
+          <a:p>
+            <a:r>
+              <a:rPr lang="en-US" dirty="0"/>
+              <a:t>Reward function</a:t>
+            </a:r>
+            <a:endParaRPr lang="ru-RU" dirty="0"/>
+          </a:p>
+        </p:txBody>
+      </p:sp>
+      <mc:AlternateContent xmlns:mc="http://schemas.openxmlformats.org/markup-compatibility/2006">
+        <mc:Choice xmlns:a14="http://schemas.microsoft.com/office/drawing/2010/main" Requires="a14">
+          <p:sp>
+            <p:nvSpPr>
+              <p:cNvPr id="3" name="Объект 2">
+                <a:extLst>
+                  <a:ext uri="{FF2B5EF4-FFF2-40B4-BE49-F238E27FC236}">
+                    <a16:creationId xmlns:a16="http://schemas.microsoft.com/office/drawing/2014/main" id="{61F8C8B6-CE6D-4996-8BDA-DCC2593C0A4C}"/>
+                  </a:ext>
+                </a:extLst>
+              </p:cNvPr>
+              <p:cNvSpPr>
+                <a:spLocks noGrp="1"/>
+              </p:cNvSpPr>
+              <p:nvPr>
+                <p:ph idx="1"/>
+              </p:nvPr>
+            </p:nvSpPr>
+            <p:spPr/>
+            <p:txBody>
+              <a:bodyPr/>
+              <a:lstStyle/>
+              <a:p>
+                <a:r>
+                  <a:rPr lang="en-US" b="0" i="1" dirty="0">
+                    <a:latin typeface="Cambria Math" panose="02040503050406030204" pitchFamily="18" charset="0"/>
+                  </a:rPr>
+                  <a:t>Volume Weighted Average Price</a:t>
+                </a:r>
+              </a:p>
+              <a:p>
+                <a14:m>
+                  <m:oMath xmlns:m="http://schemas.openxmlformats.org/officeDocument/2006/math">
+                    <m:sSub>
+                      <m:sSubPr>
+                        <m:ctrlPr>
+                          <a:rPr lang="en-US" sz="2400" b="0" i="1" smtClean="0">
+                            <a:latin typeface="Cambria Math" panose="02040503050406030204" pitchFamily="18" charset="0"/>
+                          </a:rPr>
+                        </m:ctrlPr>
+                      </m:sSubPr>
+                      <m:e>
+                        <m:r>
+                          <a:rPr lang="en-US" sz="2400" b="0" i="1" smtClean="0">
+                            <a:latin typeface="Cambria Math" panose="02040503050406030204" pitchFamily="18" charset="0"/>
+                          </a:rPr>
+                          <m:t>𝑅</m:t>
+                        </m:r>
+                      </m:e>
+                      <m:sub>
+                        <m:r>
+                          <a:rPr lang="en-US" sz="2400" b="0" i="1" smtClean="0">
+                            <a:latin typeface="Cambria Math" panose="02040503050406030204" pitchFamily="18" charset="0"/>
+                          </a:rPr>
+                          <m:t>𝑡</m:t>
+                        </m:r>
+                      </m:sub>
+                    </m:sSub>
+                    <m:r>
+                      <a:rPr lang="en-US" sz="2400" b="0" i="1" smtClean="0">
+                        <a:latin typeface="Cambria Math" panose="02040503050406030204" pitchFamily="18" charset="0"/>
+                      </a:rPr>
+                      <m:t>=</m:t>
+                    </m:r>
+                    <m:sSub>
+                      <m:sSubPr>
+                        <m:ctrlPr>
+                          <a:rPr lang="en-US" sz="2400" b="0" i="1" smtClean="0">
+                            <a:latin typeface="Cambria Math" panose="02040503050406030204" pitchFamily="18" charset="0"/>
+                          </a:rPr>
+                        </m:ctrlPr>
+                      </m:sSubPr>
+                      <m:e>
+                        <m:r>
+                          <a:rPr lang="en-US" sz="2400" b="0" i="1" smtClean="0">
+                            <a:latin typeface="Cambria Math" panose="02040503050406030204" pitchFamily="18" charset="0"/>
+                          </a:rPr>
+                          <m:t>𝑝</m:t>
+                        </m:r>
+                      </m:e>
+                      <m:sub>
+                        <m:sSub>
+                          <m:sSubPr>
+                            <m:ctrlPr>
+                              <a:rPr lang="en-US" sz="2400" b="0" i="1" smtClean="0">
+                                <a:latin typeface="Cambria Math" panose="02040503050406030204" pitchFamily="18" charset="0"/>
+                              </a:rPr>
+                            </m:ctrlPr>
+                          </m:sSubPr>
+                          <m:e>
+                            <m:r>
+                              <a:rPr lang="en-US" sz="2400" b="0" i="1" smtClean="0">
+                                <a:latin typeface="Cambria Math" panose="02040503050406030204" pitchFamily="18" charset="0"/>
+                              </a:rPr>
+                              <m:t>𝑚</m:t>
+                            </m:r>
+                          </m:e>
+                          <m:sub>
+                            <m:r>
+                              <a:rPr lang="en-US" sz="2400" b="0" i="1" smtClean="0">
+                                <a:latin typeface="Cambria Math" panose="02040503050406030204" pitchFamily="18" charset="0"/>
+                              </a:rPr>
+                              <m:t>𝑡</m:t>
+                            </m:r>
+                          </m:sub>
+                        </m:sSub>
+                      </m:sub>
+                    </m:sSub>
+                    <m:r>
+                      <a:rPr lang="en-US" sz="2400" b="0" i="1" smtClean="0">
+                        <a:latin typeface="Cambria Math" panose="02040503050406030204" pitchFamily="18" charset="0"/>
+                      </a:rPr>
+                      <m:t>− </m:t>
+                    </m:r>
+                    <m:f>
+                      <m:fPr>
+                        <m:ctrlPr>
+                          <a:rPr lang="en-US" sz="2400" b="0" i="1" smtClean="0">
+                            <a:solidFill>
+                              <a:srgbClr val="836967"/>
+                            </a:solidFill>
+                            <a:latin typeface="Cambria Math" panose="02040503050406030204" pitchFamily="18" charset="0"/>
+                          </a:rPr>
+                        </m:ctrlPr>
+                      </m:fPr>
+                      <m:num>
+                        <m:r>
+                          <a:rPr lang="en-US" sz="2400" b="0" i="1" smtClean="0">
+                            <a:latin typeface="Cambria Math" panose="02040503050406030204" pitchFamily="18" charset="0"/>
+                          </a:rPr>
+                          <m:t>1</m:t>
+                        </m:r>
+                      </m:num>
+                      <m:den>
+                        <m:nary>
+                          <m:naryPr>
+                            <m:chr m:val="∑"/>
+                            <m:supHide m:val="on"/>
+                            <m:ctrlPr>
+                              <a:rPr lang="en-US" sz="2400" i="1">
+                                <a:latin typeface="Cambria Math" panose="02040503050406030204" pitchFamily="18" charset="0"/>
+                              </a:rPr>
+                            </m:ctrlPr>
+                          </m:naryPr>
+                          <m:sub>
+                            <m:r>
+                              <a:rPr lang="en-US" sz="2400" i="1">
+                                <a:latin typeface="Cambria Math" panose="02040503050406030204" pitchFamily="18" charset="0"/>
+                              </a:rPr>
+                              <m:t>𝑖</m:t>
+                            </m:r>
+                          </m:sub>
+                          <m:sup/>
+                          <m:e>
+                            <m:sSub>
+                              <m:sSubPr>
+                                <m:ctrlPr>
+                                  <a:rPr lang="en-US" sz="2400" i="1">
+                                    <a:latin typeface="Cambria Math" panose="02040503050406030204" pitchFamily="18" charset="0"/>
+                                  </a:rPr>
+                                </m:ctrlPr>
+                              </m:sSubPr>
+                              <m:e>
+                                <m:r>
+                                  <a:rPr lang="en-US" sz="2400" i="1">
+                                    <a:latin typeface="Cambria Math" panose="02040503050406030204" pitchFamily="18" charset="0"/>
+                                  </a:rPr>
+                                  <m:t>𝑣</m:t>
+                                </m:r>
+                              </m:e>
+                              <m:sub>
+                                <m:r>
+                                  <a:rPr lang="en-US" sz="2400" i="1">
+                                    <a:latin typeface="Cambria Math" panose="02040503050406030204" pitchFamily="18" charset="0"/>
+                                  </a:rPr>
+                                  <m:t>𝑖</m:t>
+                                </m:r>
+                              </m:sub>
+                            </m:sSub>
+                          </m:e>
+                        </m:nary>
+                      </m:den>
+                    </m:f>
+                    <m:r>
+                      <a:rPr lang="en-US" sz="2400" b="0" i="1" smtClean="0">
+                        <a:latin typeface="Cambria Math" panose="02040503050406030204" pitchFamily="18" charset="0"/>
+                      </a:rPr>
+                      <m:t> ∑</m:t>
+                    </m:r>
+                    <m:sSub>
+                      <m:sSubPr>
+                        <m:ctrlPr>
+                          <a:rPr lang="en-US" sz="2400" b="0" i="1" smtClean="0">
+                            <a:latin typeface="Cambria Math" panose="02040503050406030204" pitchFamily="18" charset="0"/>
+                          </a:rPr>
+                        </m:ctrlPr>
+                      </m:sSubPr>
+                      <m:e>
+                        <m:r>
+                          <a:rPr lang="en-US" sz="2400" b="0" i="1" smtClean="0">
+                            <a:latin typeface="Cambria Math" panose="02040503050406030204" pitchFamily="18" charset="0"/>
+                          </a:rPr>
+                          <m:t>𝑣</m:t>
+                        </m:r>
+                      </m:e>
+                      <m:sub>
+                        <m:r>
+                          <a:rPr lang="en-US" sz="2400" b="0" i="1" smtClean="0">
+                            <a:latin typeface="Cambria Math" panose="02040503050406030204" pitchFamily="18" charset="0"/>
+                          </a:rPr>
+                          <m:t>𝑝</m:t>
+                        </m:r>
+                      </m:sub>
+                    </m:sSub>
+                    <m:r>
+                      <a:rPr lang="en-US" sz="2400" b="0" i="1" smtClean="0">
+                        <a:latin typeface="Cambria Math" panose="02040503050406030204" pitchFamily="18" charset="0"/>
+                      </a:rPr>
+                      <m:t>∗</m:t>
+                    </m:r>
+                    <m:r>
+                      <a:rPr lang="en-US" sz="2400" b="0" i="1" smtClean="0">
+                        <a:latin typeface="Cambria Math" panose="02040503050406030204" pitchFamily="18" charset="0"/>
+                      </a:rPr>
+                      <m:t>𝑝</m:t>
+                    </m:r>
+                    <m:r>
+                      <a:rPr lang="en-US" sz="2400" b="0" i="1" smtClean="0">
+                        <a:latin typeface="Cambria Math" panose="02040503050406030204" pitchFamily="18" charset="0"/>
+                      </a:rPr>
+                      <m:t> </m:t>
+                    </m:r>
+                  </m:oMath>
+                </a14:m>
+                <a:r>
+                  <a:rPr lang="ru-RU" sz="2400" dirty="0"/>
+                  <a:t> </a:t>
+                </a:r>
+              </a:p>
+            </p:txBody>
+          </p:sp>
+        </mc:Choice>
+        <mc:Fallback>
+          <p:sp>
+            <p:nvSpPr>
+              <p:cNvPr id="3" name="Объект 2">
+                <a:extLst>
+                  <a:ext uri="{FF2B5EF4-FFF2-40B4-BE49-F238E27FC236}">
+                    <a16:creationId xmlns:a16="http://schemas.microsoft.com/office/drawing/2014/main" id="{61F8C8B6-CE6D-4996-8BDA-DCC2593C0A4C}"/>
+                  </a:ext>
+                </a:extLst>
+              </p:cNvPr>
+              <p:cNvSpPr>
+                <a:spLocks noGrp="1" noRot="1" noChangeAspect="1" noMove="1" noResize="1" noEditPoints="1" noAdjustHandles="1" noChangeArrowheads="1" noChangeShapeType="1" noTextEdit="1"/>
+              </p:cNvSpPr>
+              <p:nvPr>
+                <p:ph idx="1"/>
+              </p:nvPr>
+            </p:nvSpPr>
+            <p:spPr>
+              <a:blipFill>
+                <a:blip r:embed="rId2"/>
+                <a:stretch>
+                  <a:fillRect/>
+                </a:stretch>
+              </a:blipFill>
+            </p:spPr>
+            <p:txBody>
+              <a:bodyPr/>
+              <a:lstStyle/>
+              <a:p>
+                <a:r>
+                  <a:rPr lang="ru-RU">
+                    <a:noFill/>
+                  </a:rPr>
+                  <a:t> </a:t>
+                </a:r>
+              </a:p>
+            </p:txBody>
+          </p:sp>
+        </mc:Fallback>
+      </mc:AlternateContent>
+    </p:spTree>
+    <p:extLst>
+      <p:ext uri="{BB962C8B-B14F-4D97-AF65-F5344CB8AC3E}">
+        <p14:creationId xmlns:p14="http://schemas.microsoft.com/office/powerpoint/2010/main" val="1767735506"/>
+      </p:ext>
+    </p:extLst>
+  </p:cSld>
+  <p:clrMapOvr>
+    <a:masterClrMapping/>
+  </p:clrMapOvr>
+</p:sld>
+</file>
+
+<file path=ppt/slides/slide26.xml><?xml version="1.0" encoding="utf-8"?>
+<p:sld xmlns:a="http://schemas.openxmlformats.org/drawingml/2006/main" xmlns:r="http://schemas.openxmlformats.org/officeDocument/2006/relationships" xmlns:p="http://schemas.openxmlformats.org/presentationml/2006/main">
+  <p:cSld>
+    <p:bg>
+      <p:bgPr>
+        <a:solidFill>
+          <a:schemeClr val="bg1"/>
+        </a:solidFill>
+        <a:effectLst/>
+      </p:bgPr>
+    </p:bg>
+    <p:spTree>
+      <p:nvGrpSpPr>
+        <p:cNvPr id="1" name=""/>
+        <p:cNvGrpSpPr/>
+        <p:nvPr/>
+      </p:nvGrpSpPr>
+      <p:grpSpPr>
+        <a:xfrm>
+          <a:off x="0" y="0"/>
+          <a:ext cx="0" cy="0"/>
+          <a:chOff x="0" y="0"/>
+          <a:chExt cx="0" cy="0"/>
+        </a:xfrm>
+      </p:grpSpPr>
+      <p:sp>
+        <p:nvSpPr>
+          <p:cNvPr id="12" name="Rectangle 11">
+            <a:extLst>
+              <a:ext uri="{FF2B5EF4-FFF2-40B4-BE49-F238E27FC236}">
+                <a16:creationId xmlns:a16="http://schemas.microsoft.com/office/drawing/2014/main" id="{95CB840F-8E41-4CA5-B79B-25CC80AD234A}"/>
+              </a:ext>
+              <a:ext uri="{C183D7F6-B498-43B3-948B-1728B52AA6E4}">
+                <adec:decorative xmlns:adec="http://schemas.microsoft.com/office/drawing/2017/decorative" val="1"/>
+              </a:ext>
+            </a:extLst>
+          </p:cNvPr>
+          <p:cNvSpPr>
+            <a:spLocks noGrp="1" noRot="1" noChangeAspect="1" noMove="1" noResize="1" noEditPoints="1" noAdjustHandles="1" noChangeArrowheads="1" noChangeShapeType="1" noTextEdit="1"/>
+          </p:cNvSpPr>
+          <p:nvPr>
+            <p:extLst>
+              <p:ext uri="{386F3935-93C4-4BCD-93E2-E3B085C9AB24}">
+                <p16:designElem xmlns:p16="http://schemas.microsoft.com/office/powerpoint/2015/main" val="1"/>
+              </p:ext>
+            </p:extLst>
+          </p:nvPr>
+        </p:nvSpPr>
+        <p:spPr>
+          <a:xfrm>
+            <a:off x="0" y="0"/>
+            <a:ext cx="12192000" cy="6858000"/>
+          </a:xfrm>
+          <a:prstGeom prst="rect">
+            <a:avLst/>
+          </a:prstGeom>
+          <a:ln>
+            <a:noFill/>
+          </a:ln>
+        </p:spPr>
+        <p:style>
+          <a:lnRef idx="2">
+            <a:schemeClr val="accent1">
+              <a:shade val="50000"/>
+            </a:schemeClr>
+          </a:lnRef>
+          <a:fillRef idx="1003">
+            <a:schemeClr val="dk2"/>
+          </a:fillRef>
+          <a:effectRef idx="0">
+            <a:schemeClr val="accent1"/>
+          </a:effectRef>
+          <a:fontRef idx="minor">
+            <a:schemeClr val="lt1"/>
+          </a:fontRef>
+        </p:style>
+        <p:txBody>
+          <a:bodyPr rtlCol="0" anchor="ctr"/>
+          <a:lstStyle/>
+          <a:p>
+            <a:pPr algn="ctr"/>
+            <a:endParaRPr lang="en-US"/>
+          </a:p>
+        </p:txBody>
+      </p:sp>
+      <p:sp>
+        <p:nvSpPr>
+          <p:cNvPr id="2" name="Заголовок 1">
+            <a:extLst>
+              <a:ext uri="{FF2B5EF4-FFF2-40B4-BE49-F238E27FC236}">
+                <a16:creationId xmlns:a16="http://schemas.microsoft.com/office/drawing/2014/main" id="{8F79945A-2780-4E4C-880D-75C7FCC03CA9}"/>
+              </a:ext>
+            </a:extLst>
+          </p:cNvPr>
+          <p:cNvSpPr>
+            <a:spLocks noGrp="1"/>
+          </p:cNvSpPr>
+          <p:nvPr>
+            <p:ph type="title"/>
+          </p:nvPr>
+        </p:nvSpPr>
+        <p:spPr>
+          <a:xfrm>
+            <a:off x="913795" y="609600"/>
+            <a:ext cx="3078749" cy="970450"/>
+          </a:xfrm>
+        </p:spPr>
+        <p:txBody>
+          <a:bodyPr anchor="b">
+            <a:normAutofit/>
+          </a:bodyPr>
+          <a:lstStyle/>
+          <a:p>
+            <a:pPr algn="l"/>
+            <a:r>
+              <a:rPr lang="en-US" sz="2800">
+                <a:ln>
+                  <a:solidFill>
+                    <a:srgbClr val="404040">
+                      <a:alpha val="10000"/>
+                    </a:srgbClr>
+                  </a:solidFill>
+                </a:ln>
+                <a:solidFill>
+                  <a:srgbClr val="DADADA"/>
+                </a:solidFill>
+              </a:rPr>
+              <a:t>Dueling DQN</a:t>
+            </a:r>
+            <a:endParaRPr lang="ru-RU" sz="2800">
+              <a:ln>
+                <a:solidFill>
+                  <a:srgbClr val="404040">
+                    <a:alpha val="10000"/>
+                  </a:srgbClr>
+                </a:solidFill>
+              </a:ln>
+              <a:solidFill>
+                <a:srgbClr val="DADADA"/>
+              </a:solidFill>
+            </a:endParaRPr>
+          </a:p>
+        </p:txBody>
+      </p:sp>
+      <p:sp>
+        <p:nvSpPr>
+          <p:cNvPr id="9" name="Content Placeholder 8">
+            <a:extLst>
+              <a:ext uri="{FF2B5EF4-FFF2-40B4-BE49-F238E27FC236}">
+                <a16:creationId xmlns:a16="http://schemas.microsoft.com/office/drawing/2014/main" id="{B3CF1A0B-6A9E-4504-85B7-F7311788769F}"/>
+              </a:ext>
+            </a:extLst>
+          </p:cNvPr>
+          <p:cNvSpPr>
+            <a:spLocks noGrp="1"/>
+          </p:cNvSpPr>
+          <p:nvPr>
+            <p:ph idx="1"/>
+          </p:nvPr>
+        </p:nvSpPr>
+        <p:spPr>
+          <a:xfrm>
+            <a:off x="913795" y="1732449"/>
+            <a:ext cx="3078749" cy="4482084"/>
+          </a:xfrm>
+        </p:spPr>
+        <p:txBody>
+          <a:bodyPr anchor="t">
+            <a:normAutofit/>
+          </a:bodyPr>
+          <a:lstStyle/>
+          <a:p>
+            <a:r>
+              <a:rPr lang="en-US" dirty="0">
+                <a:ln>
+                  <a:solidFill>
+                    <a:srgbClr val="404040">
+                      <a:alpha val="10000"/>
+                    </a:srgbClr>
+                  </a:solidFill>
+                </a:ln>
+                <a:solidFill>
+                  <a:srgbClr val="DADADA"/>
+                </a:solidFill>
+              </a:rPr>
+              <a:t>Value stream </a:t>
+            </a:r>
+            <a:r>
+              <a:rPr lang="ru-RU" dirty="0">
+                <a:ln>
+                  <a:solidFill>
+                    <a:srgbClr val="404040">
+                      <a:alpha val="10000"/>
+                    </a:srgbClr>
+                  </a:solidFill>
+                </a:ln>
+                <a:solidFill>
+                  <a:srgbClr val="DADADA"/>
+                </a:solidFill>
+              </a:rPr>
+              <a:t>и </a:t>
+            </a:r>
+            <a:r>
+              <a:rPr lang="en-US" dirty="0">
+                <a:ln>
+                  <a:solidFill>
+                    <a:srgbClr val="404040">
+                      <a:alpha val="10000"/>
+                    </a:srgbClr>
+                  </a:solidFill>
+                </a:ln>
+                <a:solidFill>
+                  <a:srgbClr val="DADADA"/>
+                </a:solidFill>
+              </a:rPr>
+              <a:t>Advantage stream</a:t>
+            </a:r>
+          </a:p>
+          <a:p>
+            <a:r>
+              <a:rPr lang="ru-RU" dirty="0">
+                <a:ln>
+                  <a:solidFill>
+                    <a:srgbClr val="404040">
+                      <a:alpha val="10000"/>
+                    </a:srgbClr>
+                  </a:solidFill>
+                </a:ln>
+                <a:solidFill>
+                  <a:srgbClr val="DADADA"/>
+                </a:solidFill>
+              </a:rPr>
+              <a:t>Это разделение помогает агенту выучить, какие состояния могут быть недостаточно выгодными, чтобы исследовать все действия на нем</a:t>
+            </a:r>
+            <a:endParaRPr lang="en-US" dirty="0">
+              <a:ln>
+                <a:solidFill>
+                  <a:srgbClr val="404040">
+                    <a:alpha val="10000"/>
+                  </a:srgbClr>
+                </a:solidFill>
+              </a:ln>
+              <a:solidFill>
+                <a:srgbClr val="DADADA"/>
+              </a:solidFill>
+            </a:endParaRPr>
+          </a:p>
+        </p:txBody>
+      </p:sp>
+      <p:pic>
+        <p:nvPicPr>
+          <p:cNvPr id="5" name="Объект 4">
+            <a:extLst>
+              <a:ext uri="{FF2B5EF4-FFF2-40B4-BE49-F238E27FC236}">
+                <a16:creationId xmlns:a16="http://schemas.microsoft.com/office/drawing/2014/main" id="{D32EE40F-F0E2-4775-9F94-8DF2B2371AC8}"/>
+              </a:ext>
+            </a:extLst>
+          </p:cNvPr>
+          <p:cNvPicPr>
+            <a:picLocks noChangeAspect="1"/>
+          </p:cNvPicPr>
+          <p:nvPr/>
+        </p:nvPicPr>
+        <p:blipFill>
+          <a:blip r:embed="rId2"/>
+          <a:stretch>
+            <a:fillRect/>
+          </a:stretch>
+        </p:blipFill>
+        <p:spPr>
+          <a:xfrm>
+            <a:off x="4906339" y="1270525"/>
+            <a:ext cx="6642193" cy="4316949"/>
+          </a:xfrm>
+          <a:prstGeom prst="rect">
+            <a:avLst/>
+          </a:prstGeom>
+        </p:spPr>
+      </p:pic>
+    </p:spTree>
+    <p:extLst>
+      <p:ext uri="{BB962C8B-B14F-4D97-AF65-F5344CB8AC3E}">
+        <p14:creationId xmlns:p14="http://schemas.microsoft.com/office/powerpoint/2010/main" val="4279384459"/>
+      </p:ext>
+    </p:extLst>
+  </p:cSld>
+  <p:clrMapOvr>
+    <a:overrideClrMapping bg1="lt1" tx1="dk1" bg2="lt2" tx2="dk2" accent1="accent1" accent2="accent2" accent3="accent3" accent4="accent4" accent5="accent5" accent6="accent6" hlink="hlink" folHlink="folHlink"/>
+  </p:clrMapOvr>
+</p:sld>
+</file>
+
+<file path=ppt/slides/slide27.xml><?xml version="1.0" encoding="utf-8"?>
+<p:sld xmlns:a="http://schemas.openxmlformats.org/drawingml/2006/main" xmlns:r="http://schemas.openxmlformats.org/officeDocument/2006/relationships" xmlns:p="http://schemas.openxmlformats.org/presentationml/2006/main">
+  <p:cSld>
+    <p:bg>
+      <p:bgPr>
+        <a:blipFill rotWithShape="1">
+          <a:blip r:embed="rId2">
+            <a:duotone>
+              <a:schemeClr val="bg2">
+                <a:shade val="80000"/>
+                <a:lumMod val="80000"/>
+              </a:schemeClr>
+              <a:schemeClr val="bg2">
+                <a:tint val="98000"/>
+              </a:schemeClr>
+            </a:duotone>
+          </a:blip>
+          <a:stretch/>
+        </a:blipFill>
+        <a:effectLst/>
+      </p:bgPr>
+    </p:bg>
+    <p:spTree>
+      <p:nvGrpSpPr>
+        <p:cNvPr id="1" name=""/>
+        <p:cNvGrpSpPr/>
+        <p:nvPr/>
+      </p:nvGrpSpPr>
+      <p:grpSpPr>
+        <a:xfrm>
+          <a:off x="0" y="0"/>
+          <a:ext cx="0" cy="0"/>
+          <a:chOff x="0" y="0"/>
+          <a:chExt cx="0" cy="0"/>
+        </a:xfrm>
+      </p:grpSpPr>
+      <p:sp>
+        <p:nvSpPr>
+          <p:cNvPr id="2" name="Заголовок 1">
+            <a:extLst>
+              <a:ext uri="{FF2B5EF4-FFF2-40B4-BE49-F238E27FC236}">
+                <a16:creationId xmlns:a16="http://schemas.microsoft.com/office/drawing/2014/main" id="{55D42702-2FD2-423D-A253-3A260C127C43}"/>
+              </a:ext>
+            </a:extLst>
+          </p:cNvPr>
+          <p:cNvSpPr>
+            <a:spLocks noGrp="1"/>
+          </p:cNvSpPr>
+          <p:nvPr>
+            <p:ph type="title"/>
+          </p:nvPr>
+        </p:nvSpPr>
+        <p:spPr>
+          <a:xfrm>
+            <a:off x="5279472" y="609600"/>
+            <a:ext cx="5844759" cy="970450"/>
+          </a:xfrm>
+        </p:spPr>
+        <p:txBody>
+          <a:bodyPr>
+            <a:normAutofit/>
+          </a:bodyPr>
+          <a:lstStyle/>
+          <a:p>
+            <a:r>
+              <a:rPr lang="en-US" dirty="0"/>
+              <a:t>Micro-agent training</a:t>
+            </a:r>
+            <a:endParaRPr lang="ru-RU" dirty="0"/>
+          </a:p>
+        </p:txBody>
+      </p:sp>
+      <p:pic>
+        <p:nvPicPr>
+          <p:cNvPr id="12" name="Picture 11">
+            <a:extLst>
+              <a:ext uri="{FF2B5EF4-FFF2-40B4-BE49-F238E27FC236}">
+                <a16:creationId xmlns:a16="http://schemas.microsoft.com/office/drawing/2014/main" id="{5405F23C-C82E-4181-95EA-321F3D891A40}"/>
+              </a:ext>
+              <a:ext uri="{C183D7F6-B498-43B3-948B-1728B52AA6E4}">
+                <adec:decorative xmlns:adec="http://schemas.microsoft.com/office/drawing/2017/decorative" val="1"/>
+              </a:ext>
+            </a:extLst>
+          </p:cNvPr>
+          <p:cNvPicPr>
+            <a:picLocks noGrp="1" noRot="1" noChangeAspect="1" noMove="1" noResize="1" noEditPoints="1" noAdjustHandles="1" noChangeArrowheads="1" noChangeShapeType="1" noCrop="1"/>
+          </p:cNvPicPr>
+          <p:nvPr>
+            <p:extLst>
+              <p:ext uri="{386F3935-93C4-4BCD-93E2-E3B085C9AB24}">
+                <p16:designElem xmlns:p16="http://schemas.microsoft.com/office/powerpoint/2015/main" val="1"/>
+              </p:ext>
+            </p:extLst>
+          </p:nvPr>
+        </p:nvPicPr>
+        <p:blipFill rotWithShape="1">
+          <a:blip r:embed="rId3">
+            <a:extLst>
+              <a:ext uri="{28A0092B-C50C-407E-A947-70E740481C1C}">
+                <a14:useLocalDpi xmlns:a14="http://schemas.microsoft.com/office/drawing/2010/main" val="0"/>
+              </a:ext>
+            </a:extLst>
+          </a:blip>
+          <a:srcRect t="964" r="2807" b="1446"/>
+          <a:stretch/>
+        </p:blipFill>
+        <p:spPr>
+          <a:xfrm>
+            <a:off x="-10650" y="1"/>
+            <a:ext cx="4966697" cy="6858000"/>
+          </a:xfrm>
+          <a:prstGeom prst="rect">
+            <a:avLst/>
+          </a:prstGeom>
+        </p:spPr>
+      </p:pic>
+      <p:pic>
+        <p:nvPicPr>
+          <p:cNvPr id="5" name="Объект 4">
+            <a:extLst>
+              <a:ext uri="{FF2B5EF4-FFF2-40B4-BE49-F238E27FC236}">
+                <a16:creationId xmlns:a16="http://schemas.microsoft.com/office/drawing/2014/main" id="{F366A5D3-7074-4F4A-ADAB-B5BBD9994B7D}"/>
+              </a:ext>
+            </a:extLst>
+          </p:cNvPr>
+          <p:cNvPicPr>
+            <a:picLocks noChangeAspect="1"/>
+          </p:cNvPicPr>
+          <p:nvPr/>
+        </p:nvPicPr>
+        <p:blipFill>
+          <a:blip r:embed="rId4"/>
+          <a:stretch>
+            <a:fillRect/>
+          </a:stretch>
+        </p:blipFill>
+        <p:spPr>
+          <a:xfrm>
+            <a:off x="923305" y="643465"/>
+            <a:ext cx="3712703" cy="5103372"/>
+          </a:xfrm>
+          <a:prstGeom prst="rect">
+            <a:avLst/>
+          </a:prstGeom>
+        </p:spPr>
+      </p:pic>
+      <p:sp>
+        <p:nvSpPr>
+          <p:cNvPr id="9" name="Content Placeholder 8">
+            <a:extLst>
+              <a:ext uri="{FF2B5EF4-FFF2-40B4-BE49-F238E27FC236}">
+                <a16:creationId xmlns:a16="http://schemas.microsoft.com/office/drawing/2014/main" id="{10FEC540-FB9D-4EA2-9789-53A05A484C0A}"/>
+              </a:ext>
+            </a:extLst>
+          </p:cNvPr>
+          <p:cNvSpPr>
+            <a:spLocks noGrp="1"/>
+          </p:cNvSpPr>
+          <p:nvPr>
+            <p:ph idx="1"/>
+          </p:nvPr>
+        </p:nvSpPr>
+        <p:spPr>
+          <a:xfrm>
+            <a:off x="5279472" y="1828801"/>
+            <a:ext cx="5844760" cy="3866048"/>
+          </a:xfrm>
+        </p:spPr>
+        <p:txBody>
+          <a:bodyPr anchor="ctr">
+            <a:normAutofit/>
+          </a:bodyPr>
+          <a:lstStyle/>
+          <a:p>
+            <a:pPr>
+              <a:buClr>
+                <a:srgbClr val="F3F38E"/>
+              </a:buClr>
+            </a:pPr>
+            <a:r>
+              <a:rPr lang="ru-RU" dirty="0"/>
+              <a:t>В целом, ничего особо не поменялось концептуально</a:t>
+            </a:r>
+          </a:p>
+        </p:txBody>
+      </p:sp>
+    </p:spTree>
+    <p:extLst>
+      <p:ext uri="{BB962C8B-B14F-4D97-AF65-F5344CB8AC3E}">
+        <p14:creationId xmlns:p14="http://schemas.microsoft.com/office/powerpoint/2010/main" val="3719938134"/>
+      </p:ext>
+    </p:extLst>
+  </p:cSld>
+  <p:clrMapOvr>
+    <a:masterClrMapping/>
+  </p:clrMapOvr>
+</p:sld>
+</file>
+
+<file path=ppt/slides/slide28.xml><?xml version="1.0" encoding="utf-8"?>
+<p:sld xmlns:a="http://schemas.openxmlformats.org/drawingml/2006/main" xmlns:r="http://schemas.openxmlformats.org/officeDocument/2006/relationships" xmlns:p="http://schemas.openxmlformats.org/presentationml/2006/main">
+  <p:cSld>
+    <p:spTree>
+      <p:nvGrpSpPr>
+        <p:cNvPr id="1" name=""/>
+        <p:cNvGrpSpPr/>
+        <p:nvPr/>
+      </p:nvGrpSpPr>
+      <p:grpSpPr>
+        <a:xfrm>
+          <a:off x="0" y="0"/>
+          <a:ext cx="0" cy="0"/>
+          <a:chOff x="0" y="0"/>
+          <a:chExt cx="0" cy="0"/>
+        </a:xfrm>
+      </p:grpSpPr>
+      <p:sp>
+        <p:nvSpPr>
+          <p:cNvPr id="2" name="Заголовок 1">
+            <a:extLst>
+              <a:ext uri="{FF2B5EF4-FFF2-40B4-BE49-F238E27FC236}">
+                <a16:creationId xmlns:a16="http://schemas.microsoft.com/office/drawing/2014/main" id="{7C12F8D3-7E40-4D89-B799-E5AB0C426D66}"/>
+              </a:ext>
+            </a:extLst>
+          </p:cNvPr>
+          <p:cNvSpPr>
+            <a:spLocks noGrp="1"/>
+          </p:cNvSpPr>
+          <p:nvPr>
+            <p:ph type="title"/>
+          </p:nvPr>
+        </p:nvSpPr>
+        <p:spPr/>
+        <p:txBody>
+          <a:bodyPr/>
+          <a:lstStyle/>
+          <a:p>
+            <a:r>
+              <a:rPr lang="en-US" dirty="0"/>
+              <a:t>Results</a:t>
+            </a:r>
+            <a:endParaRPr lang="ru-RU" dirty="0"/>
+          </a:p>
+        </p:txBody>
+      </p:sp>
+      <p:pic>
+        <p:nvPicPr>
+          <p:cNvPr id="4" name="Рисунок 3">
+            <a:extLst>
+              <a:ext uri="{FF2B5EF4-FFF2-40B4-BE49-F238E27FC236}">
+                <a16:creationId xmlns:a16="http://schemas.microsoft.com/office/drawing/2014/main" id="{39BDFB1D-F6C6-4C49-922F-4A487E6FBF5E}"/>
+              </a:ext>
+            </a:extLst>
+          </p:cNvPr>
+          <p:cNvPicPr>
+            <a:picLocks noChangeAspect="1"/>
+          </p:cNvPicPr>
+          <p:nvPr/>
+        </p:nvPicPr>
+        <p:blipFill>
+          <a:blip r:embed="rId2"/>
+          <a:stretch>
+            <a:fillRect/>
+          </a:stretch>
+        </p:blipFill>
+        <p:spPr>
+          <a:xfrm>
+            <a:off x="263756" y="1580049"/>
+            <a:ext cx="5772150" cy="4505325"/>
+          </a:xfrm>
+          <a:prstGeom prst="rect">
+            <a:avLst/>
+          </a:prstGeom>
+        </p:spPr>
+      </p:pic>
+      <p:pic>
+        <p:nvPicPr>
+          <p:cNvPr id="6" name="Рисунок 5">
+            <a:extLst>
+              <a:ext uri="{FF2B5EF4-FFF2-40B4-BE49-F238E27FC236}">
+                <a16:creationId xmlns:a16="http://schemas.microsoft.com/office/drawing/2014/main" id="{972161BD-1BF9-4A4D-8BA2-6A6EFABDA074}"/>
+              </a:ext>
+            </a:extLst>
+          </p:cNvPr>
+          <p:cNvPicPr>
+            <a:picLocks noChangeAspect="1"/>
+          </p:cNvPicPr>
+          <p:nvPr/>
+        </p:nvPicPr>
+        <p:blipFill>
+          <a:blip r:embed="rId3"/>
+          <a:stretch>
+            <a:fillRect/>
+          </a:stretch>
+        </p:blipFill>
+        <p:spPr>
+          <a:xfrm>
+            <a:off x="6364093" y="1580049"/>
+            <a:ext cx="5553503" cy="4505325"/>
+          </a:xfrm>
+          <a:prstGeom prst="rect">
+            <a:avLst/>
+          </a:prstGeom>
+        </p:spPr>
+      </p:pic>
+      <p:sp>
+        <p:nvSpPr>
+          <p:cNvPr id="8" name="TextBox 7">
+            <a:extLst>
+              <a:ext uri="{FF2B5EF4-FFF2-40B4-BE49-F238E27FC236}">
+                <a16:creationId xmlns:a16="http://schemas.microsoft.com/office/drawing/2014/main" id="{23FDA7B9-47B8-4822-B01A-EB0AAC6D4579}"/>
+              </a:ext>
+            </a:extLst>
+          </p:cNvPr>
+          <p:cNvSpPr txBox="1"/>
+          <p:nvPr/>
+        </p:nvSpPr>
+        <p:spPr>
+          <a:xfrm>
+            <a:off x="3149831" y="6313118"/>
+            <a:ext cx="6097712" cy="369332"/>
+          </a:xfrm>
+          <a:prstGeom prst="rect">
+            <a:avLst/>
+          </a:prstGeom>
+          <a:noFill/>
+        </p:spPr>
+        <p:txBody>
+          <a:bodyPr wrap="square">
+            <a:spAutoFit/>
+          </a:bodyPr>
+          <a:lstStyle/>
+          <a:p>
+            <a:pPr algn="l"/>
+            <a:r>
+              <a:rPr lang="en-US" dirty="0">
+                <a:latin typeface="NimbusRomNo9L-Regu"/>
+              </a:rPr>
+              <a:t>“</a:t>
+            </a:r>
+            <a:r>
+              <a:rPr lang="en-US" sz="1800" b="0" i="0" u="none" strike="noStrike" baseline="0" dirty="0">
+                <a:latin typeface="NimbusRomNo9L-Regu"/>
+              </a:rPr>
+              <a:t>the micro-agent seems to be making the right decisions”</a:t>
+            </a:r>
+            <a:endParaRPr lang="ru-RU" dirty="0"/>
+          </a:p>
+        </p:txBody>
+      </p:sp>
+    </p:spTree>
+    <p:extLst>
+      <p:ext uri="{BB962C8B-B14F-4D97-AF65-F5344CB8AC3E}">
+        <p14:creationId xmlns:p14="http://schemas.microsoft.com/office/powerpoint/2010/main" val="2733210803"/>
+      </p:ext>
+    </p:extLst>
+  </p:cSld>
+  <p:clrMapOvr>
+    <a:masterClrMapping/>
+  </p:clrMapOvr>
+</p:sld>
+</file>
+
+<file path=ppt/slides/slide29.xml><?xml version="1.0" encoding="utf-8"?>
+<p:sld xmlns:a="http://schemas.openxmlformats.org/drawingml/2006/main" xmlns:r="http://schemas.openxmlformats.org/officeDocument/2006/relationships" xmlns:p="http://schemas.openxmlformats.org/presentationml/2006/main">
+  <p:cSld>
+    <p:spTree>
+      <p:nvGrpSpPr>
+        <p:cNvPr id="1" name=""/>
+        <p:cNvGrpSpPr/>
+        <p:nvPr/>
+      </p:nvGrpSpPr>
+      <p:grpSpPr>
+        <a:xfrm>
+          <a:off x="0" y="0"/>
+          <a:ext cx="0" cy="0"/>
+          <a:chOff x="0" y="0"/>
+          <a:chExt cx="0" cy="0"/>
+        </a:xfrm>
+      </p:grpSpPr>
+      <p:sp>
+        <p:nvSpPr>
+          <p:cNvPr id="2" name="Заголовок 1">
+            <a:extLst>
+              <a:ext uri="{FF2B5EF4-FFF2-40B4-BE49-F238E27FC236}">
+                <a16:creationId xmlns:a16="http://schemas.microsoft.com/office/drawing/2014/main" id="{A6BE0D68-6F38-4746-B366-1EEE3D646E50}"/>
+              </a:ext>
+            </a:extLst>
+          </p:cNvPr>
+          <p:cNvSpPr>
+            <a:spLocks noGrp="1"/>
+          </p:cNvSpPr>
+          <p:nvPr>
+            <p:ph type="title"/>
+          </p:nvPr>
+        </p:nvSpPr>
+        <p:spPr/>
+        <p:txBody>
+          <a:bodyPr/>
+          <a:lstStyle/>
+          <a:p>
+            <a:r>
+              <a:rPr lang="en-US" dirty="0"/>
+              <a:t>Combining Micro and Macro agents</a:t>
+            </a:r>
+            <a:endParaRPr lang="ru-RU" dirty="0"/>
+          </a:p>
+        </p:txBody>
+      </p:sp>
+    </p:spTree>
+    <p:extLst>
+      <p:ext uri="{BB962C8B-B14F-4D97-AF65-F5344CB8AC3E}">
+        <p14:creationId xmlns:p14="http://schemas.microsoft.com/office/powerpoint/2010/main" val="986558526"/>
+      </p:ext>
+    </p:extLst>
+  </p:cSld>
+  <p:clrMapOvr>
+    <a:masterClrMapping/>
+  </p:clrMapOvr>
+</p:sld>
+</file>
+
 <file path=ppt/slides/slide3.xml><?xml version="1.0" encoding="utf-8"?>
 <p:sld xmlns:a="http://schemas.openxmlformats.org/drawingml/2006/main" xmlns:r="http://schemas.openxmlformats.org/officeDocument/2006/relationships" xmlns:p="http://schemas.openxmlformats.org/presentationml/2006/main">
   <p:cSld>
@@ -8090,6 +10615,736 @@
     <p:extLst>
       <p:ext uri="{BB962C8B-B14F-4D97-AF65-F5344CB8AC3E}">
         <p14:creationId xmlns:p14="http://schemas.microsoft.com/office/powerpoint/2010/main" val="2074209866"/>
+      </p:ext>
+    </p:extLst>
+  </p:cSld>
+  <p:clrMapOvr>
+    <a:masterClrMapping/>
+  </p:clrMapOvr>
+</p:sld>
+</file>
+
+<file path=ppt/slides/slide30.xml><?xml version="1.0" encoding="utf-8"?>
+<p:sld xmlns:a="http://schemas.openxmlformats.org/drawingml/2006/main" xmlns:r="http://schemas.openxmlformats.org/officeDocument/2006/relationships" xmlns:p="http://schemas.openxmlformats.org/presentationml/2006/main">
+  <p:cSld>
+    <p:spTree>
+      <p:nvGrpSpPr>
+        <p:cNvPr id="1" name=""/>
+        <p:cNvGrpSpPr/>
+        <p:nvPr/>
+      </p:nvGrpSpPr>
+      <p:grpSpPr>
+        <a:xfrm>
+          <a:off x="0" y="0"/>
+          <a:ext cx="0" cy="0"/>
+          <a:chOff x="0" y="0"/>
+          <a:chExt cx="0" cy="0"/>
+        </a:xfrm>
+      </p:grpSpPr>
+      <p:sp>
+        <p:nvSpPr>
+          <p:cNvPr id="2" name="Заголовок 1">
+            <a:extLst>
+              <a:ext uri="{FF2B5EF4-FFF2-40B4-BE49-F238E27FC236}">
+                <a16:creationId xmlns:a16="http://schemas.microsoft.com/office/drawing/2014/main" id="{3FBE005E-F7EB-403E-94CE-750F2D1B538B}"/>
+              </a:ext>
+            </a:extLst>
+          </p:cNvPr>
+          <p:cNvSpPr>
+            <a:spLocks noGrp="1"/>
+          </p:cNvSpPr>
+          <p:nvPr>
+            <p:ph type="title"/>
+          </p:nvPr>
+        </p:nvSpPr>
+        <p:spPr/>
+        <p:txBody>
+          <a:bodyPr/>
+          <a:lstStyle/>
+          <a:p>
+            <a:r>
+              <a:rPr lang="en-US" dirty="0"/>
+              <a:t>Pipeline</a:t>
+            </a:r>
+            <a:endParaRPr lang="ru-RU" dirty="0"/>
+          </a:p>
+        </p:txBody>
+      </p:sp>
+      <p:pic>
+        <p:nvPicPr>
+          <p:cNvPr id="5" name="Объект 4">
+            <a:extLst>
+              <a:ext uri="{FF2B5EF4-FFF2-40B4-BE49-F238E27FC236}">
+                <a16:creationId xmlns:a16="http://schemas.microsoft.com/office/drawing/2014/main" id="{8294BF2A-A3B5-427F-B654-9C66B3D02525}"/>
+              </a:ext>
+            </a:extLst>
+          </p:cNvPr>
+          <p:cNvPicPr>
+            <a:picLocks noGrp="1" noChangeAspect="1"/>
+          </p:cNvPicPr>
+          <p:nvPr>
+            <p:ph idx="1"/>
+          </p:nvPr>
+        </p:nvPicPr>
+        <p:blipFill>
+          <a:blip r:embed="rId2"/>
+          <a:stretch>
+            <a:fillRect/>
+          </a:stretch>
+        </p:blipFill>
+        <p:spPr>
+          <a:xfrm>
+            <a:off x="1323509" y="1731963"/>
+            <a:ext cx="9535456" cy="4059237"/>
+          </a:xfrm>
+        </p:spPr>
+      </p:pic>
+    </p:spTree>
+    <p:extLst>
+      <p:ext uri="{BB962C8B-B14F-4D97-AF65-F5344CB8AC3E}">
+        <p14:creationId xmlns:p14="http://schemas.microsoft.com/office/powerpoint/2010/main" val="3759652679"/>
+      </p:ext>
+    </p:extLst>
+  </p:cSld>
+  <p:clrMapOvr>
+    <a:masterClrMapping/>
+  </p:clrMapOvr>
+</p:sld>
+</file>
+
+<file path=ppt/slides/slide31.xml><?xml version="1.0" encoding="utf-8"?>
+<p:sld xmlns:a="http://schemas.openxmlformats.org/drawingml/2006/main" xmlns:r="http://schemas.openxmlformats.org/officeDocument/2006/relationships" xmlns:p="http://schemas.openxmlformats.org/presentationml/2006/main">
+  <p:cSld>
+    <p:spTree>
+      <p:nvGrpSpPr>
+        <p:cNvPr id="1" name=""/>
+        <p:cNvGrpSpPr/>
+        <p:nvPr/>
+      </p:nvGrpSpPr>
+      <p:grpSpPr>
+        <a:xfrm>
+          <a:off x="0" y="0"/>
+          <a:ext cx="0" cy="0"/>
+          <a:chOff x="0" y="0"/>
+          <a:chExt cx="0" cy="0"/>
+        </a:xfrm>
+      </p:grpSpPr>
+      <p:sp>
+        <p:nvSpPr>
+          <p:cNvPr id="2" name="Заголовок 1">
+            <a:extLst>
+              <a:ext uri="{FF2B5EF4-FFF2-40B4-BE49-F238E27FC236}">
+                <a16:creationId xmlns:a16="http://schemas.microsoft.com/office/drawing/2014/main" id="{E8DBFFB7-D12A-4B09-9011-2AE5FCE26190}"/>
+              </a:ext>
+            </a:extLst>
+          </p:cNvPr>
+          <p:cNvSpPr>
+            <a:spLocks noGrp="1"/>
+          </p:cNvSpPr>
+          <p:nvPr>
+            <p:ph type="title"/>
+          </p:nvPr>
+        </p:nvSpPr>
+        <p:spPr/>
+        <p:txBody>
+          <a:bodyPr/>
+          <a:lstStyle/>
+          <a:p>
+            <a:r>
+              <a:rPr lang="en-US" dirty="0"/>
+              <a:t>Results</a:t>
+            </a:r>
+            <a:endParaRPr lang="ru-RU" dirty="0"/>
+          </a:p>
+        </p:txBody>
+      </p:sp>
+      <p:pic>
+        <p:nvPicPr>
+          <p:cNvPr id="5" name="Объект 4">
+            <a:extLst>
+              <a:ext uri="{FF2B5EF4-FFF2-40B4-BE49-F238E27FC236}">
+                <a16:creationId xmlns:a16="http://schemas.microsoft.com/office/drawing/2014/main" id="{483A90A8-407F-4618-B2EC-FC003AE3CD31}"/>
+              </a:ext>
+            </a:extLst>
+          </p:cNvPr>
+          <p:cNvPicPr>
+            <a:picLocks noGrp="1" noChangeAspect="1"/>
+          </p:cNvPicPr>
+          <p:nvPr>
+            <p:ph idx="1"/>
+          </p:nvPr>
+        </p:nvPicPr>
+        <p:blipFill>
+          <a:blip r:embed="rId2"/>
+          <a:stretch>
+            <a:fillRect/>
+          </a:stretch>
+        </p:blipFill>
+        <p:spPr>
+          <a:xfrm>
+            <a:off x="3330409" y="1731963"/>
+            <a:ext cx="5521656" cy="4059237"/>
+          </a:xfrm>
+        </p:spPr>
+      </p:pic>
+    </p:spTree>
+    <p:extLst>
+      <p:ext uri="{BB962C8B-B14F-4D97-AF65-F5344CB8AC3E}">
+        <p14:creationId xmlns:p14="http://schemas.microsoft.com/office/powerpoint/2010/main" val="2079481248"/>
+      </p:ext>
+    </p:extLst>
+  </p:cSld>
+  <p:clrMapOvr>
+    <a:masterClrMapping/>
+  </p:clrMapOvr>
+</p:sld>
+</file>
+
+<file path=ppt/slides/slide32.xml><?xml version="1.0" encoding="utf-8"?>
+<p:sld xmlns:a="http://schemas.openxmlformats.org/drawingml/2006/main" xmlns:r="http://schemas.openxmlformats.org/officeDocument/2006/relationships" xmlns:p="http://schemas.openxmlformats.org/presentationml/2006/main">
+  <p:cSld>
+    <p:spTree>
+      <p:nvGrpSpPr>
+        <p:cNvPr id="1" name=""/>
+        <p:cNvGrpSpPr/>
+        <p:nvPr/>
+      </p:nvGrpSpPr>
+      <p:grpSpPr>
+        <a:xfrm>
+          <a:off x="0" y="0"/>
+          <a:ext cx="0" cy="0"/>
+          <a:chOff x="0" y="0"/>
+          <a:chExt cx="0" cy="0"/>
+        </a:xfrm>
+      </p:grpSpPr>
+      <p:sp>
+        <p:nvSpPr>
+          <p:cNvPr id="2" name="Заголовок 1">
+            <a:extLst>
+              <a:ext uri="{FF2B5EF4-FFF2-40B4-BE49-F238E27FC236}">
+                <a16:creationId xmlns:a16="http://schemas.microsoft.com/office/drawing/2014/main" id="{748DBAAA-41D0-4823-A718-B4857A36797F}"/>
+              </a:ext>
+            </a:extLst>
+          </p:cNvPr>
+          <p:cNvSpPr>
+            <a:spLocks noGrp="1"/>
+          </p:cNvSpPr>
+          <p:nvPr>
+            <p:ph type="title"/>
+          </p:nvPr>
+        </p:nvSpPr>
+        <p:spPr/>
+        <p:txBody>
+          <a:bodyPr/>
+          <a:lstStyle/>
+          <a:p>
+            <a:r>
+              <a:rPr lang="en-US" dirty="0"/>
+              <a:t>Holes to be filled</a:t>
+            </a:r>
+            <a:endParaRPr lang="ru-RU" dirty="0"/>
+          </a:p>
+        </p:txBody>
+      </p:sp>
+      <p:sp>
+        <p:nvSpPr>
+          <p:cNvPr id="3" name="Объект 2">
+            <a:extLst>
+              <a:ext uri="{FF2B5EF4-FFF2-40B4-BE49-F238E27FC236}">
+                <a16:creationId xmlns:a16="http://schemas.microsoft.com/office/drawing/2014/main" id="{FE6B7175-10CC-4AAD-B927-08F8121CD3F6}"/>
+              </a:ext>
+            </a:extLst>
+          </p:cNvPr>
+          <p:cNvSpPr>
+            <a:spLocks noGrp="1"/>
+          </p:cNvSpPr>
+          <p:nvPr>
+            <p:ph idx="1"/>
+          </p:nvPr>
+        </p:nvSpPr>
+        <p:spPr/>
+        <p:txBody>
+          <a:bodyPr/>
+          <a:lstStyle/>
+          <a:p>
+            <a:r>
+              <a:rPr lang="ru-RU" dirty="0"/>
+              <a:t>Риск – агент может покупать неограниченное количество активов (в одном случае он купил аж 84 биткоина) причем с низкой выгодой</a:t>
+            </a:r>
+          </a:p>
+          <a:p>
+            <a:r>
+              <a:rPr lang="en-US" dirty="0"/>
+              <a:t>Reward function designing – </a:t>
+            </a:r>
+            <a:r>
+              <a:rPr lang="ru-RU" dirty="0"/>
+              <a:t>награда за удержание активов у макро-агента равна нулю.</a:t>
+            </a:r>
+          </a:p>
+          <a:p>
+            <a:r>
+              <a:rPr lang="ru-RU" dirty="0"/>
+              <a:t>Симулятор – прямо скажем, далек от реальности</a:t>
+            </a:r>
+          </a:p>
+          <a:p>
+            <a:r>
+              <a:rPr lang="ru-RU" dirty="0"/>
+              <a:t>Проблемы с данными – когда на вход подаются поврежденные данные (реальный рынок), это может значительно затронуть процесс обучения </a:t>
+            </a:r>
+          </a:p>
+        </p:txBody>
+      </p:sp>
+    </p:spTree>
+    <p:extLst>
+      <p:ext uri="{BB962C8B-B14F-4D97-AF65-F5344CB8AC3E}">
+        <p14:creationId xmlns:p14="http://schemas.microsoft.com/office/powerpoint/2010/main" val="1721566585"/>
+      </p:ext>
+    </p:extLst>
+  </p:cSld>
+  <p:clrMapOvr>
+    <a:masterClrMapping/>
+  </p:clrMapOvr>
+</p:sld>
+</file>
+
+<file path=ppt/slides/slide33.xml><?xml version="1.0" encoding="utf-8"?>
+<p:sld xmlns:a="http://schemas.openxmlformats.org/drawingml/2006/main" xmlns:r="http://schemas.openxmlformats.org/officeDocument/2006/relationships" xmlns:p="http://schemas.openxmlformats.org/presentationml/2006/main">
+  <p:cSld>
+    <p:spTree>
+      <p:nvGrpSpPr>
+        <p:cNvPr id="1" name=""/>
+        <p:cNvGrpSpPr/>
+        <p:nvPr/>
+      </p:nvGrpSpPr>
+      <p:grpSpPr>
+        <a:xfrm>
+          <a:off x="0" y="0"/>
+          <a:ext cx="0" cy="0"/>
+          <a:chOff x="0" y="0"/>
+          <a:chExt cx="0" cy="0"/>
+        </a:xfrm>
+      </p:grpSpPr>
+      <p:sp>
+        <p:nvSpPr>
+          <p:cNvPr id="2" name="Заголовок 1">
+            <a:extLst>
+              <a:ext uri="{FF2B5EF4-FFF2-40B4-BE49-F238E27FC236}">
+                <a16:creationId xmlns:a16="http://schemas.microsoft.com/office/drawing/2014/main" id="{C2DE0995-FF98-477A-A591-D6C20DEA7015}"/>
+              </a:ext>
+            </a:extLst>
+          </p:cNvPr>
+          <p:cNvSpPr>
+            <a:spLocks noGrp="1"/>
+          </p:cNvSpPr>
+          <p:nvPr>
+            <p:ph type="title"/>
+          </p:nvPr>
+        </p:nvSpPr>
+        <p:spPr/>
+        <p:txBody>
+          <a:bodyPr/>
+          <a:lstStyle/>
+          <a:p>
+            <a:r>
+              <a:rPr lang="ru-RU" dirty="0"/>
+              <a:t>Немного выводов</a:t>
+            </a:r>
+          </a:p>
+        </p:txBody>
+      </p:sp>
+      <p:sp>
+        <p:nvSpPr>
+          <p:cNvPr id="3" name="Объект 2">
+            <a:extLst>
+              <a:ext uri="{FF2B5EF4-FFF2-40B4-BE49-F238E27FC236}">
+                <a16:creationId xmlns:a16="http://schemas.microsoft.com/office/drawing/2014/main" id="{A563D6EC-585B-471A-82AF-6FFB14D29B85}"/>
+              </a:ext>
+            </a:extLst>
+          </p:cNvPr>
+          <p:cNvSpPr>
+            <a:spLocks noGrp="1"/>
+          </p:cNvSpPr>
+          <p:nvPr>
+            <p:ph idx="1"/>
+          </p:nvPr>
+        </p:nvSpPr>
+        <p:spPr/>
+        <p:txBody>
+          <a:bodyPr/>
+          <a:lstStyle/>
+          <a:p>
+            <a:r>
+              <a:rPr lang="en-US" dirty="0"/>
+              <a:t>RL </a:t>
+            </a:r>
+            <a:r>
+              <a:rPr lang="ru-RU" dirty="0"/>
+              <a:t>способен на оптимизацию маркет-</a:t>
+            </a:r>
+            <a:r>
+              <a:rPr lang="ru-RU" dirty="0" err="1"/>
+              <a:t>мейкинга</a:t>
+            </a:r>
+            <a:endParaRPr lang="en-US" dirty="0"/>
+          </a:p>
+          <a:p>
+            <a:r>
+              <a:rPr lang="en-US" dirty="0"/>
+              <a:t>RL </a:t>
+            </a:r>
+            <a:r>
+              <a:rPr lang="ru-RU" dirty="0"/>
+              <a:t>может ориентироваться в сложных условиях</a:t>
+            </a:r>
+          </a:p>
+        </p:txBody>
+      </p:sp>
+    </p:spTree>
+    <p:extLst>
+      <p:ext uri="{BB962C8B-B14F-4D97-AF65-F5344CB8AC3E}">
+        <p14:creationId xmlns:p14="http://schemas.microsoft.com/office/powerpoint/2010/main" val="1582070295"/>
+      </p:ext>
+    </p:extLst>
+  </p:cSld>
+  <p:clrMapOvr>
+    <a:masterClrMapping/>
+  </p:clrMapOvr>
+</p:sld>
+</file>
+
+<file path=ppt/slides/slide34.xml><?xml version="1.0" encoding="utf-8"?>
+<p:sld xmlns:a="http://schemas.openxmlformats.org/drawingml/2006/main" xmlns:r="http://schemas.openxmlformats.org/officeDocument/2006/relationships" xmlns:p="http://schemas.openxmlformats.org/presentationml/2006/main">
+  <p:cSld>
+    <p:spTree>
+      <p:nvGrpSpPr>
+        <p:cNvPr id="1" name=""/>
+        <p:cNvGrpSpPr/>
+        <p:nvPr/>
+      </p:nvGrpSpPr>
+      <p:grpSpPr>
+        <a:xfrm>
+          <a:off x="0" y="0"/>
+          <a:ext cx="0" cy="0"/>
+          <a:chOff x="0" y="0"/>
+          <a:chExt cx="0" cy="0"/>
+        </a:xfrm>
+      </p:grpSpPr>
+      <p:sp>
+        <p:nvSpPr>
+          <p:cNvPr id="2" name="Заголовок 1">
+            <a:extLst>
+              <a:ext uri="{FF2B5EF4-FFF2-40B4-BE49-F238E27FC236}">
+                <a16:creationId xmlns:a16="http://schemas.microsoft.com/office/drawing/2014/main" id="{BD91F8AC-0F1C-4913-A087-63C623FE4200}"/>
+              </a:ext>
+            </a:extLst>
+          </p:cNvPr>
+          <p:cNvSpPr>
+            <a:spLocks noGrp="1"/>
+          </p:cNvSpPr>
+          <p:nvPr>
+            <p:ph type="title"/>
+          </p:nvPr>
+        </p:nvSpPr>
+        <p:spPr/>
+        <p:txBody>
+          <a:bodyPr/>
+          <a:lstStyle/>
+          <a:p>
+            <a:r>
+              <a:rPr lang="ru-RU" dirty="0"/>
+              <a:t>Еще мысли</a:t>
+            </a:r>
+          </a:p>
+        </p:txBody>
+      </p:sp>
+      <p:sp>
+        <p:nvSpPr>
+          <p:cNvPr id="3" name="Объект 2">
+            <a:extLst>
+              <a:ext uri="{FF2B5EF4-FFF2-40B4-BE49-F238E27FC236}">
+                <a16:creationId xmlns:a16="http://schemas.microsoft.com/office/drawing/2014/main" id="{DFBEBFB0-4E34-450D-9EF9-C23C0399C53E}"/>
+              </a:ext>
+            </a:extLst>
+          </p:cNvPr>
+          <p:cNvSpPr>
+            <a:spLocks noGrp="1"/>
+          </p:cNvSpPr>
+          <p:nvPr>
+            <p:ph idx="1"/>
+          </p:nvPr>
+        </p:nvSpPr>
+        <p:spPr/>
+        <p:txBody>
+          <a:bodyPr/>
+          <a:lstStyle/>
+          <a:p>
+            <a:r>
+              <a:rPr lang="ru-RU" dirty="0"/>
+              <a:t>Кода нет (вообще!). Только описание псевдокодом.</a:t>
+            </a:r>
+          </a:p>
+          <a:p>
+            <a:r>
+              <a:rPr lang="ru-RU" dirty="0"/>
+              <a:t>Гайдов по подгону </a:t>
+            </a:r>
+            <a:r>
+              <a:rPr lang="ru-RU" dirty="0" err="1"/>
+              <a:t>гиперпараметров</a:t>
+            </a:r>
+            <a:r>
+              <a:rPr lang="ru-RU" dirty="0"/>
+              <a:t>, как и самих конкретных значений нет (а их довольно много!)</a:t>
+            </a:r>
+          </a:p>
+          <a:p>
+            <a:r>
+              <a:rPr lang="ru-RU" dirty="0"/>
+              <a:t>Есть много вопросов по поводу реализации (например, не дифференцируемая функция на выходе </a:t>
+            </a:r>
+            <a:r>
+              <a:rPr lang="en-US" dirty="0"/>
+              <a:t>DQN, </a:t>
+            </a:r>
+            <a:r>
+              <a:rPr lang="ru-RU" dirty="0"/>
+              <a:t>а также нет подробной информации о внутренней структуре)</a:t>
+            </a:r>
+          </a:p>
+          <a:p>
+            <a:r>
+              <a:rPr lang="ru-RU" dirty="0"/>
+              <a:t>В статье применение только к данным по биткоину, а что будет с другими? Плюс там взят довольно короткий период времени</a:t>
+            </a:r>
+          </a:p>
+        </p:txBody>
+      </p:sp>
+    </p:spTree>
+    <p:extLst>
+      <p:ext uri="{BB962C8B-B14F-4D97-AF65-F5344CB8AC3E}">
+        <p14:creationId xmlns:p14="http://schemas.microsoft.com/office/powerpoint/2010/main" val="4262629171"/>
+      </p:ext>
+    </p:extLst>
+  </p:cSld>
+  <p:clrMapOvr>
+    <a:masterClrMapping/>
+  </p:clrMapOvr>
+</p:sld>
+</file>
+
+<file path=ppt/slides/slide35.xml><?xml version="1.0" encoding="utf-8"?>
+<p:sld xmlns:a="http://schemas.openxmlformats.org/drawingml/2006/main" xmlns:r="http://schemas.openxmlformats.org/officeDocument/2006/relationships" xmlns:p="http://schemas.openxmlformats.org/presentationml/2006/main">
+  <p:cSld>
+    <p:bg>
+      <p:bgPr>
+        <a:blipFill rotWithShape="1">
+          <a:blip r:embed="rId2">
+            <a:duotone>
+              <a:schemeClr val="bg2">
+                <a:shade val="80000"/>
+                <a:lumMod val="80000"/>
+              </a:schemeClr>
+              <a:schemeClr val="bg2">
+                <a:tint val="98000"/>
+              </a:schemeClr>
+            </a:duotone>
+          </a:blip>
+          <a:stretch/>
+        </a:blipFill>
+        <a:effectLst/>
+      </p:bgPr>
+    </p:bg>
+    <p:spTree>
+      <p:nvGrpSpPr>
+        <p:cNvPr id="1" name=""/>
+        <p:cNvGrpSpPr/>
+        <p:nvPr/>
+      </p:nvGrpSpPr>
+      <p:grpSpPr>
+        <a:xfrm>
+          <a:off x="0" y="0"/>
+          <a:ext cx="0" cy="0"/>
+          <a:chOff x="0" y="0"/>
+          <a:chExt cx="0" cy="0"/>
+        </a:xfrm>
+      </p:grpSpPr>
+      <p:sp useBgFill="1">
+        <p:nvSpPr>
+          <p:cNvPr id="14" name="Rectangle 13">
+            <a:extLst>
+              <a:ext uri="{FF2B5EF4-FFF2-40B4-BE49-F238E27FC236}">
+                <a16:creationId xmlns:a16="http://schemas.microsoft.com/office/drawing/2014/main" id="{2124007E-BA57-41B2-8C6B-5E99927F2247}"/>
+              </a:ext>
+              <a:ext uri="{C183D7F6-B498-43B3-948B-1728B52AA6E4}">
+                <adec:decorative xmlns:adec="http://schemas.microsoft.com/office/drawing/2017/decorative" val="1"/>
+              </a:ext>
+            </a:extLst>
+          </p:cNvPr>
+          <p:cNvSpPr>
+            <a:spLocks noGrp="1" noRot="1" noChangeAspect="1" noMove="1" noResize="1" noEditPoints="1" noAdjustHandles="1" noChangeArrowheads="1" noChangeShapeType="1" noTextEdit="1"/>
+          </p:cNvSpPr>
+          <p:nvPr>
+            <p:extLst>
+              <p:ext uri="{386F3935-93C4-4BCD-93E2-E3B085C9AB24}">
+                <p16:designElem xmlns:p16="http://schemas.microsoft.com/office/powerpoint/2015/main" val="1"/>
+              </p:ext>
+            </p:extLst>
+          </p:nvPr>
+        </p:nvSpPr>
+        <p:spPr>
+          <a:xfrm>
+            <a:off x="0" y="0"/>
+            <a:ext cx="12192000" cy="6858000"/>
+          </a:xfrm>
+          <a:prstGeom prst="rect">
+            <a:avLst/>
+          </a:prstGeom>
+          <a:ln>
+            <a:noFill/>
+          </a:ln>
+        </p:spPr>
+        <p:style>
+          <a:lnRef idx="2">
+            <a:schemeClr val="accent1">
+              <a:shade val="50000"/>
+            </a:schemeClr>
+          </a:lnRef>
+          <a:fillRef idx="1">
+            <a:schemeClr val="accent1"/>
+          </a:fillRef>
+          <a:effectRef idx="0">
+            <a:schemeClr val="accent1"/>
+          </a:effectRef>
+          <a:fontRef idx="minor">
+            <a:schemeClr val="lt1"/>
+          </a:fontRef>
+        </p:style>
+        <p:txBody>
+          <a:bodyPr rtlCol="0" anchor="ctr"/>
+          <a:lstStyle/>
+          <a:p>
+            <a:pPr algn="ctr"/>
+            <a:endParaRPr lang="en-US"/>
+          </a:p>
+        </p:txBody>
+      </p:sp>
+      <p:sp>
+        <p:nvSpPr>
+          <p:cNvPr id="2" name="Заголовок 1">
+            <a:extLst>
+              <a:ext uri="{FF2B5EF4-FFF2-40B4-BE49-F238E27FC236}">
+                <a16:creationId xmlns:a16="http://schemas.microsoft.com/office/drawing/2014/main" id="{2CD52883-6C57-4BA3-9B71-3A10C33480A1}"/>
+              </a:ext>
+            </a:extLst>
+          </p:cNvPr>
+          <p:cNvSpPr>
+            <a:spLocks noGrp="1"/>
+          </p:cNvSpPr>
+          <p:nvPr>
+            <p:ph type="title"/>
+          </p:nvPr>
+        </p:nvSpPr>
+        <p:spPr>
+          <a:xfrm>
+            <a:off x="5179157" y="1099456"/>
+            <a:ext cx="6243636" cy="4625558"/>
+          </a:xfrm>
+          <a:effectLst/>
+        </p:spPr>
+        <p:txBody>
+          <a:bodyPr vert="horz" lIns="91440" tIns="45720" rIns="91440" bIns="45720" rtlCol="0" anchor="ctr">
+            <a:normAutofit/>
+          </a:bodyPr>
+          <a:lstStyle/>
+          <a:p>
+            <a:pPr algn="l"/>
+            <a:r>
+              <a:rPr lang="en-US" sz="5400"/>
+              <a:t>СПАСИБО ЗА ВНИМАНИЕ!</a:t>
+            </a:r>
+          </a:p>
+        </p:txBody>
+      </p:sp>
+      <p:sp>
+        <p:nvSpPr>
+          <p:cNvPr id="16" name="Rectangle 15">
+            <a:extLst>
+              <a:ext uri="{FF2B5EF4-FFF2-40B4-BE49-F238E27FC236}">
+                <a16:creationId xmlns:a16="http://schemas.microsoft.com/office/drawing/2014/main" id="{255D0BF7-94F4-4437-A2B2-87BAFF86D541}"/>
+              </a:ext>
+              <a:ext uri="{C183D7F6-B498-43B3-948B-1728B52AA6E4}">
+                <adec:decorative xmlns:adec="http://schemas.microsoft.com/office/drawing/2017/decorative" val="1"/>
+              </a:ext>
+            </a:extLst>
+          </p:cNvPr>
+          <p:cNvSpPr>
+            <a:spLocks noGrp="1" noRot="1" noChangeAspect="1" noMove="1" noResize="1" noEditPoints="1" noAdjustHandles="1" noChangeArrowheads="1" noChangeShapeType="1" noTextEdit="1"/>
+          </p:cNvSpPr>
+          <p:nvPr>
+            <p:extLst>
+              <p:ext uri="{386F3935-93C4-4BCD-93E2-E3B085C9AB24}">
+                <p16:designElem xmlns:p16="http://schemas.microsoft.com/office/powerpoint/2015/main" val="1"/>
+              </p:ext>
+            </p:extLst>
+          </p:nvPr>
+        </p:nvSpPr>
+        <p:spPr>
+          <a:xfrm>
+            <a:off x="0" y="0"/>
+            <a:ext cx="4654296" cy="6858000"/>
+          </a:xfrm>
+          <a:prstGeom prst="rect">
+            <a:avLst/>
+          </a:prstGeom>
+          <a:solidFill>
+            <a:schemeClr val="bg2">
+              <a:lumMod val="90000"/>
+              <a:lumOff val="10000"/>
+              <a:alpha val="90000"/>
+            </a:schemeClr>
+          </a:solidFill>
+          <a:ln>
+            <a:noFill/>
+          </a:ln>
+          <a:effectLst>
+            <a:outerShdw blurRad="50800" dist="38100" algn="l" rotWithShape="0">
+              <a:prstClr val="black">
+                <a:alpha val="40000"/>
+              </a:prstClr>
+            </a:outerShdw>
+          </a:effectLst>
+        </p:spPr>
+        <p:style>
+          <a:lnRef idx="2">
+            <a:schemeClr val="accent1">
+              <a:shade val="50000"/>
+            </a:schemeClr>
+          </a:lnRef>
+          <a:fillRef idx="1">
+            <a:schemeClr val="accent1"/>
+          </a:fillRef>
+          <a:effectRef idx="0">
+            <a:schemeClr val="accent1"/>
+          </a:effectRef>
+          <a:fontRef idx="minor">
+            <a:schemeClr val="lt1"/>
+          </a:fontRef>
+        </p:style>
+        <p:txBody>
+          <a:bodyPr rtlCol="0" anchor="ctr"/>
+          <a:lstStyle/>
+          <a:p>
+            <a:pPr algn="ctr"/>
+            <a:endParaRPr lang="en-US"/>
+          </a:p>
+        </p:txBody>
+      </p:sp>
+    </p:spTree>
+    <p:extLst>
+      <p:ext uri="{BB962C8B-B14F-4D97-AF65-F5344CB8AC3E}">
+        <p14:creationId xmlns:p14="http://schemas.microsoft.com/office/powerpoint/2010/main" val="3395489912"/>
       </p:ext>
     </p:extLst>
   </p:cSld>
@@ -8911,8 +12166,8 @@
           </a:p>
         </p:txBody>
       </p:sp>
-      <mc:AlternateContent xmlns:mc="http://schemas.openxmlformats.org/markup-compatibility/2006">
-        <mc:Choice xmlns:a14="http://schemas.microsoft.com/office/drawing/2010/main" Requires="a14">
+      <mc:AlternateContent xmlns:mc="http://schemas.openxmlformats.org/markup-compatibility/2006" xmlns:a14="http://schemas.microsoft.com/office/drawing/2010/main">
+        <mc:Choice Requires="a14">
           <p:sp>
             <p:nvSpPr>
               <p:cNvPr id="3" name="Объект 2">
@@ -9236,7 +12491,7 @@
             </p:txBody>
           </p:sp>
         </mc:Choice>
-        <mc:Fallback>
+        <mc:Fallback xmlns="">
           <p:sp>
             <p:nvSpPr>
               <p:cNvPr id="3" name="Объект 2">
@@ -9290,6 +12545,65 @@
 </file>
 
 <file path=ppt/slides/slide8.xml><?xml version="1.0" encoding="utf-8"?>
+<p:sld xmlns:a="http://schemas.openxmlformats.org/drawingml/2006/main" xmlns:r="http://schemas.openxmlformats.org/officeDocument/2006/relationships" xmlns:p="http://schemas.openxmlformats.org/presentationml/2006/main">
+  <p:cSld>
+    <p:spTree>
+      <p:nvGrpSpPr>
+        <p:cNvPr id="1" name=""/>
+        <p:cNvGrpSpPr/>
+        <p:nvPr/>
+      </p:nvGrpSpPr>
+      <p:grpSpPr>
+        <a:xfrm>
+          <a:off x="0" y="0"/>
+          <a:ext cx="0" cy="0"/>
+          <a:chOff x="0" y="0"/>
+          <a:chExt cx="0" cy="0"/>
+        </a:xfrm>
+      </p:grpSpPr>
+      <p:sp>
+        <p:nvSpPr>
+          <p:cNvPr id="2" name="Заголовок 1">
+            <a:extLst>
+              <a:ext uri="{FF2B5EF4-FFF2-40B4-BE49-F238E27FC236}">
+                <a16:creationId xmlns:a16="http://schemas.microsoft.com/office/drawing/2014/main" id="{E18705E4-52BA-41F5-AF2F-8016AF7D52D7}"/>
+              </a:ext>
+            </a:extLst>
+          </p:cNvPr>
+          <p:cNvSpPr>
+            <a:spLocks noGrp="1"/>
+          </p:cNvSpPr>
+          <p:nvPr>
+            <p:ph type="title"/>
+          </p:nvPr>
+        </p:nvSpPr>
+        <p:spPr/>
+        <p:txBody>
+          <a:bodyPr/>
+          <a:lstStyle/>
+          <a:p>
+            <a:r>
+              <a:rPr lang="en-US" dirty="0"/>
+              <a:t>Macro-agent</a:t>
+            </a:r>
+            <a:endParaRPr lang="ru-RU" dirty="0"/>
+          </a:p>
+        </p:txBody>
+      </p:sp>
+    </p:spTree>
+    <p:extLst>
+      <p:ext uri="{BB962C8B-B14F-4D97-AF65-F5344CB8AC3E}">
+        <p14:creationId xmlns:p14="http://schemas.microsoft.com/office/powerpoint/2010/main" val="2532355578"/>
+      </p:ext>
+    </p:extLst>
+  </p:cSld>
+  <p:clrMapOvr>
+    <a:masterClrMapping/>
+  </p:clrMapOvr>
+</p:sld>
+</file>
+
+<file path=ppt/slides/slide9.xml><?xml version="1.0" encoding="utf-8"?>
 <p:sld xmlns:a="http://schemas.openxmlformats.org/drawingml/2006/main" xmlns:r="http://schemas.openxmlformats.org/officeDocument/2006/relationships" xmlns:p="http://schemas.openxmlformats.org/presentationml/2006/main">
   <p:cSld>
     <p:bg>
@@ -9558,399 +12872,6 @@
     <p:extLst>
       <p:ext uri="{BB962C8B-B14F-4D97-AF65-F5344CB8AC3E}">
         <p14:creationId xmlns:p14="http://schemas.microsoft.com/office/powerpoint/2010/main" val="2544654538"/>
-      </p:ext>
-    </p:extLst>
-  </p:cSld>
-  <p:clrMapOvr>
-    <a:masterClrMapping/>
-  </p:clrMapOvr>
-</p:sld>
-</file>
-
-<file path=ppt/slides/slide9.xml><?xml version="1.0" encoding="utf-8"?>
-<p:sld xmlns:a="http://schemas.openxmlformats.org/drawingml/2006/main" xmlns:r="http://schemas.openxmlformats.org/officeDocument/2006/relationships" xmlns:p="http://schemas.openxmlformats.org/presentationml/2006/main">
-  <p:cSld>
-    <p:spTree>
-      <p:nvGrpSpPr>
-        <p:cNvPr id="1" name=""/>
-        <p:cNvGrpSpPr/>
-        <p:nvPr/>
-      </p:nvGrpSpPr>
-      <p:grpSpPr>
-        <a:xfrm>
-          <a:off x="0" y="0"/>
-          <a:ext cx="0" cy="0"/>
-          <a:chOff x="0" y="0"/>
-          <a:chExt cx="0" cy="0"/>
-        </a:xfrm>
-      </p:grpSpPr>
-      <p:sp>
-        <p:nvSpPr>
-          <p:cNvPr id="2" name="Заголовок 1">
-            <a:extLst>
-              <a:ext uri="{FF2B5EF4-FFF2-40B4-BE49-F238E27FC236}">
-                <a16:creationId xmlns:a16="http://schemas.microsoft.com/office/drawing/2014/main" id="{206AFE6D-E05E-44EE-A983-AC65D9FBA5CA}"/>
-              </a:ext>
-            </a:extLst>
-          </p:cNvPr>
-          <p:cNvSpPr>
-            <a:spLocks noGrp="1"/>
-          </p:cNvSpPr>
-          <p:nvPr>
-            <p:ph type="title"/>
-          </p:nvPr>
-        </p:nvSpPr>
-        <p:spPr/>
-        <p:txBody>
-          <a:bodyPr/>
-          <a:lstStyle/>
-          <a:p>
-            <a:r>
-              <a:rPr lang="en-US" dirty="0"/>
-              <a:t>States</a:t>
-            </a:r>
-            <a:endParaRPr lang="ru-RU" dirty="0"/>
-          </a:p>
-        </p:txBody>
-      </p:sp>
-      <mc:AlternateContent xmlns:mc="http://schemas.openxmlformats.org/markup-compatibility/2006">
-        <mc:Choice xmlns:a14="http://schemas.microsoft.com/office/drawing/2010/main" Requires="a14">
-          <p:sp>
-            <p:nvSpPr>
-              <p:cNvPr id="3" name="Объект 2">
-                <a:extLst>
-                  <a:ext uri="{FF2B5EF4-FFF2-40B4-BE49-F238E27FC236}">
-                    <a16:creationId xmlns:a16="http://schemas.microsoft.com/office/drawing/2014/main" id="{C14C3607-B5C4-439E-957B-29E22EABEDBD}"/>
-                  </a:ext>
-                </a:extLst>
-              </p:cNvPr>
-              <p:cNvSpPr>
-                <a:spLocks noGrp="1"/>
-              </p:cNvSpPr>
-              <p:nvPr>
-                <p:ph idx="1"/>
-              </p:nvPr>
-            </p:nvSpPr>
-            <p:spPr/>
-            <p:txBody>
-              <a:bodyPr/>
-              <a:lstStyle/>
-              <a:p>
-                <a:r>
-                  <a:rPr lang="ru-RU" dirty="0"/>
-                  <a:t>Содержит в себе метрики</a:t>
-                </a:r>
-                <a:r>
-                  <a:rPr lang="en-US" dirty="0"/>
-                  <a:t> (z-score </a:t>
-                </a:r>
-                <a14:m>
-                  <m:oMath xmlns:m="http://schemas.openxmlformats.org/officeDocument/2006/math">
-                    <m:sSub>
-                      <m:sSubPr>
-                        <m:ctrlPr>
-                          <a:rPr lang="ru-RU" sz="2000" b="0" i="1" dirty="0" smtClean="0">
-                            <a:solidFill>
-                              <a:srgbClr val="D4D4D4"/>
-                            </a:solidFill>
-                            <a:effectLst/>
-                            <a:latin typeface="Cambria Math" panose="02040503050406030204" pitchFamily="18" charset="0"/>
-                          </a:rPr>
-                        </m:ctrlPr>
-                      </m:sSubPr>
-                      <m:e>
-                        <m:r>
-                          <a:rPr lang="en-US" sz="2000" b="0" i="1" dirty="0" smtClean="0">
-                            <a:solidFill>
-                              <a:srgbClr val="D4D4D4"/>
-                            </a:solidFill>
-                            <a:effectLst/>
-                            <a:latin typeface="Cambria Math" panose="02040503050406030204" pitchFamily="18" charset="0"/>
-                          </a:rPr>
-                          <m:t>𝑧</m:t>
-                        </m:r>
-                      </m:e>
-                      <m:sub>
-                        <m:r>
-                          <a:rPr lang="en-US" sz="2000" b="0" i="1" dirty="0" smtClean="0">
-                            <a:solidFill>
-                              <a:srgbClr val="D4D4D4"/>
-                            </a:solidFill>
-                            <a:effectLst/>
-                            <a:latin typeface="Cambria Math" panose="02040503050406030204" pitchFamily="18" charset="0"/>
-                          </a:rPr>
-                          <m:t>𝑥</m:t>
-                        </m:r>
-                      </m:sub>
-                    </m:sSub>
-                    <m:r>
-                      <a:rPr lang="en-US" sz="2000" b="0" i="1" dirty="0" smtClean="0">
-                        <a:solidFill>
-                          <a:srgbClr val="D4D4D4"/>
-                        </a:solidFill>
-                        <a:effectLst/>
-                        <a:latin typeface="Cambria Math" panose="02040503050406030204" pitchFamily="18" charset="0"/>
-                      </a:rPr>
-                      <m:t> =</m:t>
-                    </m:r>
-                    <m:f>
-                      <m:fPr>
-                        <m:ctrlPr>
-                          <a:rPr lang="en-US" sz="2000" b="0" i="1" dirty="0" smtClean="0">
-                            <a:solidFill>
-                              <a:srgbClr val="D4D4D4"/>
-                            </a:solidFill>
-                            <a:effectLst/>
-                            <a:latin typeface="Cambria Math" panose="02040503050406030204" pitchFamily="18" charset="0"/>
-                          </a:rPr>
-                        </m:ctrlPr>
-                      </m:fPr>
-                      <m:num>
-                        <m:r>
-                          <a:rPr lang="en-US" sz="2000" b="0" i="1" dirty="0" smtClean="0">
-                            <a:solidFill>
-                              <a:srgbClr val="D4D4D4"/>
-                            </a:solidFill>
-                            <a:effectLst/>
-                            <a:latin typeface="Cambria Math" panose="02040503050406030204" pitchFamily="18" charset="0"/>
-                          </a:rPr>
-                          <m:t>𝑥</m:t>
-                        </m:r>
-                        <m:r>
-                          <a:rPr lang="en-US" sz="2000" b="0" i="1" dirty="0" smtClean="0">
-                            <a:solidFill>
-                              <a:srgbClr val="D4D4D4"/>
-                            </a:solidFill>
-                            <a:effectLst/>
-                            <a:latin typeface="Cambria Math" panose="02040503050406030204" pitchFamily="18" charset="0"/>
-                          </a:rPr>
-                          <m:t>−</m:t>
-                        </m:r>
-                        <m:r>
-                          <a:rPr lang="en-US" sz="2000" b="0" i="1" dirty="0" smtClean="0">
-                            <a:solidFill>
-                              <a:srgbClr val="D4D4D4"/>
-                            </a:solidFill>
-                            <a:effectLst/>
-                            <a:latin typeface="Cambria Math" panose="02040503050406030204" pitchFamily="18" charset="0"/>
-                          </a:rPr>
-                          <m:t>𝜇</m:t>
-                        </m:r>
-                      </m:num>
-                      <m:den>
-                        <m:r>
-                          <a:rPr lang="en-US" sz="2000" b="0" i="1" dirty="0" smtClean="0">
-                            <a:solidFill>
-                              <a:srgbClr val="D4D4D4"/>
-                            </a:solidFill>
-                            <a:effectLst/>
-                            <a:latin typeface="Cambria Math" panose="02040503050406030204" pitchFamily="18" charset="0"/>
-                          </a:rPr>
-                          <m:t>𝜎</m:t>
-                        </m:r>
-                      </m:den>
-                    </m:f>
-                  </m:oMath>
-                </a14:m>
-                <a:r>
-                  <a:rPr lang="en-US" dirty="0"/>
-                  <a:t> </a:t>
-                </a:r>
-                <a:r>
-                  <a:rPr lang="ru-RU" dirty="0"/>
-                  <a:t>за последние </a:t>
-                </a:r>
-                <a:r>
-                  <a:rPr lang="en-US" dirty="0"/>
-                  <a:t>n </a:t>
-                </a:r>
-                <a:r>
-                  <a:rPr lang="ru-RU" dirty="0"/>
-                  <a:t>шагов</a:t>
-                </a:r>
-                <a:r>
-                  <a:rPr lang="en-US" dirty="0"/>
-                  <a:t>)</a:t>
-                </a:r>
-                <a:r>
-                  <a:rPr lang="ru-RU" dirty="0"/>
-                  <a:t>:</a:t>
-                </a:r>
-                <a:endParaRPr lang="en-US" dirty="0"/>
-              </a:p>
-              <a:p>
-                <a:pPr lvl="1"/>
-                <a:r>
-                  <a:rPr lang="en-US" b="0" dirty="0">
-                    <a:solidFill>
-                      <a:srgbClr val="D4D4D4"/>
-                    </a:solidFill>
-                    <a:effectLst/>
-                    <a:latin typeface="Consolas" panose="020B0609020204030204" pitchFamily="49" charset="0"/>
-                  </a:rPr>
-                  <a:t>Price level </a:t>
-                </a:r>
-              </a:p>
-              <a:p>
-                <a:pPr lvl="1"/>
-                <a:r>
-                  <a:rPr lang="en-US" dirty="0">
-                    <a:solidFill>
-                      <a:srgbClr val="D4D4D4"/>
-                    </a:solidFill>
-                    <a:effectLst/>
-                    <a:latin typeface="Consolas" panose="020B0609020204030204" pitchFamily="49" charset="0"/>
-                  </a:rPr>
-                  <a:t>Price change</a:t>
-                </a:r>
-                <a:r>
-                  <a:rPr lang="ru-RU" dirty="0">
-                    <a:solidFill>
-                      <a:srgbClr val="D4D4D4"/>
-                    </a:solidFill>
-                    <a:effectLst/>
-                    <a:latin typeface="Consolas" panose="020B0609020204030204" pitchFamily="49" charset="0"/>
-                  </a:rPr>
-                  <a:t> (относительный)</a:t>
-                </a:r>
-                <a:endParaRPr lang="en-US" dirty="0">
-                  <a:solidFill>
-                    <a:srgbClr val="D4D4D4"/>
-                  </a:solidFill>
-                  <a:effectLst/>
-                  <a:latin typeface="Consolas" panose="020B0609020204030204" pitchFamily="49" charset="0"/>
-                </a:endParaRPr>
-              </a:p>
-              <a:p>
-                <a:pPr lvl="1"/>
-                <a:r>
-                  <a:rPr lang="en-US" b="0" dirty="0">
-                    <a:solidFill>
-                      <a:srgbClr val="D4D4D4"/>
-                    </a:solidFill>
-                    <a:effectLst/>
-                    <a:latin typeface="Consolas" panose="020B0609020204030204" pitchFamily="49" charset="0"/>
-                  </a:rPr>
-                  <a:t>Volume level</a:t>
-                </a:r>
-              </a:p>
-              <a:p>
-                <a:pPr lvl="1"/>
-                <a:r>
-                  <a:rPr lang="en-US" dirty="0">
-                    <a:solidFill>
-                      <a:srgbClr val="D4D4D4"/>
-                    </a:solidFill>
-                    <a:effectLst/>
-                    <a:latin typeface="Consolas" panose="020B0609020204030204" pitchFamily="49" charset="0"/>
-                  </a:rPr>
-                  <a:t>Volume change</a:t>
-                </a:r>
-                <a:r>
-                  <a:rPr lang="ru-RU" dirty="0">
-                    <a:solidFill>
-                      <a:srgbClr val="D4D4D4"/>
-                    </a:solidFill>
-                    <a:effectLst/>
-                    <a:latin typeface="Consolas" panose="020B0609020204030204" pitchFamily="49" charset="0"/>
-                  </a:rPr>
-                  <a:t> (относительный)</a:t>
-                </a:r>
-                <a:endParaRPr lang="en-US" b="0" dirty="0">
-                  <a:solidFill>
-                    <a:srgbClr val="D4D4D4"/>
-                  </a:solidFill>
-                  <a:effectLst/>
-                  <a:latin typeface="Consolas" panose="020B0609020204030204" pitchFamily="49" charset="0"/>
-                </a:endParaRPr>
-              </a:p>
-              <a:p>
-                <a:r>
-                  <a:rPr lang="ru-RU" dirty="0"/>
-                  <a:t>А также </a:t>
-                </a:r>
-                <a:r>
-                  <a:rPr lang="en-US" dirty="0"/>
-                  <a:t>Volatility</a:t>
-                </a:r>
-              </a:p>
-              <a:p>
-                <a:r>
-                  <a:rPr lang="ru-RU" dirty="0"/>
-                  <a:t>И текущие активы (сохраненная цена, по которой купили)</a:t>
-                </a:r>
-              </a:p>
-              <a:p>
-                <a:pPr lvl="1"/>
-                <a:endParaRPr lang="ru-RU" b="0" dirty="0">
-                  <a:solidFill>
-                    <a:srgbClr val="D4D4D4"/>
-                  </a:solidFill>
-                  <a:effectLst/>
-                  <a:latin typeface="Consolas" panose="020B0609020204030204" pitchFamily="49" charset="0"/>
-                </a:endParaRPr>
-              </a:p>
-              <a:p>
-                <a:pPr lvl="1"/>
-                <a:endParaRPr lang="en-US" b="0" dirty="0">
-                  <a:solidFill>
-                    <a:srgbClr val="D4D4D4"/>
-                  </a:solidFill>
-                  <a:effectLst/>
-                  <a:latin typeface="Consolas" panose="020B0609020204030204" pitchFamily="49" charset="0"/>
-                </a:endParaRPr>
-              </a:p>
-              <a:p>
-                <a:pPr lvl="1"/>
-                <a:endParaRPr lang="ru-RU" dirty="0"/>
-              </a:p>
-            </p:txBody>
-          </p:sp>
-        </mc:Choice>
-        <mc:Fallback>
-          <p:sp>
-            <p:nvSpPr>
-              <p:cNvPr id="3" name="Объект 2">
-                <a:extLst>
-                  <a:ext uri="{FF2B5EF4-FFF2-40B4-BE49-F238E27FC236}">
-                    <a16:creationId xmlns:a16="http://schemas.microsoft.com/office/drawing/2014/main" id="{C14C3607-B5C4-439E-957B-29E22EABEDBD}"/>
-                  </a:ext>
-                </a:extLst>
-              </p:cNvPr>
-              <p:cNvSpPr>
-                <a:spLocks noGrp="1" noRot="1" noChangeAspect="1" noMove="1" noResize="1" noEditPoints="1" noAdjustHandles="1" noChangeArrowheads="1" noChangeShapeType="1" noTextEdit="1"/>
-              </p:cNvSpPr>
-              <p:nvPr>
-                <p:ph idx="1"/>
-              </p:nvPr>
-            </p:nvSpPr>
-            <p:spPr>
-              <a:blipFill>
-                <a:blip r:embed="rId2"/>
-                <a:stretch>
-                  <a:fillRect/>
-                </a:stretch>
-              </a:blipFill>
-            </p:spPr>
-            <p:txBody>
-              <a:bodyPr/>
-              <a:lstStyle/>
-              <a:p>
-                <a:r>
-                  <a:rPr lang="ru-RU">
-                    <a:noFill/>
-                  </a:rPr>
-                  <a:t> </a:t>
-                </a:r>
-              </a:p>
-            </p:txBody>
-          </p:sp>
-        </mc:Fallback>
-      </mc:AlternateContent>
-    </p:spTree>
-    <p:extLst>
-      <p:ext uri="{BB962C8B-B14F-4D97-AF65-F5344CB8AC3E}">
-        <p14:creationId xmlns:p14="http://schemas.microsoft.com/office/powerpoint/2010/main" val="3932396272"/>
       </p:ext>
     </p:extLst>
   </p:cSld>
@@ -10200,4 +13121,299 @@
     </a:ext>
   </a:extLst>
 </a:theme>
+</file>
+
+<file path=ppt/theme/theme2.xml><?xml version="1.0" encoding="utf-8"?>
+<a:theme xmlns:a="http://schemas.openxmlformats.org/drawingml/2006/main" name="Тема Office">
+  <a:themeElements>
+    <a:clrScheme name="Стандартная">
+      <a:dk1>
+        <a:sysClr val="windowText" lastClr="000000"/>
+      </a:dk1>
+      <a:lt1>
+        <a:sysClr val="window" lastClr="FFFFFF"/>
+      </a:lt1>
+      <a:dk2>
+        <a:srgbClr val="44546A"/>
+      </a:dk2>
+      <a:lt2>
+        <a:srgbClr val="E7E6E6"/>
+      </a:lt2>
+      <a:accent1>
+        <a:srgbClr val="4472C4"/>
+      </a:accent1>
+      <a:accent2>
+        <a:srgbClr val="ED7D31"/>
+      </a:accent2>
+      <a:accent3>
+        <a:srgbClr val="A5A5A5"/>
+      </a:accent3>
+      <a:accent4>
+        <a:srgbClr val="FFC000"/>
+      </a:accent4>
+      <a:accent5>
+        <a:srgbClr val="5B9BD5"/>
+      </a:accent5>
+      <a:accent6>
+        <a:srgbClr val="70AD47"/>
+      </a:accent6>
+      <a:hlink>
+        <a:srgbClr val="0563C1"/>
+      </a:hlink>
+      <a:folHlink>
+        <a:srgbClr val="954F72"/>
+      </a:folHlink>
+    </a:clrScheme>
+    <a:fontScheme name="Стандартная">
+      <a:majorFont>
+        <a:latin typeface="Calibri Light" panose="020F0302020204030204"/>
+        <a:ea typeface=""/>
+        <a:cs typeface=""/>
+        <a:font script="Jpan" typeface="游ゴシック Light"/>
+        <a:font script="Hang" typeface="맑은 고딕"/>
+        <a:font script="Hans" typeface="等线 Light"/>
+        <a:font script="Hant" typeface="新細明體"/>
+        <a:font script="Arab" typeface="Times New Roman"/>
+        <a:font script="Hebr" typeface="Times New Roman"/>
+        <a:font script="Thai" typeface="Angsana New"/>
+        <a:font script="Ethi" typeface="Nyala"/>
+        <a:font script="Beng" typeface="Vrinda"/>
+        <a:font script="Gujr" typeface="Shruti"/>
+        <a:font script="Khmr" typeface="MoolBoran"/>
+        <a:font script="Knda" typeface="Tunga"/>
+        <a:font script="Guru" typeface="Raavi"/>
+        <a:font script="Cans" typeface="Euphemia"/>
+        <a:font script="Cher" typeface="Plantagenet Cherokee"/>
+        <a:font script="Yiii" typeface="Microsoft Yi Baiti"/>
+        <a:font script="Tibt" typeface="Microsoft Himalaya"/>
+        <a:font script="Thaa" typeface="MV Boli"/>
+        <a:font script="Deva" typeface="Mangal"/>
+        <a:font script="Telu" typeface="Gautami"/>
+        <a:font script="Taml" typeface="Latha"/>
+        <a:font script="Syrc" typeface="Estrangelo Edessa"/>
+        <a:font script="Orya" typeface="Kalinga"/>
+        <a:font script="Mlym" typeface="Kartika"/>
+        <a:font script="Laoo" typeface="DokChampa"/>
+        <a:font script="Sinh" typeface="Iskoola Pota"/>
+        <a:font script="Mong" typeface="Mongolian Baiti"/>
+        <a:font script="Viet" typeface="Times New Roman"/>
+        <a:font script="Uigh" typeface="Microsoft Uighur"/>
+        <a:font script="Geor" typeface="Sylfaen"/>
+        <a:font script="Armn" typeface="Arial"/>
+        <a:font script="Bugi" typeface="Leelawadee UI"/>
+        <a:font script="Bopo" typeface="Microsoft JhengHei"/>
+        <a:font script="Java" typeface="Javanese Text"/>
+        <a:font script="Lisu" typeface="Segoe UI"/>
+        <a:font script="Mymr" typeface="Myanmar Text"/>
+        <a:font script="Nkoo" typeface="Ebrima"/>
+        <a:font script="Olck" typeface="Nirmala UI"/>
+        <a:font script="Osma" typeface="Ebrima"/>
+        <a:font script="Phag" typeface="Phagspa"/>
+        <a:font script="Syrn" typeface="Estrangelo Edessa"/>
+        <a:font script="Syrj" typeface="Estrangelo Edessa"/>
+        <a:font script="Syre" typeface="Estrangelo Edessa"/>
+        <a:font script="Sora" typeface="Nirmala UI"/>
+        <a:font script="Tale" typeface="Microsoft Tai Le"/>
+        <a:font script="Talu" typeface="Microsoft New Tai Lue"/>
+        <a:font script="Tfng" typeface="Ebrima"/>
+      </a:majorFont>
+      <a:minorFont>
+        <a:latin typeface="Calibri" panose="020F0502020204030204"/>
+        <a:ea typeface=""/>
+        <a:cs typeface=""/>
+        <a:font script="Jpan" typeface="游ゴシック"/>
+        <a:font script="Hang" typeface="맑은 고딕"/>
+        <a:font script="Hans" typeface="等线"/>
+        <a:font script="Hant" typeface="新細明體"/>
+        <a:font script="Arab" typeface="Arial"/>
+        <a:font script="Hebr" typeface="Arial"/>
+        <a:font script="Thai" typeface="Cordia New"/>
+        <a:font script="Ethi" typeface="Nyala"/>
+        <a:font script="Beng" typeface="Vrinda"/>
+        <a:font script="Gujr" typeface="Shruti"/>
+        <a:font script="Khmr" typeface="DaunPenh"/>
+        <a:font script="Knda" typeface="Tunga"/>
+        <a:font script="Guru" typeface="Raavi"/>
+        <a:font script="Cans" typeface="Euphemia"/>
+        <a:font script="Cher" typeface="Plantagenet Cherokee"/>
+        <a:font script="Yiii" typeface="Microsoft Yi Baiti"/>
+        <a:font script="Tibt" typeface="Microsoft Himalaya"/>
+        <a:font script="Thaa" typeface="MV Boli"/>
+        <a:font script="Deva" typeface="Mangal"/>
+        <a:font script="Telu" typeface="Gautami"/>
+        <a:font script="Taml" typeface="Latha"/>
+        <a:font script="Syrc" typeface="Estrangelo Edessa"/>
+        <a:font script="Orya" typeface="Kalinga"/>
+        <a:font script="Mlym" typeface="Kartika"/>
+        <a:font script="Laoo" typeface="DokChampa"/>
+        <a:font script="Sinh" typeface="Iskoola Pota"/>
+        <a:font script="Mong" typeface="Mongolian Baiti"/>
+        <a:font script="Viet" typeface="Arial"/>
+        <a:font script="Uigh" typeface="Microsoft Uighur"/>
+        <a:font script="Geor" typeface="Sylfaen"/>
+        <a:font script="Armn" typeface="Arial"/>
+        <a:font script="Bugi" typeface="Leelawadee UI"/>
+        <a:font script="Bopo" typeface="Microsoft JhengHei"/>
+        <a:font script="Java" typeface="Javanese Text"/>
+        <a:font script="Lisu" typeface="Segoe UI"/>
+        <a:font script="Mymr" typeface="Myanmar Text"/>
+        <a:font script="Nkoo" typeface="Ebrima"/>
+        <a:font script="Olck" typeface="Nirmala UI"/>
+        <a:font script="Osma" typeface="Ebrima"/>
+        <a:font script="Phag" typeface="Phagspa"/>
+        <a:font script="Syrn" typeface="Estrangelo Edessa"/>
+        <a:font script="Syrj" typeface="Estrangelo Edessa"/>
+        <a:font script="Syre" typeface="Estrangelo Edessa"/>
+        <a:font script="Sora" typeface="Nirmala UI"/>
+        <a:font script="Tale" typeface="Microsoft Tai Le"/>
+        <a:font script="Talu" typeface="Microsoft New Tai Lue"/>
+        <a:font script="Tfng" typeface="Ebrima"/>
+      </a:minorFont>
+    </a:fontScheme>
+    <a:fmtScheme name="Стандартная">
+      <a:fillStyleLst>
+        <a:solidFill>
+          <a:schemeClr val="phClr"/>
+        </a:solidFill>
+        <a:gradFill rotWithShape="1">
+          <a:gsLst>
+            <a:gs pos="0">
+              <a:schemeClr val="phClr">
+                <a:lumMod val="110000"/>
+                <a:satMod val="105000"/>
+                <a:tint val="67000"/>
+              </a:schemeClr>
+            </a:gs>
+            <a:gs pos="50000">
+              <a:schemeClr val="phClr">
+                <a:lumMod val="105000"/>
+                <a:satMod val="103000"/>
+                <a:tint val="73000"/>
+              </a:schemeClr>
+            </a:gs>
+            <a:gs pos="100000">
+              <a:schemeClr val="phClr">
+                <a:lumMod val="105000"/>
+                <a:satMod val="109000"/>
+                <a:tint val="81000"/>
+              </a:schemeClr>
+            </a:gs>
+          </a:gsLst>
+          <a:lin ang="5400000" scaled="0"/>
+        </a:gradFill>
+        <a:gradFill rotWithShape="1">
+          <a:gsLst>
+            <a:gs pos="0">
+              <a:schemeClr val="phClr">
+                <a:satMod val="103000"/>
+                <a:lumMod val="102000"/>
+                <a:tint val="94000"/>
+              </a:schemeClr>
+            </a:gs>
+            <a:gs pos="50000">
+              <a:schemeClr val="phClr">
+                <a:satMod val="110000"/>
+                <a:lumMod val="100000"/>
+                <a:shade val="100000"/>
+              </a:schemeClr>
+            </a:gs>
+            <a:gs pos="100000">
+              <a:schemeClr val="phClr">
+                <a:lumMod val="99000"/>
+                <a:satMod val="120000"/>
+                <a:shade val="78000"/>
+              </a:schemeClr>
+            </a:gs>
+          </a:gsLst>
+          <a:lin ang="5400000" scaled="0"/>
+        </a:gradFill>
+      </a:fillStyleLst>
+      <a:lnStyleLst>
+        <a:ln w="6350" cap="flat" cmpd="sng" algn="ctr">
+          <a:solidFill>
+            <a:schemeClr val="phClr"/>
+          </a:solidFill>
+          <a:prstDash val="solid"/>
+          <a:miter lim="800000"/>
+        </a:ln>
+        <a:ln w="12700" cap="flat" cmpd="sng" algn="ctr">
+          <a:solidFill>
+            <a:schemeClr val="phClr"/>
+          </a:solidFill>
+          <a:prstDash val="solid"/>
+          <a:miter lim="800000"/>
+        </a:ln>
+        <a:ln w="19050" cap="flat" cmpd="sng" algn="ctr">
+          <a:solidFill>
+            <a:schemeClr val="phClr"/>
+          </a:solidFill>
+          <a:prstDash val="solid"/>
+          <a:miter lim="800000"/>
+        </a:ln>
+      </a:lnStyleLst>
+      <a:effectStyleLst>
+        <a:effectStyle>
+          <a:effectLst/>
+        </a:effectStyle>
+        <a:effectStyle>
+          <a:effectLst/>
+        </a:effectStyle>
+        <a:effectStyle>
+          <a:effectLst>
+            <a:outerShdw blurRad="57150" dist="19050" dir="5400000" algn="ctr" rotWithShape="0">
+              <a:srgbClr val="000000">
+                <a:alpha val="63000"/>
+              </a:srgbClr>
+            </a:outerShdw>
+          </a:effectLst>
+        </a:effectStyle>
+      </a:effectStyleLst>
+      <a:bgFillStyleLst>
+        <a:solidFill>
+          <a:schemeClr val="phClr"/>
+        </a:solidFill>
+        <a:solidFill>
+          <a:schemeClr val="phClr">
+            <a:tint val="95000"/>
+            <a:satMod val="170000"/>
+          </a:schemeClr>
+        </a:solidFill>
+        <a:gradFill rotWithShape="1">
+          <a:gsLst>
+            <a:gs pos="0">
+              <a:schemeClr val="phClr">
+                <a:tint val="93000"/>
+                <a:satMod val="150000"/>
+                <a:shade val="98000"/>
+                <a:lumMod val="102000"/>
+              </a:schemeClr>
+            </a:gs>
+            <a:gs pos="50000">
+              <a:schemeClr val="phClr">
+                <a:tint val="98000"/>
+                <a:satMod val="130000"/>
+                <a:shade val="90000"/>
+                <a:lumMod val="103000"/>
+              </a:schemeClr>
+            </a:gs>
+            <a:gs pos="100000">
+              <a:schemeClr val="phClr">
+                <a:shade val="63000"/>
+                <a:satMod val="120000"/>
+              </a:schemeClr>
+            </a:gs>
+          </a:gsLst>
+          <a:lin ang="5400000" scaled="0"/>
+        </a:gradFill>
+      </a:bgFillStyleLst>
+    </a:fmtScheme>
+  </a:themeElements>
+  <a:objectDefaults/>
+  <a:extraClrSchemeLst/>
+  <a:extLst>
+    <a:ext uri="{05A4C25C-085E-4340-85A3-A5531E510DB2}">
+      <thm15:themeFamily xmlns:thm15="http://schemas.microsoft.com/office/thememl/2012/main" name="Office Theme" id="{62F939B6-93AF-4DB8-9C6B-D6C7DFDC589F}" vid="{4A3C46E8-61CC-4603-A589-7422A47A8E4A}"/>
+    </a:ext>
+  </a:extLst>
+</a:theme>
 </file>